--- a/debug/ANR原理简介.pptx
+++ b/debug/ANR原理简介.pptx
@@ -1,25 +1,32 @@
 
 <file path=ppt/presentation.xml><?xml version="1.0" encoding="utf-8"?>
-<p:presentation xmlns:a="http://schemas.openxmlformats.org/drawingml/2006/main" xmlns:r="http://schemas.openxmlformats.org/officeDocument/2006/relationships" xmlns:p="http://schemas.openxmlformats.org/presentationml/2006/main" saveSubsetFonts="1" autoCompressPictures="0">
+<p:presentation xmlns:a="http://schemas.openxmlformats.org/drawingml/2006/main" xmlns:r="http://schemas.openxmlformats.org/officeDocument/2006/relationships" xmlns:p="http://schemas.openxmlformats.org/presentationml/2006/main" autoCompressPictures="0">
   <p:sldMasterIdLst>
-    <p:sldMasterId id="2147483668" r:id="rId1"/>
+    <p:sldMasterId id="2147483648" r:id="rId1"/>
   </p:sldMasterIdLst>
+  <p:notesMasterIdLst>
+    <p:notesMasterId r:id="rId5"/>
+  </p:notesMasterIdLst>
   <p:sldIdLst>
-    <p:sldId id="256" r:id="rId2"/>
-    <p:sldId id="257" r:id="rId3"/>
-    <p:sldId id="258" r:id="rId4"/>
-    <p:sldId id="277" r:id="rId5"/>
-    <p:sldId id="259" r:id="rId6"/>
-    <p:sldId id="260" r:id="rId7"/>
-    <p:sldId id="261" r:id="rId8"/>
-    <p:sldId id="262" r:id="rId9"/>
-    <p:sldId id="270" r:id="rId10"/>
-    <p:sldId id="278" r:id="rId11"/>
-    <p:sldId id="271" r:id="rId12"/>
-    <p:sldId id="265" r:id="rId13"/>
-    <p:sldId id="268" r:id="rId14"/>
-    <p:sldId id="263" r:id="rId15"/>
-    <p:sldId id="275" r:id="rId16"/>
+    <p:sldId id="256" r:id="rId3"/>
+    <p:sldId id="257" r:id="rId4"/>
+    <p:sldId id="270" r:id="rId6"/>
+    <p:sldId id="289" r:id="rId7"/>
+    <p:sldId id="290" r:id="rId8"/>
+    <p:sldId id="278" r:id="rId9"/>
+    <p:sldId id="262" r:id="rId10"/>
+    <p:sldId id="258" r:id="rId11"/>
+    <p:sldId id="277" r:id="rId12"/>
+    <p:sldId id="259" r:id="rId13"/>
+    <p:sldId id="260" r:id="rId14"/>
+    <p:sldId id="261" r:id="rId15"/>
+    <p:sldId id="291" r:id="rId16"/>
+    <p:sldId id="292" r:id="rId17"/>
+    <p:sldId id="271" r:id="rId18"/>
+    <p:sldId id="265" r:id="rId19"/>
+    <p:sldId id="268" r:id="rId20"/>
+    <p:sldId id="263" r:id="rId21"/>
+    <p:sldId id="275" r:id="rId22"/>
   </p:sldIdLst>
   <p:sldSz cx="12192000" cy="6858000"/>
   <p:notesSz cx="6858000" cy="9144000"/>
@@ -118,16 +125,402 @@
       </a:defRPr>
     </a:lvl9pPr>
   </p:defaultTextStyle>
-  <p:extLst>
-    <p:ext uri="{EFAFB233-063F-42B5-8137-9DF3F51BA10A}">
-      <p15:sldGuideLst xmlns:p15="http://schemas.microsoft.com/office/powerpoint/2012/main"/>
-    </p:ext>
-  </p:extLst>
 </p:presentation>
 </file>
 
+<file path=ppt/notesMasters/notesMaster1.xml><?xml version="1.0" encoding="utf-8"?>
+<p:notesMaster xmlns:a="http://schemas.openxmlformats.org/drawingml/2006/main" xmlns:r="http://schemas.openxmlformats.org/officeDocument/2006/relationships" xmlns:p="http://schemas.openxmlformats.org/presentationml/2006/main">
+  <p:cSld>
+    <p:bg>
+      <p:bgRef idx="1001">
+        <a:schemeClr val="bg1"/>
+      </p:bgRef>
+    </p:bg>
+    <p:spTree>
+      <p:nvGrpSpPr>
+        <p:cNvPr id="1" name=""/>
+        <p:cNvGrpSpPr/>
+        <p:nvPr/>
+      </p:nvGrpSpPr>
+      <p:grpSpPr>
+        <a:xfrm>
+          <a:off x="0" y="0"/>
+          <a:ext cx="0" cy="0"/>
+          <a:chOff x="0" y="0"/>
+          <a:chExt cx="0" cy="0"/>
+        </a:xfrm>
+      </p:grpSpPr>
+      <p:sp>
+        <p:nvSpPr>
+          <p:cNvPr id="2" name="页眉占位符 1"/>
+          <p:cNvSpPr>
+            <a:spLocks noGrp="1"/>
+          </p:cNvSpPr>
+          <p:nvPr>
+            <p:ph type="hdr" sz="quarter"/>
+          </p:nvPr>
+        </p:nvSpPr>
+        <p:spPr>
+          <a:xfrm>
+            <a:off x="0" y="0"/>
+            <a:ext cx="2971800" cy="458788"/>
+          </a:xfrm>
+          <a:prstGeom prst="rect">
+            <a:avLst/>
+          </a:prstGeom>
+        </p:spPr>
+        <p:txBody>
+          <a:bodyPr vert="horz" lIns="91440" tIns="45720" rIns="91440" bIns="45720" rtlCol="0"/>
+          <a:lstStyle>
+            <a:lvl1pPr algn="l">
+              <a:defRPr sz="1200"/>
+            </a:lvl1pPr>
+          </a:lstStyle>
+          <a:p>
+            <a:endParaRPr lang="zh-CN" altLang="en-US"/>
+          </a:p>
+        </p:txBody>
+      </p:sp>
+      <p:sp>
+        <p:nvSpPr>
+          <p:cNvPr id="3" name="日期占位符 2"/>
+          <p:cNvSpPr>
+            <a:spLocks noGrp="1"/>
+          </p:cNvSpPr>
+          <p:nvPr>
+            <p:ph type="dt" idx="1"/>
+          </p:nvPr>
+        </p:nvSpPr>
+        <p:spPr>
+          <a:xfrm>
+            <a:off x="3884613" y="0"/>
+            <a:ext cx="2971800" cy="458788"/>
+          </a:xfrm>
+          <a:prstGeom prst="rect">
+            <a:avLst/>
+          </a:prstGeom>
+        </p:spPr>
+        <p:txBody>
+          <a:bodyPr vert="horz" lIns="91440" tIns="45720" rIns="91440" bIns="45720" rtlCol="0"/>
+          <a:lstStyle>
+            <a:lvl1pPr algn="r">
+              <a:defRPr sz="1200"/>
+            </a:lvl1pPr>
+          </a:lstStyle>
+          <a:p>
+            <a:fld id="{D2A48B96-639E-45A3-A0BA-2464DFDB1FAA}" type="datetimeFigureOut">
+              <a:rPr lang="zh-CN" altLang="en-US" smtClean="0"/>
+            </a:fld>
+            <a:endParaRPr lang="zh-CN" altLang="en-US"/>
+          </a:p>
+        </p:txBody>
+      </p:sp>
+      <p:sp>
+        <p:nvSpPr>
+          <p:cNvPr id="4" name="幻灯片图像占位符 3"/>
+          <p:cNvSpPr>
+            <a:spLocks noGrp="1" noRot="1" noChangeAspect="1"/>
+          </p:cNvSpPr>
+          <p:nvPr>
+            <p:ph type="sldImg" idx="2"/>
+          </p:nvPr>
+        </p:nvSpPr>
+        <p:spPr>
+          <a:xfrm>
+            <a:off x="685800" y="1143000"/>
+            <a:ext cx="5486400" cy="3086100"/>
+          </a:xfrm>
+          <a:prstGeom prst="rect">
+            <a:avLst/>
+          </a:prstGeom>
+          <a:noFill/>
+          <a:ln w="12700">
+            <a:solidFill>
+              <a:prstClr val="black"/>
+            </a:solidFill>
+          </a:ln>
+        </p:spPr>
+        <p:txBody>
+          <a:bodyPr vert="horz" lIns="91440" tIns="45720" rIns="91440" bIns="45720" rtlCol="0" anchor="ctr"/>
+          <a:lstStyle/>
+          <a:p>
+            <a:endParaRPr lang="zh-CN" altLang="en-US"/>
+          </a:p>
+        </p:txBody>
+      </p:sp>
+      <p:sp>
+        <p:nvSpPr>
+          <p:cNvPr id="5" name="备注占位符 4"/>
+          <p:cNvSpPr>
+            <a:spLocks noGrp="1"/>
+          </p:cNvSpPr>
+          <p:nvPr>
+            <p:ph type="body" sz="quarter" idx="3"/>
+          </p:nvPr>
+        </p:nvSpPr>
+        <p:spPr>
+          <a:xfrm>
+            <a:off x="685800" y="4400550"/>
+            <a:ext cx="5486400" cy="3600450"/>
+          </a:xfrm>
+          <a:prstGeom prst="rect">
+            <a:avLst/>
+          </a:prstGeom>
+        </p:spPr>
+        <p:txBody>
+          <a:bodyPr vert="horz" lIns="91440" tIns="45720" rIns="91440" bIns="45720" rtlCol="0"/>
+          <a:lstStyle/>
+          <a:p>
+            <a:pPr lvl="0"/>
+            <a:r>
+              <a:rPr lang="zh-CN" altLang="en-US" smtClean="0"/>
+              <a:t>单击此处编辑母版文本样式</a:t>
+            </a:r>
+            <a:endParaRPr lang="zh-CN" altLang="en-US" smtClean="0"/>
+          </a:p>
+          <a:p>
+            <a:pPr lvl="1"/>
+            <a:r>
+              <a:rPr lang="zh-CN" altLang="en-US" smtClean="0"/>
+              <a:t>第二级</a:t>
+            </a:r>
+            <a:endParaRPr lang="zh-CN" altLang="en-US" smtClean="0"/>
+          </a:p>
+          <a:p>
+            <a:pPr lvl="2"/>
+            <a:r>
+              <a:rPr lang="zh-CN" altLang="en-US" smtClean="0"/>
+              <a:t>第三级</a:t>
+            </a:r>
+            <a:endParaRPr lang="zh-CN" altLang="en-US" smtClean="0"/>
+          </a:p>
+          <a:p>
+            <a:pPr lvl="3"/>
+            <a:r>
+              <a:rPr lang="zh-CN" altLang="en-US" smtClean="0"/>
+              <a:t>第四级</a:t>
+            </a:r>
+            <a:endParaRPr lang="zh-CN" altLang="en-US" smtClean="0"/>
+          </a:p>
+          <a:p>
+            <a:pPr lvl="4"/>
+            <a:r>
+              <a:rPr lang="zh-CN" altLang="en-US" smtClean="0"/>
+              <a:t>第五级</a:t>
+            </a:r>
+            <a:endParaRPr lang="zh-CN" altLang="en-US"/>
+          </a:p>
+        </p:txBody>
+      </p:sp>
+      <p:sp>
+        <p:nvSpPr>
+          <p:cNvPr id="6" name="页脚占位符 5"/>
+          <p:cNvSpPr>
+            <a:spLocks noGrp="1"/>
+          </p:cNvSpPr>
+          <p:nvPr>
+            <p:ph type="ftr" sz="quarter" idx="4"/>
+          </p:nvPr>
+        </p:nvSpPr>
+        <p:spPr>
+          <a:xfrm>
+            <a:off x="0" y="8685213"/>
+            <a:ext cx="2971800" cy="458787"/>
+          </a:xfrm>
+          <a:prstGeom prst="rect">
+            <a:avLst/>
+          </a:prstGeom>
+        </p:spPr>
+        <p:txBody>
+          <a:bodyPr vert="horz" lIns="91440" tIns="45720" rIns="91440" bIns="45720" rtlCol="0" anchor="b"/>
+          <a:lstStyle>
+            <a:lvl1pPr algn="l">
+              <a:defRPr sz="1200"/>
+            </a:lvl1pPr>
+          </a:lstStyle>
+          <a:p>
+            <a:endParaRPr lang="zh-CN" altLang="en-US"/>
+          </a:p>
+        </p:txBody>
+      </p:sp>
+      <p:sp>
+        <p:nvSpPr>
+          <p:cNvPr id="7" name="灯片编号占位符 6"/>
+          <p:cNvSpPr>
+            <a:spLocks noGrp="1"/>
+          </p:cNvSpPr>
+          <p:nvPr>
+            <p:ph type="sldNum" sz="quarter" idx="5"/>
+          </p:nvPr>
+        </p:nvSpPr>
+        <p:spPr>
+          <a:xfrm>
+            <a:off x="3884613" y="8685213"/>
+            <a:ext cx="2971800" cy="458787"/>
+          </a:xfrm>
+          <a:prstGeom prst="rect">
+            <a:avLst/>
+          </a:prstGeom>
+        </p:spPr>
+        <p:txBody>
+          <a:bodyPr vert="horz" lIns="91440" tIns="45720" rIns="91440" bIns="45720" rtlCol="0" anchor="b"/>
+          <a:lstStyle>
+            <a:lvl1pPr algn="r">
+              <a:defRPr sz="1200"/>
+            </a:lvl1pPr>
+          </a:lstStyle>
+          <a:p>
+            <a:fld id="{A6837353-30EB-4A48-80EB-173D804AEFBD}" type="slidenum">
+              <a:rPr lang="zh-CN" altLang="en-US" smtClean="0"/>
+            </a:fld>
+            <a:endParaRPr lang="zh-CN" altLang="en-US"/>
+          </a:p>
+        </p:txBody>
+      </p:sp>
+    </p:spTree>
+  </p:cSld>
+  <p:clrMap bg1="lt1" tx1="dk1" bg2="lt2" tx2="dk2" accent1="accent1" accent2="accent2" accent3="accent3" accent4="accent4" accent5="accent5" accent6="accent6" hlink="hlink" folHlink="folHlink"/>
+  <p:notesStyle>
+    <a:lvl1pPr marL="0" algn="l" defTabSz="914400" rtl="0" eaLnBrk="1" latinLnBrk="0" hangingPunct="1">
+      <a:defRPr sz="1200" kern="1200">
+        <a:solidFill>
+          <a:schemeClr val="tx1"/>
+        </a:solidFill>
+        <a:latin typeface="+mn-lt"/>
+        <a:ea typeface="+mn-ea"/>
+        <a:cs typeface="+mn-cs"/>
+      </a:defRPr>
+    </a:lvl1pPr>
+    <a:lvl2pPr marL="457200" algn="l" defTabSz="914400" rtl="0" eaLnBrk="1" latinLnBrk="0" hangingPunct="1">
+      <a:defRPr sz="1200" kern="1200">
+        <a:solidFill>
+          <a:schemeClr val="tx1"/>
+        </a:solidFill>
+        <a:latin typeface="+mn-lt"/>
+        <a:ea typeface="+mn-ea"/>
+        <a:cs typeface="+mn-cs"/>
+      </a:defRPr>
+    </a:lvl2pPr>
+    <a:lvl3pPr marL="914400" algn="l" defTabSz="914400" rtl="0" eaLnBrk="1" latinLnBrk="0" hangingPunct="1">
+      <a:defRPr sz="1200" kern="1200">
+        <a:solidFill>
+          <a:schemeClr val="tx1"/>
+        </a:solidFill>
+        <a:latin typeface="+mn-lt"/>
+        <a:ea typeface="+mn-ea"/>
+        <a:cs typeface="+mn-cs"/>
+      </a:defRPr>
+    </a:lvl3pPr>
+    <a:lvl4pPr marL="1371600" algn="l" defTabSz="914400" rtl="0" eaLnBrk="1" latinLnBrk="0" hangingPunct="1">
+      <a:defRPr sz="1200" kern="1200">
+        <a:solidFill>
+          <a:schemeClr val="tx1"/>
+        </a:solidFill>
+        <a:latin typeface="+mn-lt"/>
+        <a:ea typeface="+mn-ea"/>
+        <a:cs typeface="+mn-cs"/>
+      </a:defRPr>
+    </a:lvl4pPr>
+    <a:lvl5pPr marL="1828800" algn="l" defTabSz="914400" rtl="0" eaLnBrk="1" latinLnBrk="0" hangingPunct="1">
+      <a:defRPr sz="1200" kern="1200">
+        <a:solidFill>
+          <a:schemeClr val="tx1"/>
+        </a:solidFill>
+        <a:latin typeface="+mn-lt"/>
+        <a:ea typeface="+mn-ea"/>
+        <a:cs typeface="+mn-cs"/>
+      </a:defRPr>
+    </a:lvl5pPr>
+    <a:lvl6pPr marL="2286000" algn="l" defTabSz="914400" rtl="0" eaLnBrk="1" latinLnBrk="0" hangingPunct="1">
+      <a:defRPr sz="1200" kern="1200">
+        <a:solidFill>
+          <a:schemeClr val="tx1"/>
+        </a:solidFill>
+        <a:latin typeface="+mn-lt"/>
+        <a:ea typeface="+mn-ea"/>
+        <a:cs typeface="+mn-cs"/>
+      </a:defRPr>
+    </a:lvl6pPr>
+    <a:lvl7pPr marL="2743200" algn="l" defTabSz="914400" rtl="0" eaLnBrk="1" latinLnBrk="0" hangingPunct="1">
+      <a:defRPr sz="1200" kern="1200">
+        <a:solidFill>
+          <a:schemeClr val="tx1"/>
+        </a:solidFill>
+        <a:latin typeface="+mn-lt"/>
+        <a:ea typeface="+mn-ea"/>
+        <a:cs typeface="+mn-cs"/>
+      </a:defRPr>
+    </a:lvl7pPr>
+    <a:lvl8pPr marL="3200400" algn="l" defTabSz="914400" rtl="0" eaLnBrk="1" latinLnBrk="0" hangingPunct="1">
+      <a:defRPr sz="1200" kern="1200">
+        <a:solidFill>
+          <a:schemeClr val="tx1"/>
+        </a:solidFill>
+        <a:latin typeface="+mn-lt"/>
+        <a:ea typeface="+mn-ea"/>
+        <a:cs typeface="+mn-cs"/>
+      </a:defRPr>
+    </a:lvl8pPr>
+    <a:lvl9pPr marL="3657600" algn="l" defTabSz="914400" rtl="0" eaLnBrk="1" latinLnBrk="0" hangingPunct="1">
+      <a:defRPr sz="1200" kern="1200">
+        <a:solidFill>
+          <a:schemeClr val="tx1"/>
+        </a:solidFill>
+        <a:latin typeface="+mn-lt"/>
+        <a:ea typeface="+mn-ea"/>
+        <a:cs typeface="+mn-cs"/>
+      </a:defRPr>
+    </a:lvl9pPr>
+  </p:notesStyle>
+</p:notesMaster>
+</file>
+
+<file path=ppt/notesSlides/notesSlide1.xml><?xml version="1.0" encoding="utf-8"?>
+<p:notes xmlns:a="http://schemas.openxmlformats.org/drawingml/2006/main" xmlns:r="http://schemas.openxmlformats.org/officeDocument/2006/relationships" xmlns:p="http://schemas.openxmlformats.org/presentationml/2006/main">
+  <p:cSld>
+    <p:spTree>
+      <p:nvGrpSpPr>
+        <p:cNvPr id="1" name=""/>
+        <p:cNvGrpSpPr/>
+        <p:nvPr/>
+      </p:nvGrpSpPr>
+      <p:grpSpPr/>
+      <p:sp>
+        <p:nvSpPr>
+          <p:cNvPr id="2" name="幻灯片图像占位符 1"/>
+          <p:cNvSpPr/>
+          <p:nvPr>
+            <p:ph type="sldImg" idx="2"/>
+          </p:nvPr>
+        </p:nvSpPr>
+        <p:spPr/>
+      </p:sp>
+      <p:sp>
+        <p:nvSpPr>
+          <p:cNvPr id="3" name="文本占位符 2"/>
+          <p:cNvSpPr/>
+          <p:nvPr>
+            <p:ph type="body" idx="3"/>
+          </p:nvPr>
+        </p:nvSpPr>
+        <p:spPr/>
+        <p:txBody>
+          <a:bodyPr/>
+          <a:p>
+            <a:endParaRPr lang="zh-CN" altLang="en-US"/>
+          </a:p>
+        </p:txBody>
+      </p:sp>
+    </p:spTree>
+  </p:cSld>
+  <p:clrMapOvr>
+    <a:masterClrMapping/>
+  </p:clrMapOvr>
+</p:notes>
+</file>
+
 <file path=ppt/slideLayouts/slideLayout1.xml><?xml version="1.0" encoding="utf-8"?>
-<p:sldLayout xmlns:a="http://schemas.openxmlformats.org/drawingml/2006/main" xmlns:r="http://schemas.openxmlformats.org/officeDocument/2006/relationships" xmlns:p="http://schemas.openxmlformats.org/presentationml/2006/main" showMasterSp="0" type="title" preserve="1">
+<p:sldLayout xmlns:a="http://schemas.openxmlformats.org/drawingml/2006/main" xmlns:r="http://schemas.openxmlformats.org/officeDocument/2006/relationships" xmlns:p="http://schemas.openxmlformats.org/presentationml/2006/main" type="title" preserve="1" showMasterSp="0">
   <p:cSld name="标题幻灯片">
     <p:spTree>
       <p:nvGrpSpPr>
@@ -871,8 +1264,6 @@
           <a:p>
             <a:fld id="{B61BEF0D-F0BB-DE4B-95CE-6DB70DBA9567}" type="datetimeFigureOut">
               <a:rPr lang="en-US" smtClean="0"/>
-              <a:pPr/>
-              <a:t>8/10/2017</a:t>
             </a:fld>
             <a:endParaRPr lang="en-US" dirty="0"/>
           </a:p>
@@ -914,19 +1305,12 @@
           <a:p>
             <a:fld id="{D57F1E4F-1CFF-5643-939E-217C01CDF565}" type="slidenum">
               <a:rPr lang="en-US" smtClean="0"/>
-              <a:pPr/>
-              <a:t>‹#›</a:t>
             </a:fld>
             <a:endParaRPr lang="en-US" dirty="0"/>
           </a:p>
         </p:txBody>
       </p:sp>
     </p:spTree>
-    <p:extLst>
-      <p:ext uri="{BB962C8B-B14F-4D97-AF65-F5344CB8AC3E}">
-        <p14:creationId xmlns:p14="http://schemas.microsoft.com/office/powerpoint/2010/main" val="2492710901"/>
-      </p:ext>
-    </p:extLst>
   </p:cSld>
   <p:clrMapOvr>
     <a:masterClrMapping/>
@@ -1104,6 +1488,7 @@
               <a:rPr lang="zh-CN" altLang="en-US" smtClean="0"/>
               <a:t>单击此处编辑母版文本样式</a:t>
             </a:r>
+            <a:endParaRPr lang="zh-CN" altLang="en-US" smtClean="0"/>
           </a:p>
         </p:txBody>
       </p:sp>
@@ -1124,8 +1509,6 @@
           <a:p>
             <a:fld id="{B61BEF0D-F0BB-DE4B-95CE-6DB70DBA9567}" type="datetimeFigureOut">
               <a:rPr lang="en-US" smtClean="0"/>
-              <a:pPr/>
-              <a:t>8/10/2017</a:t>
             </a:fld>
             <a:endParaRPr lang="en-US" dirty="0"/>
           </a:p>
@@ -1167,19 +1550,12 @@
           <a:p>
             <a:fld id="{D57F1E4F-1CFF-5643-939E-217C01CDF565}" type="slidenum">
               <a:rPr lang="en-US" smtClean="0"/>
-              <a:pPr/>
-              <a:t>‹#›</a:t>
             </a:fld>
             <a:endParaRPr lang="en-US" dirty="0"/>
           </a:p>
         </p:txBody>
       </p:sp>
     </p:spTree>
-    <p:extLst>
-      <p:ext uri="{BB962C8B-B14F-4D97-AF65-F5344CB8AC3E}">
-        <p14:creationId xmlns:p14="http://schemas.microsoft.com/office/powerpoint/2010/main" val="320960976"/>
-      </p:ext>
-    </p:extLst>
   </p:cSld>
   <p:clrMapOvr>
     <a:masterClrMapping/>
@@ -1298,6 +1674,7 @@
               <a:rPr lang="zh-CN" altLang="en-US" smtClean="0"/>
               <a:t>单击此处编辑母版文本样式</a:t>
             </a:r>
+            <a:endParaRPr lang="zh-CN" altLang="en-US" smtClean="0"/>
           </a:p>
         </p:txBody>
       </p:sp>
@@ -1420,6 +1797,7 @@
               <a:rPr lang="zh-CN" altLang="en-US" smtClean="0"/>
               <a:t>单击此处编辑母版文本样式</a:t>
             </a:r>
+            <a:endParaRPr lang="zh-CN" altLang="en-US" smtClean="0"/>
           </a:p>
         </p:txBody>
       </p:sp>
@@ -1440,8 +1818,6 @@
           <a:p>
             <a:fld id="{B61BEF0D-F0BB-DE4B-95CE-6DB70DBA9567}" type="datetimeFigureOut">
               <a:rPr lang="en-US" smtClean="0"/>
-              <a:pPr/>
-              <a:t>8/10/2017</a:t>
             </a:fld>
             <a:endParaRPr lang="en-US" dirty="0"/>
           </a:p>
@@ -1483,8 +1859,6 @@
           <a:p>
             <a:fld id="{D57F1E4F-1CFF-5643-939E-217C01CDF565}" type="slidenum">
               <a:rPr lang="en-US" smtClean="0"/>
-              <a:pPr/>
-              <a:t>‹#›</a:t>
             </a:fld>
             <a:endParaRPr lang="en-US" dirty="0"/>
           </a:p>
@@ -1524,10 +1898,23 @@
                   </a:schemeClr>
                 </a:solidFill>
                 <a:effectLst/>
-                <a:latin typeface="Arial"/>
+                <a:latin typeface="Arial" panose="020B0604020202020204"/>
               </a:rPr>
               <a:t>“</a:t>
             </a:r>
+            <a:endParaRPr lang="en-US" sz="8000" baseline="0" dirty="0">
+              <a:ln w="3175" cmpd="sng">
+                <a:noFill/>
+              </a:ln>
+              <a:solidFill>
+                <a:schemeClr val="accent1">
+                  <a:lumMod val="60000"/>
+                  <a:lumOff val="40000"/>
+                </a:schemeClr>
+              </a:solidFill>
+              <a:effectLst/>
+              <a:latin typeface="Arial" panose="020B0604020202020204"/>
+            </a:endParaRPr>
           </a:p>
         </p:txBody>
       </p:sp>
@@ -1565,19 +1952,27 @@
                   </a:schemeClr>
                 </a:solidFill>
                 <a:effectLst/>
-                <a:latin typeface="Arial"/>
+                <a:latin typeface="Arial" panose="020B0604020202020204"/>
               </a:rPr>
               <a:t>”</a:t>
             </a:r>
+            <a:endParaRPr lang="en-US" sz="8000" baseline="0" dirty="0">
+              <a:ln w="3175" cmpd="sng">
+                <a:noFill/>
+              </a:ln>
+              <a:solidFill>
+                <a:schemeClr val="accent1">
+                  <a:lumMod val="60000"/>
+                  <a:lumOff val="40000"/>
+                </a:schemeClr>
+              </a:solidFill>
+              <a:effectLst/>
+              <a:latin typeface="Arial" panose="020B0604020202020204"/>
+            </a:endParaRPr>
           </a:p>
         </p:txBody>
       </p:sp>
     </p:spTree>
-    <p:extLst>
-      <p:ext uri="{BB962C8B-B14F-4D97-AF65-F5344CB8AC3E}">
-        <p14:creationId xmlns:p14="http://schemas.microsoft.com/office/powerpoint/2010/main" val="2023301143"/>
-      </p:ext>
-    </p:extLst>
   </p:cSld>
   <p:clrMapOvr>
     <a:masterClrMapping/>
@@ -1755,6 +2150,7 @@
               <a:rPr lang="zh-CN" altLang="en-US" smtClean="0"/>
               <a:t>单击此处编辑母版文本样式</a:t>
             </a:r>
+            <a:endParaRPr lang="zh-CN" altLang="en-US" smtClean="0"/>
           </a:p>
         </p:txBody>
       </p:sp>
@@ -1775,8 +2171,6 @@
           <a:p>
             <a:fld id="{B61BEF0D-F0BB-DE4B-95CE-6DB70DBA9567}" type="datetimeFigureOut">
               <a:rPr lang="en-US" smtClean="0"/>
-              <a:pPr/>
-              <a:t>8/10/2017</a:t>
             </a:fld>
             <a:endParaRPr lang="en-US" dirty="0"/>
           </a:p>
@@ -1818,19 +2212,12 @@
           <a:p>
             <a:fld id="{D57F1E4F-1CFF-5643-939E-217C01CDF565}" type="slidenum">
               <a:rPr lang="en-US" smtClean="0"/>
-              <a:pPr/>
-              <a:t>‹#›</a:t>
             </a:fld>
             <a:endParaRPr lang="en-US" dirty="0"/>
           </a:p>
         </p:txBody>
       </p:sp>
     </p:spTree>
-    <p:extLst>
-      <p:ext uri="{BB962C8B-B14F-4D97-AF65-F5344CB8AC3E}">
-        <p14:creationId xmlns:p14="http://schemas.microsoft.com/office/powerpoint/2010/main" val="911700345"/>
-      </p:ext>
-    </p:extLst>
   </p:cSld>
   <p:clrMapOvr>
     <a:masterClrMapping/>
@@ -1949,6 +2336,7 @@
               <a:rPr lang="zh-CN" altLang="en-US" smtClean="0"/>
               <a:t>单击此处编辑母版文本样式</a:t>
             </a:r>
+            <a:endParaRPr lang="zh-CN" altLang="en-US" smtClean="0"/>
           </a:p>
         </p:txBody>
       </p:sp>
@@ -2071,6 +2459,7 @@
               <a:rPr lang="zh-CN" altLang="en-US" smtClean="0"/>
               <a:t>单击此处编辑母版文本样式</a:t>
             </a:r>
+            <a:endParaRPr lang="zh-CN" altLang="en-US" smtClean="0"/>
           </a:p>
         </p:txBody>
       </p:sp>
@@ -2091,8 +2480,6 @@
           <a:p>
             <a:fld id="{B61BEF0D-F0BB-DE4B-95CE-6DB70DBA9567}" type="datetimeFigureOut">
               <a:rPr lang="en-US" smtClean="0"/>
-              <a:pPr/>
-              <a:t>8/10/2017</a:t>
             </a:fld>
             <a:endParaRPr lang="en-US" dirty="0"/>
           </a:p>
@@ -2134,8 +2521,6 @@
           <a:p>
             <a:fld id="{D57F1E4F-1CFF-5643-939E-217C01CDF565}" type="slidenum">
               <a:rPr lang="en-US" smtClean="0"/>
-              <a:pPr/>
-              <a:t>‹#›</a:t>
             </a:fld>
             <a:endParaRPr lang="en-US" dirty="0"/>
           </a:p>
@@ -2175,10 +2560,23 @@
                   </a:schemeClr>
                 </a:solidFill>
                 <a:effectLst/>
-                <a:latin typeface="Arial"/>
+                <a:latin typeface="Arial" panose="020B0604020202020204"/>
               </a:rPr>
               <a:t>“</a:t>
             </a:r>
+            <a:endParaRPr lang="en-US" sz="8000" baseline="0" dirty="0">
+              <a:ln w="3175" cmpd="sng">
+                <a:noFill/>
+              </a:ln>
+              <a:solidFill>
+                <a:schemeClr val="accent1">
+                  <a:lumMod val="60000"/>
+                  <a:lumOff val="40000"/>
+                </a:schemeClr>
+              </a:solidFill>
+              <a:effectLst/>
+              <a:latin typeface="Arial" panose="020B0604020202020204"/>
+            </a:endParaRPr>
           </a:p>
         </p:txBody>
       </p:sp>
@@ -2216,19 +2614,27 @@
                   </a:schemeClr>
                 </a:solidFill>
                 <a:effectLst/>
-                <a:latin typeface="Arial"/>
+                <a:latin typeface="Arial" panose="020B0604020202020204"/>
               </a:rPr>
               <a:t>”</a:t>
             </a:r>
+            <a:endParaRPr lang="en-US" sz="8000" baseline="0" dirty="0">
+              <a:ln w="3175" cmpd="sng">
+                <a:noFill/>
+              </a:ln>
+              <a:solidFill>
+                <a:schemeClr val="accent1">
+                  <a:lumMod val="60000"/>
+                  <a:lumOff val="40000"/>
+                </a:schemeClr>
+              </a:solidFill>
+              <a:effectLst/>
+              <a:latin typeface="Arial" panose="020B0604020202020204"/>
+            </a:endParaRPr>
           </a:p>
         </p:txBody>
       </p:sp>
     </p:spTree>
-    <p:extLst>
-      <p:ext uri="{BB962C8B-B14F-4D97-AF65-F5344CB8AC3E}">
-        <p14:creationId xmlns:p14="http://schemas.microsoft.com/office/powerpoint/2010/main" val="2339701223"/>
-      </p:ext>
-    </p:extLst>
   </p:cSld>
   <p:clrMapOvr>
     <a:masterClrMapping/>
@@ -2344,6 +2750,7 @@
               <a:rPr lang="zh-CN" altLang="en-US" smtClean="0"/>
               <a:t>单击此处编辑母版文本样式</a:t>
             </a:r>
+            <a:endParaRPr lang="zh-CN" altLang="en-US" smtClean="0"/>
           </a:p>
         </p:txBody>
       </p:sp>
@@ -2466,6 +2873,7 @@
               <a:rPr lang="zh-CN" altLang="en-US" smtClean="0"/>
               <a:t>单击此处编辑母版文本样式</a:t>
             </a:r>
+            <a:endParaRPr lang="zh-CN" altLang="en-US" smtClean="0"/>
           </a:p>
         </p:txBody>
       </p:sp>
@@ -2486,8 +2894,6 @@
           <a:p>
             <a:fld id="{B61BEF0D-F0BB-DE4B-95CE-6DB70DBA9567}" type="datetimeFigureOut">
               <a:rPr lang="en-US" smtClean="0"/>
-              <a:pPr/>
-              <a:t>8/10/2017</a:t>
             </a:fld>
             <a:endParaRPr lang="en-US" dirty="0"/>
           </a:p>
@@ -2529,19 +2935,12 @@
           <a:p>
             <a:fld id="{D57F1E4F-1CFF-5643-939E-217C01CDF565}" type="slidenum">
               <a:rPr lang="en-US" smtClean="0"/>
-              <a:pPr/>
-              <a:t>‹#›</a:t>
             </a:fld>
             <a:endParaRPr lang="en-US" dirty="0"/>
           </a:p>
         </p:txBody>
       </p:sp>
     </p:spTree>
-    <p:extLst>
-      <p:ext uri="{BB962C8B-B14F-4D97-AF65-F5344CB8AC3E}">
-        <p14:creationId xmlns:p14="http://schemas.microsoft.com/office/powerpoint/2010/main" val="3195373470"/>
-      </p:ext>
-    </p:extLst>
   </p:cSld>
   <p:clrMapOvr>
     <a:masterClrMapping/>
@@ -2609,6 +3008,7 @@
               <a:rPr lang="zh-CN" altLang="en-US" smtClean="0"/>
               <a:t>单击此处编辑母版文本样式</a:t>
             </a:r>
+            <a:endParaRPr lang="zh-CN" altLang="en-US" smtClean="0"/>
           </a:p>
           <a:p>
             <a:pPr lvl="1"/>
@@ -2616,6 +3016,7 @@
               <a:rPr lang="zh-CN" altLang="en-US" smtClean="0"/>
               <a:t>第二级</a:t>
             </a:r>
+            <a:endParaRPr lang="zh-CN" altLang="en-US" smtClean="0"/>
           </a:p>
           <a:p>
             <a:pPr lvl="2"/>
@@ -2623,6 +3024,7 @@
               <a:rPr lang="zh-CN" altLang="en-US" smtClean="0"/>
               <a:t>第三级</a:t>
             </a:r>
+            <a:endParaRPr lang="zh-CN" altLang="en-US" smtClean="0"/>
           </a:p>
           <a:p>
             <a:pPr lvl="3"/>
@@ -2630,6 +3032,7 @@
               <a:rPr lang="zh-CN" altLang="en-US" smtClean="0"/>
               <a:t>第四级</a:t>
             </a:r>
+            <a:endParaRPr lang="zh-CN" altLang="en-US" smtClean="0"/>
           </a:p>
           <a:p>
             <a:pPr lvl="4"/>
@@ -2658,8 +3061,6 @@
           <a:p>
             <a:fld id="{B61BEF0D-F0BB-DE4B-95CE-6DB70DBA9567}" type="datetimeFigureOut">
               <a:rPr lang="en-US" smtClean="0"/>
-              <a:pPr/>
-              <a:t>8/10/2017</a:t>
             </a:fld>
             <a:endParaRPr lang="en-US" dirty="0"/>
           </a:p>
@@ -2701,19 +3102,12 @@
           <a:p>
             <a:fld id="{D57F1E4F-1CFF-5643-939E-217C01CDF565}" type="slidenum">
               <a:rPr lang="en-US" smtClean="0"/>
-              <a:pPr/>
-              <a:t>‹#›</a:t>
             </a:fld>
             <a:endParaRPr lang="en-US" dirty="0"/>
           </a:p>
         </p:txBody>
       </p:sp>
     </p:spTree>
-    <p:extLst>
-      <p:ext uri="{BB962C8B-B14F-4D97-AF65-F5344CB8AC3E}">
-        <p14:creationId xmlns:p14="http://schemas.microsoft.com/office/powerpoint/2010/main" val="604048248"/>
-      </p:ext>
-    </p:extLst>
   </p:cSld>
   <p:clrMapOvr>
     <a:masterClrMapping/>
@@ -2791,6 +3185,7 @@
               <a:rPr lang="zh-CN" altLang="en-US" smtClean="0"/>
               <a:t>单击此处编辑母版文本样式</a:t>
             </a:r>
+            <a:endParaRPr lang="zh-CN" altLang="en-US" smtClean="0"/>
           </a:p>
           <a:p>
             <a:pPr lvl="1"/>
@@ -2798,6 +3193,7 @@
               <a:rPr lang="zh-CN" altLang="en-US" smtClean="0"/>
               <a:t>第二级</a:t>
             </a:r>
+            <a:endParaRPr lang="zh-CN" altLang="en-US" smtClean="0"/>
           </a:p>
           <a:p>
             <a:pPr lvl="2"/>
@@ -2805,6 +3201,7 @@
               <a:rPr lang="zh-CN" altLang="en-US" smtClean="0"/>
               <a:t>第三级</a:t>
             </a:r>
+            <a:endParaRPr lang="zh-CN" altLang="en-US" smtClean="0"/>
           </a:p>
           <a:p>
             <a:pPr lvl="3"/>
@@ -2812,6 +3209,7 @@
               <a:rPr lang="zh-CN" altLang="en-US" smtClean="0"/>
               <a:t>第四级</a:t>
             </a:r>
+            <a:endParaRPr lang="zh-CN" altLang="en-US" smtClean="0"/>
           </a:p>
           <a:p>
             <a:pPr lvl="4"/>
@@ -2840,8 +3238,6 @@
           <a:p>
             <a:fld id="{B61BEF0D-F0BB-DE4B-95CE-6DB70DBA9567}" type="datetimeFigureOut">
               <a:rPr lang="en-US" smtClean="0"/>
-              <a:pPr/>
-              <a:t>8/10/2017</a:t>
             </a:fld>
             <a:endParaRPr lang="en-US" dirty="0"/>
           </a:p>
@@ -2883,19 +3279,12 @@
           <a:p>
             <a:fld id="{D57F1E4F-1CFF-5643-939E-217C01CDF565}" type="slidenum">
               <a:rPr lang="en-US" smtClean="0"/>
-              <a:pPr/>
-              <a:t>‹#›</a:t>
             </a:fld>
             <a:endParaRPr lang="en-US" dirty="0"/>
           </a:p>
         </p:txBody>
       </p:sp>
     </p:spTree>
-    <p:extLst>
-      <p:ext uri="{BB962C8B-B14F-4D97-AF65-F5344CB8AC3E}">
-        <p14:creationId xmlns:p14="http://schemas.microsoft.com/office/powerpoint/2010/main" val="1283530776"/>
-      </p:ext>
-    </p:extLst>
   </p:cSld>
   <p:clrMapOvr>
     <a:masterClrMapping/>
@@ -2963,6 +3352,7 @@
               <a:rPr lang="zh-CN" altLang="en-US" smtClean="0"/>
               <a:t>单击此处编辑母版文本样式</a:t>
             </a:r>
+            <a:endParaRPr lang="zh-CN" altLang="en-US" smtClean="0"/>
           </a:p>
           <a:p>
             <a:pPr lvl="1"/>
@@ -2970,6 +3360,7 @@
               <a:rPr lang="zh-CN" altLang="en-US" smtClean="0"/>
               <a:t>第二级</a:t>
             </a:r>
+            <a:endParaRPr lang="zh-CN" altLang="en-US" smtClean="0"/>
           </a:p>
           <a:p>
             <a:pPr lvl="2"/>
@@ -2977,6 +3368,7 @@
               <a:rPr lang="zh-CN" altLang="en-US" smtClean="0"/>
               <a:t>第三级</a:t>
             </a:r>
+            <a:endParaRPr lang="zh-CN" altLang="en-US" smtClean="0"/>
           </a:p>
           <a:p>
             <a:pPr lvl="3"/>
@@ -2984,6 +3376,7 @@
               <a:rPr lang="zh-CN" altLang="en-US" smtClean="0"/>
               <a:t>第四级</a:t>
             </a:r>
+            <a:endParaRPr lang="zh-CN" altLang="en-US" smtClean="0"/>
           </a:p>
           <a:p>
             <a:pPr lvl="4"/>
@@ -3012,8 +3405,6 @@
           <a:p>
             <a:fld id="{B61BEF0D-F0BB-DE4B-95CE-6DB70DBA9567}" type="datetimeFigureOut">
               <a:rPr lang="en-US" smtClean="0"/>
-              <a:pPr/>
-              <a:t>8/10/2017</a:t>
             </a:fld>
             <a:endParaRPr lang="en-US" dirty="0"/>
           </a:p>
@@ -3055,19 +3446,12 @@
           <a:p>
             <a:fld id="{D57F1E4F-1CFF-5643-939E-217C01CDF565}" type="slidenum">
               <a:rPr lang="en-US" smtClean="0"/>
-              <a:pPr/>
-              <a:t>‹#›</a:t>
             </a:fld>
             <a:endParaRPr lang="en-US" dirty="0"/>
           </a:p>
         </p:txBody>
       </p:sp>
     </p:spTree>
-    <p:extLst>
-      <p:ext uri="{BB962C8B-B14F-4D97-AF65-F5344CB8AC3E}">
-        <p14:creationId xmlns:p14="http://schemas.microsoft.com/office/powerpoint/2010/main" val="2476390661"/>
-      </p:ext>
-    </p:extLst>
   </p:cSld>
   <p:clrMapOvr>
     <a:masterClrMapping/>
@@ -3241,6 +3625,7 @@
               <a:rPr lang="zh-CN" altLang="en-US" smtClean="0"/>
               <a:t>单击此处编辑母版文本样式</a:t>
             </a:r>
+            <a:endParaRPr lang="zh-CN" altLang="en-US" smtClean="0"/>
           </a:p>
         </p:txBody>
       </p:sp>
@@ -3261,8 +3646,6 @@
           <a:p>
             <a:fld id="{B61BEF0D-F0BB-DE4B-95CE-6DB70DBA9567}" type="datetimeFigureOut">
               <a:rPr lang="en-US" smtClean="0"/>
-              <a:pPr/>
-              <a:t>8/10/2017</a:t>
             </a:fld>
             <a:endParaRPr lang="en-US" dirty="0"/>
           </a:p>
@@ -3304,19 +3687,12 @@
           <a:p>
             <a:fld id="{D57F1E4F-1CFF-5643-939E-217C01CDF565}" type="slidenum">
               <a:rPr lang="en-US" smtClean="0"/>
-              <a:pPr/>
-              <a:t>‹#›</a:t>
             </a:fld>
             <a:endParaRPr lang="en-US" dirty="0"/>
           </a:p>
         </p:txBody>
       </p:sp>
     </p:spTree>
-    <p:extLst>
-      <p:ext uri="{BB962C8B-B14F-4D97-AF65-F5344CB8AC3E}">
-        <p14:creationId xmlns:p14="http://schemas.microsoft.com/office/powerpoint/2010/main" val="2288309928"/>
-      </p:ext>
-    </p:extLst>
   </p:cSld>
   <p:clrMapOvr>
     <a:masterClrMapping/>
@@ -3389,6 +3765,7 @@
               <a:rPr lang="zh-CN" altLang="en-US" smtClean="0"/>
               <a:t>单击此处编辑母版文本样式</a:t>
             </a:r>
+            <a:endParaRPr lang="zh-CN" altLang="en-US" smtClean="0"/>
           </a:p>
           <a:p>
             <a:pPr lvl="1"/>
@@ -3396,6 +3773,7 @@
               <a:rPr lang="zh-CN" altLang="en-US" smtClean="0"/>
               <a:t>第二级</a:t>
             </a:r>
+            <a:endParaRPr lang="zh-CN" altLang="en-US" smtClean="0"/>
           </a:p>
           <a:p>
             <a:pPr lvl="2"/>
@@ -3403,6 +3781,7 @@
               <a:rPr lang="zh-CN" altLang="en-US" smtClean="0"/>
               <a:t>第三级</a:t>
             </a:r>
+            <a:endParaRPr lang="zh-CN" altLang="en-US" smtClean="0"/>
           </a:p>
           <a:p>
             <a:pPr lvl="3"/>
@@ -3410,6 +3789,7 @@
               <a:rPr lang="zh-CN" altLang="en-US" smtClean="0"/>
               <a:t>第四级</a:t>
             </a:r>
+            <a:endParaRPr lang="zh-CN" altLang="en-US" smtClean="0"/>
           </a:p>
           <a:p>
             <a:pPr lvl="4"/>
@@ -3446,6 +3826,7 @@
               <a:rPr lang="zh-CN" altLang="en-US" smtClean="0"/>
               <a:t>单击此处编辑母版文本样式</a:t>
             </a:r>
+            <a:endParaRPr lang="zh-CN" altLang="en-US" smtClean="0"/>
           </a:p>
           <a:p>
             <a:pPr lvl="1"/>
@@ -3453,6 +3834,7 @@
               <a:rPr lang="zh-CN" altLang="en-US" smtClean="0"/>
               <a:t>第二级</a:t>
             </a:r>
+            <a:endParaRPr lang="zh-CN" altLang="en-US" smtClean="0"/>
           </a:p>
           <a:p>
             <a:pPr lvl="2"/>
@@ -3460,6 +3842,7 @@
               <a:rPr lang="zh-CN" altLang="en-US" smtClean="0"/>
               <a:t>第三级</a:t>
             </a:r>
+            <a:endParaRPr lang="zh-CN" altLang="en-US" smtClean="0"/>
           </a:p>
           <a:p>
             <a:pPr lvl="3"/>
@@ -3467,6 +3850,7 @@
               <a:rPr lang="zh-CN" altLang="en-US" smtClean="0"/>
               <a:t>第四级</a:t>
             </a:r>
+            <a:endParaRPr lang="zh-CN" altLang="en-US" smtClean="0"/>
           </a:p>
           <a:p>
             <a:pPr lvl="4"/>
@@ -3495,8 +3879,6 @@
           <a:p>
             <a:fld id="{B61BEF0D-F0BB-DE4B-95CE-6DB70DBA9567}" type="datetimeFigureOut">
               <a:rPr lang="en-US" smtClean="0"/>
-              <a:pPr/>
-              <a:t>8/10/2017</a:t>
             </a:fld>
             <a:endParaRPr lang="en-US" dirty="0"/>
           </a:p>
@@ -3538,19 +3920,12 @@
           <a:p>
             <a:fld id="{D57F1E4F-1CFF-5643-939E-217C01CDF565}" type="slidenum">
               <a:rPr lang="en-US" smtClean="0"/>
-              <a:pPr/>
-              <a:t>‹#›</a:t>
             </a:fld>
             <a:endParaRPr lang="en-US" dirty="0"/>
           </a:p>
         </p:txBody>
       </p:sp>
     </p:spTree>
-    <p:extLst>
-      <p:ext uri="{BB962C8B-B14F-4D97-AF65-F5344CB8AC3E}">
-        <p14:creationId xmlns:p14="http://schemas.microsoft.com/office/powerpoint/2010/main" val="2598308437"/>
-      </p:ext>
-    </p:extLst>
   </p:cSld>
   <p:clrMapOvr>
     <a:masterClrMapping/>
@@ -3666,6 +4041,7 @@
               <a:rPr lang="zh-CN" altLang="en-US" smtClean="0"/>
               <a:t>单击此处编辑母版文本样式</a:t>
             </a:r>
+            <a:endParaRPr lang="zh-CN" altLang="en-US" smtClean="0"/>
           </a:p>
         </p:txBody>
       </p:sp>
@@ -3696,6 +4072,7 @@
               <a:rPr lang="zh-CN" altLang="en-US" smtClean="0"/>
               <a:t>单击此处编辑母版文本样式</a:t>
             </a:r>
+            <a:endParaRPr lang="zh-CN" altLang="en-US" smtClean="0"/>
           </a:p>
           <a:p>
             <a:pPr lvl="1"/>
@@ -3703,6 +4080,7 @@
               <a:rPr lang="zh-CN" altLang="en-US" smtClean="0"/>
               <a:t>第二级</a:t>
             </a:r>
+            <a:endParaRPr lang="zh-CN" altLang="en-US" smtClean="0"/>
           </a:p>
           <a:p>
             <a:pPr lvl="2"/>
@@ -3710,6 +4088,7 @@
               <a:rPr lang="zh-CN" altLang="en-US" smtClean="0"/>
               <a:t>第三级</a:t>
             </a:r>
+            <a:endParaRPr lang="zh-CN" altLang="en-US" smtClean="0"/>
           </a:p>
           <a:p>
             <a:pPr lvl="3"/>
@@ -3717,6 +4096,7 @@
               <a:rPr lang="zh-CN" altLang="en-US" smtClean="0"/>
               <a:t>第四级</a:t>
             </a:r>
+            <a:endParaRPr lang="zh-CN" altLang="en-US" smtClean="0"/>
           </a:p>
           <a:p>
             <a:pPr lvl="4"/>
@@ -3792,6 +4172,7 @@
               <a:rPr lang="zh-CN" altLang="en-US" smtClean="0"/>
               <a:t>单击此处编辑母版文本样式</a:t>
             </a:r>
+            <a:endParaRPr lang="zh-CN" altLang="en-US" smtClean="0"/>
           </a:p>
         </p:txBody>
       </p:sp>
@@ -3822,6 +4203,7 @@
               <a:rPr lang="zh-CN" altLang="en-US" smtClean="0"/>
               <a:t>单击此处编辑母版文本样式</a:t>
             </a:r>
+            <a:endParaRPr lang="zh-CN" altLang="en-US" smtClean="0"/>
           </a:p>
           <a:p>
             <a:pPr lvl="1"/>
@@ -3829,6 +4211,7 @@
               <a:rPr lang="zh-CN" altLang="en-US" smtClean="0"/>
               <a:t>第二级</a:t>
             </a:r>
+            <a:endParaRPr lang="zh-CN" altLang="en-US" smtClean="0"/>
           </a:p>
           <a:p>
             <a:pPr lvl="2"/>
@@ -3836,6 +4219,7 @@
               <a:rPr lang="zh-CN" altLang="en-US" smtClean="0"/>
               <a:t>第三级</a:t>
             </a:r>
+            <a:endParaRPr lang="zh-CN" altLang="en-US" smtClean="0"/>
           </a:p>
           <a:p>
             <a:pPr lvl="3"/>
@@ -3843,6 +4227,7 @@
               <a:rPr lang="zh-CN" altLang="en-US" smtClean="0"/>
               <a:t>第四级</a:t>
             </a:r>
+            <a:endParaRPr lang="zh-CN" altLang="en-US" smtClean="0"/>
           </a:p>
           <a:p>
             <a:pPr lvl="4"/>
@@ -3871,8 +4256,6 @@
           <a:p>
             <a:fld id="{B61BEF0D-F0BB-DE4B-95CE-6DB70DBA9567}" type="datetimeFigureOut">
               <a:rPr lang="en-US" smtClean="0"/>
-              <a:pPr/>
-              <a:t>8/10/2017</a:t>
             </a:fld>
             <a:endParaRPr lang="en-US" dirty="0"/>
           </a:p>
@@ -3914,19 +4297,12 @@
           <a:p>
             <a:fld id="{D57F1E4F-1CFF-5643-939E-217C01CDF565}" type="slidenum">
               <a:rPr lang="en-US" smtClean="0"/>
-              <a:pPr/>
-              <a:t>‹#›</a:t>
             </a:fld>
             <a:endParaRPr lang="en-US" dirty="0"/>
           </a:p>
         </p:txBody>
       </p:sp>
     </p:spTree>
-    <p:extLst>
-      <p:ext uri="{BB962C8B-B14F-4D97-AF65-F5344CB8AC3E}">
-        <p14:creationId xmlns:p14="http://schemas.microsoft.com/office/powerpoint/2010/main" val="3195225640"/>
-      </p:ext>
-    </p:extLst>
   </p:cSld>
   <p:clrMapOvr>
     <a:masterClrMapping/>
@@ -3996,8 +4372,6 @@
           <a:p>
             <a:fld id="{B61BEF0D-F0BB-DE4B-95CE-6DB70DBA9567}" type="datetimeFigureOut">
               <a:rPr lang="en-US" smtClean="0"/>
-              <a:pPr/>
-              <a:t>8/10/2017</a:t>
             </a:fld>
             <a:endParaRPr lang="en-US" dirty="0"/>
           </a:p>
@@ -4039,19 +4413,12 @@
           <a:p>
             <a:fld id="{D57F1E4F-1CFF-5643-939E-217C01CDF565}" type="slidenum">
               <a:rPr lang="en-US" smtClean="0"/>
-              <a:pPr/>
-              <a:t>‹#›</a:t>
             </a:fld>
             <a:endParaRPr lang="en-US" dirty="0"/>
           </a:p>
         </p:txBody>
       </p:sp>
     </p:spTree>
-    <p:extLst>
-      <p:ext uri="{BB962C8B-B14F-4D97-AF65-F5344CB8AC3E}">
-        <p14:creationId xmlns:p14="http://schemas.microsoft.com/office/powerpoint/2010/main" val="1706825977"/>
-      </p:ext>
-    </p:extLst>
   </p:cSld>
   <p:clrMapOvr>
     <a:masterClrMapping/>
@@ -4093,8 +4460,6 @@
           <a:p>
             <a:fld id="{B61BEF0D-F0BB-DE4B-95CE-6DB70DBA9567}" type="datetimeFigureOut">
               <a:rPr lang="en-US" smtClean="0"/>
-              <a:pPr/>
-              <a:t>8/10/2017</a:t>
             </a:fld>
             <a:endParaRPr lang="en-US" dirty="0"/>
           </a:p>
@@ -4136,19 +4501,12 @@
           <a:p>
             <a:fld id="{D57F1E4F-1CFF-5643-939E-217C01CDF565}" type="slidenum">
               <a:rPr lang="en-US" smtClean="0"/>
-              <a:pPr/>
-              <a:t>‹#›</a:t>
             </a:fld>
             <a:endParaRPr lang="en-US" dirty="0"/>
           </a:p>
         </p:txBody>
       </p:sp>
     </p:spTree>
-    <p:extLst>
-      <p:ext uri="{BB962C8B-B14F-4D97-AF65-F5344CB8AC3E}">
-        <p14:creationId xmlns:p14="http://schemas.microsoft.com/office/powerpoint/2010/main" val="3938284852"/>
-      </p:ext>
-    </p:extLst>
   </p:cSld>
   <p:clrMapOvr>
     <a:masterClrMapping/>
@@ -4234,6 +4592,7 @@
               <a:rPr lang="zh-CN" altLang="en-US" smtClean="0"/>
               <a:t>单击此处编辑母版文本样式</a:t>
             </a:r>
+            <a:endParaRPr lang="zh-CN" altLang="en-US" smtClean="0"/>
           </a:p>
           <a:p>
             <a:pPr lvl="1"/>
@@ -4241,6 +4600,7 @@
               <a:rPr lang="zh-CN" altLang="en-US" smtClean="0"/>
               <a:t>第二级</a:t>
             </a:r>
+            <a:endParaRPr lang="zh-CN" altLang="en-US" smtClean="0"/>
           </a:p>
           <a:p>
             <a:pPr lvl="2"/>
@@ -4248,6 +4608,7 @@
               <a:rPr lang="zh-CN" altLang="en-US" smtClean="0"/>
               <a:t>第三级</a:t>
             </a:r>
+            <a:endParaRPr lang="zh-CN" altLang="en-US" smtClean="0"/>
           </a:p>
           <a:p>
             <a:pPr lvl="3"/>
@@ -4255,6 +4616,7 @@
               <a:rPr lang="zh-CN" altLang="en-US" smtClean="0"/>
               <a:t>第四级</a:t>
             </a:r>
+            <a:endParaRPr lang="zh-CN" altLang="en-US" smtClean="0"/>
           </a:p>
           <a:p>
             <a:pPr lvl="4"/>
@@ -4291,35 +4653,35 @@
               <a:buNone/>
               <a:defRPr sz="1400"/>
             </a:lvl1pPr>
-            <a:lvl2pPr marL="457063" indent="0">
+            <a:lvl2pPr marL="457200" indent="0">
               <a:buNone/>
               <a:defRPr sz="1400"/>
             </a:lvl2pPr>
-            <a:lvl3pPr marL="914126" indent="0">
+            <a:lvl3pPr marL="914400" indent="0">
               <a:buNone/>
               <a:defRPr sz="1200"/>
             </a:lvl3pPr>
-            <a:lvl4pPr marL="1371189" indent="0">
+            <a:lvl4pPr marL="1370965" indent="0">
               <a:buNone/>
               <a:defRPr sz="1000"/>
             </a:lvl4pPr>
-            <a:lvl5pPr marL="1828251" indent="0">
+            <a:lvl5pPr marL="1828165" indent="0">
               <a:buNone/>
               <a:defRPr sz="1000"/>
             </a:lvl5pPr>
-            <a:lvl6pPr marL="2285314" indent="0">
+            <a:lvl6pPr marL="2285365" indent="0">
               <a:buNone/>
               <a:defRPr sz="1000"/>
             </a:lvl6pPr>
-            <a:lvl7pPr marL="2742377" indent="0">
+            <a:lvl7pPr marL="2742565" indent="0">
               <a:buNone/>
               <a:defRPr sz="1000"/>
             </a:lvl7pPr>
-            <a:lvl8pPr marL="3199440" indent="0">
+            <a:lvl8pPr marL="3199130" indent="0">
               <a:buNone/>
               <a:defRPr sz="1000"/>
             </a:lvl8pPr>
-            <a:lvl9pPr marL="3656503" indent="0">
+            <a:lvl9pPr marL="3656330" indent="0">
               <a:buNone/>
               <a:defRPr sz="1000"/>
             </a:lvl9pPr>
@@ -4330,6 +4692,7 @@
               <a:rPr lang="zh-CN" altLang="en-US" smtClean="0"/>
               <a:t>单击此处编辑母版文本样式</a:t>
             </a:r>
+            <a:endParaRPr lang="zh-CN" altLang="en-US" smtClean="0"/>
           </a:p>
         </p:txBody>
       </p:sp>
@@ -4350,8 +4713,6 @@
           <a:p>
             <a:fld id="{B61BEF0D-F0BB-DE4B-95CE-6DB70DBA9567}" type="datetimeFigureOut">
               <a:rPr lang="en-US" smtClean="0"/>
-              <a:pPr/>
-              <a:t>8/10/2017</a:t>
             </a:fld>
             <a:endParaRPr lang="en-US" dirty="0"/>
           </a:p>
@@ -4393,19 +4754,12 @@
           <a:p>
             <a:fld id="{D57F1E4F-1CFF-5643-939E-217C01CDF565}" type="slidenum">
               <a:rPr lang="en-US" smtClean="0"/>
-              <a:pPr/>
-              <a:t>‹#›</a:t>
             </a:fld>
             <a:endParaRPr lang="en-US" dirty="0"/>
           </a:p>
         </p:txBody>
       </p:sp>
     </p:spTree>
-    <p:extLst>
-      <p:ext uri="{BB962C8B-B14F-4D97-AF65-F5344CB8AC3E}">
-        <p14:creationId xmlns:p14="http://schemas.microsoft.com/office/powerpoint/2010/main" val="1339437202"/>
-      </p:ext>
-    </p:extLst>
   </p:cSld>
   <p:clrMapOvr>
     <a:masterClrMapping/>
@@ -4595,6 +4949,7 @@
               <a:rPr lang="zh-CN" altLang="en-US" smtClean="0"/>
               <a:t>单击此处编辑母版文本样式</a:t>
             </a:r>
+            <a:endParaRPr lang="zh-CN" altLang="en-US" smtClean="0"/>
           </a:p>
         </p:txBody>
       </p:sp>
@@ -4634,8 +4989,6 @@
           <a:p>
             <a:fld id="{D57F1E4F-1CFF-5643-939E-217C01CDF565}" type="slidenum">
               <a:rPr lang="en-US" smtClean="0"/>
-              <a:pPr/>
-              <a:t>‹#›</a:t>
             </a:fld>
             <a:endParaRPr lang="en-US" dirty="0"/>
           </a:p>
@@ -4658,19 +5011,12 @@
           <a:p>
             <a:fld id="{B61BEF0D-F0BB-DE4B-95CE-6DB70DBA9567}" type="datetimeFigureOut">
               <a:rPr lang="en-US" smtClean="0"/>
-              <a:pPr/>
-              <a:t>8/10/2017</a:t>
             </a:fld>
             <a:endParaRPr lang="en-US" dirty="0"/>
           </a:p>
         </p:txBody>
       </p:sp>
     </p:spTree>
-    <p:extLst>
-      <p:ext uri="{BB962C8B-B14F-4D97-AF65-F5344CB8AC3E}">
-        <p14:creationId xmlns:p14="http://schemas.microsoft.com/office/powerpoint/2010/main" val="2723517409"/>
-      </p:ext>
-    </p:extLst>
   </p:cSld>
   <p:clrMapOvr>
     <a:masterClrMapping/>
@@ -5294,6 +5640,7 @@
               <a:rPr lang="zh-CN" altLang="en-US" smtClean="0"/>
               <a:t>单击此处编辑母版文本样式</a:t>
             </a:r>
+            <a:endParaRPr lang="zh-CN" altLang="en-US" smtClean="0"/>
           </a:p>
           <a:p>
             <a:pPr lvl="1"/>
@@ -5301,6 +5648,7 @@
               <a:rPr lang="zh-CN" altLang="en-US" smtClean="0"/>
               <a:t>第二级</a:t>
             </a:r>
+            <a:endParaRPr lang="zh-CN" altLang="en-US" smtClean="0"/>
           </a:p>
           <a:p>
             <a:pPr lvl="2"/>
@@ -5308,6 +5656,7 @@
               <a:rPr lang="zh-CN" altLang="en-US" smtClean="0"/>
               <a:t>第三级</a:t>
             </a:r>
+            <a:endParaRPr lang="zh-CN" altLang="en-US" smtClean="0"/>
           </a:p>
           <a:p>
             <a:pPr lvl="3"/>
@@ -5315,6 +5664,7 @@
               <a:rPr lang="zh-CN" altLang="en-US" smtClean="0"/>
               <a:t>第四级</a:t>
             </a:r>
+            <a:endParaRPr lang="zh-CN" altLang="en-US" smtClean="0"/>
           </a:p>
           <a:p>
             <a:pPr lvl="4"/>
@@ -5361,8 +5711,6 @@
           <a:p>
             <a:fld id="{B61BEF0D-F0BB-DE4B-95CE-6DB70DBA9567}" type="datetimeFigureOut">
               <a:rPr lang="en-US" smtClean="0"/>
-              <a:pPr/>
-              <a:t>8/10/2017</a:t>
             </a:fld>
             <a:endParaRPr lang="en-US" dirty="0"/>
           </a:p>
@@ -5438,38 +5786,31 @@
           <a:p>
             <a:fld id="{D57F1E4F-1CFF-5643-939E-217C01CDF565}" type="slidenum">
               <a:rPr lang="en-US" smtClean="0"/>
-              <a:pPr/>
-              <a:t>‹#›</a:t>
             </a:fld>
             <a:endParaRPr lang="en-US" dirty="0"/>
           </a:p>
         </p:txBody>
       </p:sp>
     </p:spTree>
-    <p:extLst>
-      <p:ext uri="{BB962C8B-B14F-4D97-AF65-F5344CB8AC3E}">
-        <p14:creationId xmlns:p14="http://schemas.microsoft.com/office/powerpoint/2010/main" val="3376680228"/>
-      </p:ext>
-    </p:extLst>
   </p:cSld>
   <p:clrMap bg1="lt1" tx1="dk1" bg2="lt2" tx2="dk2" accent1="accent1" accent2="accent2" accent3="accent3" accent4="accent4" accent5="accent5" accent6="accent6" hlink="hlink" folHlink="folHlink"/>
   <p:sldLayoutIdLst>
-    <p:sldLayoutId id="2147483669" r:id="rId1"/>
-    <p:sldLayoutId id="2147483670" r:id="rId2"/>
-    <p:sldLayoutId id="2147483671" r:id="rId3"/>
-    <p:sldLayoutId id="2147483672" r:id="rId4"/>
-    <p:sldLayoutId id="2147483673" r:id="rId5"/>
-    <p:sldLayoutId id="2147483674" r:id="rId6"/>
-    <p:sldLayoutId id="2147483675" r:id="rId7"/>
-    <p:sldLayoutId id="2147483676" r:id="rId8"/>
-    <p:sldLayoutId id="2147483677" r:id="rId9"/>
-    <p:sldLayoutId id="2147483678" r:id="rId10"/>
-    <p:sldLayoutId id="2147483679" r:id="rId11"/>
-    <p:sldLayoutId id="2147483680" r:id="rId12"/>
-    <p:sldLayoutId id="2147483681" r:id="rId13"/>
-    <p:sldLayoutId id="2147483682" r:id="rId14"/>
-    <p:sldLayoutId id="2147483683" r:id="rId15"/>
-    <p:sldLayoutId id="2147483684" r:id="rId16"/>
+    <p:sldLayoutId id="2147483649" r:id="rId1"/>
+    <p:sldLayoutId id="2147483650" r:id="rId2"/>
+    <p:sldLayoutId id="2147483651" r:id="rId3"/>
+    <p:sldLayoutId id="2147483652" r:id="rId4"/>
+    <p:sldLayoutId id="2147483653" r:id="rId5"/>
+    <p:sldLayoutId id="2147483654" r:id="rId6"/>
+    <p:sldLayoutId id="2147483655" r:id="rId7"/>
+    <p:sldLayoutId id="2147483656" r:id="rId8"/>
+    <p:sldLayoutId id="2147483657" r:id="rId9"/>
+    <p:sldLayoutId id="2147483658" r:id="rId10"/>
+    <p:sldLayoutId id="2147483659" r:id="rId11"/>
+    <p:sldLayoutId id="2147483660" r:id="rId12"/>
+    <p:sldLayoutId id="2147483661" r:id="rId13"/>
+    <p:sldLayoutId id="2147483662" r:id="rId14"/>
+    <p:sldLayoutId id="2147483663" r:id="rId15"/>
+    <p:sldLayoutId id="2147483664" r:id="rId16"/>
   </p:sldLayoutIdLst>
   <p:txStyles>
     <p:titleStyle>
@@ -5943,11 +6284,6 @@
         </p:txBody>
       </p:sp>
     </p:spTree>
-    <p:extLst>
-      <p:ext uri="{BB962C8B-B14F-4D97-AF65-F5344CB8AC3E}">
-        <p14:creationId xmlns:p14="http://schemas.microsoft.com/office/powerpoint/2010/main" val="1398518858"/>
-      </p:ext>
-    </p:extLst>
   </p:cSld>
   <p:clrMapOvr>
     <a:masterClrMapping/>
@@ -5979,9 +6315,397 @@
           <a:chExt cx="0" cy="0"/>
         </a:xfrm>
       </p:grpSpPr>
+      <p:sp>
+        <p:nvSpPr>
+          <p:cNvPr id="2" name="Title 1"/>
+          <p:cNvSpPr>
+            <a:spLocks noGrp="1"/>
+          </p:cNvSpPr>
+          <p:nvPr>
+            <p:ph type="title"/>
+          </p:nvPr>
+        </p:nvSpPr>
+        <p:spPr/>
+        <p:txBody>
+          <a:bodyPr/>
+          <a:lstStyle/>
+          <a:p>
+            <a:r>
+              <a:rPr lang="zh-CN" altLang="zh-CN" b="1" dirty="0" smtClean="0"/>
+              <a:t>线程状态</a:t>
+            </a:r>
+            <a:endParaRPr lang="en-US" dirty="0"/>
+          </a:p>
+        </p:txBody>
+      </p:sp>
+      <p:sp>
+        <p:nvSpPr>
+          <p:cNvPr id="3" name="Content Placeholder 2"/>
+          <p:cNvSpPr>
+            <a:spLocks noGrp="1"/>
+          </p:cNvSpPr>
+          <p:nvPr>
+            <p:ph idx="1"/>
+          </p:nvPr>
+        </p:nvSpPr>
+        <p:spPr>
+          <a:xfrm>
+            <a:off x="600216" y="1455510"/>
+            <a:ext cx="8596668" cy="3880773"/>
+          </a:xfrm>
+        </p:spPr>
+        <p:txBody>
+          <a:bodyPr/>
+          <a:lstStyle/>
+          <a:p>
+            <a:pPr marL="0" indent="0">
+              <a:buNone/>
+            </a:pPr>
+            <a:endParaRPr lang="en-US" altLang="zh-CN" dirty="0" smtClean="0"/>
+          </a:p>
+          <a:p>
+            <a:endParaRPr lang="en-US" dirty="0"/>
+          </a:p>
+        </p:txBody>
+      </p:sp>
       <p:pic>
         <p:nvPicPr>
-          <p:cNvPr id="4" name="图片 3"/>
+          <p:cNvPr id="5" name="图片 4" descr="http://upload-images.jianshu.io/upload_images/279004-23f8a173e9950f14.png?imageMogr2/auto-orient/strip%7CimageView2/2/w/1240"/>
+          <p:cNvPicPr/>
+          <p:nvPr/>
+        </p:nvPicPr>
+        <p:blipFill>
+          <a:blip r:embed="rId1">
+            <a:extLst>
+              <a:ext uri="{28A0092B-C50C-407E-A947-70E740481C1C}">
+                <a14:useLocalDpi xmlns:a14="http://schemas.microsoft.com/office/drawing/2010/main" val="0"/>
+              </a:ext>
+            </a:extLst>
+          </a:blip>
+          <a:srcRect/>
+          <a:stretch>
+            <a:fillRect/>
+          </a:stretch>
+        </p:blipFill>
+        <p:spPr bwMode="auto">
+          <a:xfrm>
+            <a:off x="1561465" y="1930400"/>
+            <a:ext cx="5274310" cy="2856230"/>
+          </a:xfrm>
+          <a:prstGeom prst="rect">
+            <a:avLst/>
+          </a:prstGeom>
+          <a:noFill/>
+          <a:ln>
+            <a:noFill/>
+          </a:ln>
+        </p:spPr>
+      </p:pic>
+    </p:spTree>
+  </p:cSld>
+  <p:clrMapOvr>
+    <a:masterClrMapping/>
+  </p:clrMapOvr>
+  <p:timing>
+    <p:tnLst>
+      <p:par>
+        <p:cTn id="1" dur="indefinite" restart="never" nodeType="tmRoot"/>
+      </p:par>
+    </p:tnLst>
+  </p:timing>
+</p:sld>
+</file>
+
+<file path=ppt/slides/slide11.xml><?xml version="1.0" encoding="utf-8"?>
+<p:sld xmlns:a="http://schemas.openxmlformats.org/drawingml/2006/main" xmlns:r="http://schemas.openxmlformats.org/officeDocument/2006/relationships" xmlns:p="http://schemas.openxmlformats.org/presentationml/2006/main">
+  <p:cSld>
+    <p:spTree>
+      <p:nvGrpSpPr>
+        <p:cNvPr id="1" name=""/>
+        <p:cNvGrpSpPr/>
+        <p:nvPr/>
+      </p:nvGrpSpPr>
+      <p:grpSpPr>
+        <a:xfrm>
+          <a:off x="0" y="0"/>
+          <a:ext cx="0" cy="0"/>
+          <a:chOff x="0" y="0"/>
+          <a:chExt cx="0" cy="0"/>
+        </a:xfrm>
+      </p:grpSpPr>
+      <p:sp>
+        <p:nvSpPr>
+          <p:cNvPr id="2" name="Title 1"/>
+          <p:cNvSpPr>
+            <a:spLocks noGrp="1"/>
+          </p:cNvSpPr>
+          <p:nvPr>
+            <p:ph type="title"/>
+          </p:nvPr>
+        </p:nvSpPr>
+        <p:spPr/>
+        <p:txBody>
+          <a:bodyPr/>
+          <a:lstStyle/>
+          <a:p>
+            <a:r>
+              <a:rPr lang="en-US" altLang="zh-CN" dirty="0" smtClean="0"/>
+              <a:t>ANR</a:t>
+            </a:r>
+            <a:r>
+              <a:rPr lang="zh-CN" altLang="en-US" dirty="0" smtClean="0"/>
+              <a:t>实例</a:t>
+            </a:r>
+            <a:r>
+              <a:rPr lang="en-US" altLang="zh-CN" dirty="0" smtClean="0"/>
+              <a:t>1</a:t>
+            </a:r>
+            <a:endParaRPr lang="en-US" dirty="0"/>
+          </a:p>
+        </p:txBody>
+      </p:sp>
+      <p:sp>
+        <p:nvSpPr>
+          <p:cNvPr id="3" name="Content Placeholder 2"/>
+          <p:cNvSpPr>
+            <a:spLocks noGrp="1"/>
+          </p:cNvSpPr>
+          <p:nvPr>
+            <p:ph idx="1"/>
+          </p:nvPr>
+        </p:nvSpPr>
+        <p:spPr>
+          <a:xfrm>
+            <a:off x="677334" y="1422459"/>
+            <a:ext cx="8596668" cy="3880773"/>
+          </a:xfrm>
+        </p:spPr>
+        <p:txBody>
+          <a:bodyPr/>
+          <a:lstStyle/>
+          <a:p>
+            <a:r>
+              <a:rPr lang="zh-CN" altLang="en-US" dirty="0" smtClean="0"/>
+              <a:t>主线程</a:t>
+            </a:r>
+            <a:r>
+              <a:rPr lang="en-US" altLang="zh-CN" dirty="0" smtClean="0"/>
+              <a:t>sleep:</a:t>
+            </a:r>
+            <a:r>
+              <a:rPr lang="zh-CN" altLang="zh-CN" dirty="0" smtClean="0"/>
+              <a:t>在</a:t>
+            </a:r>
+            <a:r>
+              <a:rPr lang="en-US" altLang="zh-CN" dirty="0" smtClean="0"/>
+              <a:t>Activity</a:t>
+            </a:r>
+            <a:r>
+              <a:rPr lang="zh-CN" altLang="zh-CN" dirty="0"/>
+              <a:t>中的单击处理函数中等待</a:t>
+            </a:r>
+            <a:r>
+              <a:rPr lang="en-US" altLang="zh-CN" dirty="0"/>
+              <a:t>100s</a:t>
+            </a:r>
+            <a:r>
+              <a:rPr lang="zh-CN" altLang="zh-CN" dirty="0"/>
+              <a:t>（</a:t>
+            </a:r>
+            <a:r>
+              <a:rPr lang="en-US" altLang="zh-CN" dirty="0"/>
+              <a:t>Thread</a:t>
+            </a:r>
+            <a:r>
+              <a:rPr lang="zh-CN" altLang="zh-CN" dirty="0"/>
+              <a:t>，</a:t>
+            </a:r>
+            <a:r>
+              <a:rPr lang="en-US" altLang="zh-CN" dirty="0"/>
+              <a:t>sleep</a:t>
+            </a:r>
+            <a:r>
+              <a:rPr lang="zh-CN" altLang="zh-CN" dirty="0"/>
+              <a:t>），然后在屏幕上滑动，投递触屏事件，结果出现</a:t>
+            </a:r>
+            <a:r>
+              <a:rPr lang="en-US" altLang="zh-CN" dirty="0"/>
+              <a:t>ANR</a:t>
+            </a:r>
+            <a:endParaRPr lang="en-US" dirty="0"/>
+          </a:p>
+        </p:txBody>
+      </p:sp>
+      <p:pic>
+        <p:nvPicPr>
+          <p:cNvPr id="6" name="图片 5"/>
+          <p:cNvPicPr/>
+          <p:nvPr/>
+        </p:nvPicPr>
+        <p:blipFill>
+          <a:blip r:embed="rId1"/>
+          <a:stretch>
+            <a:fillRect/>
+          </a:stretch>
+        </p:blipFill>
+        <p:spPr>
+          <a:xfrm>
+            <a:off x="1721485" y="2343209"/>
+            <a:ext cx="5274310" cy="1632585"/>
+          </a:xfrm>
+          <a:prstGeom prst="rect">
+            <a:avLst/>
+          </a:prstGeom>
+        </p:spPr>
+      </p:pic>
+      <p:pic>
+        <p:nvPicPr>
+          <p:cNvPr id="7" name="图片 6"/>
+          <p:cNvPicPr/>
+          <p:nvPr/>
+        </p:nvPicPr>
+        <p:blipFill>
+          <a:blip r:embed="rId2"/>
+          <a:stretch>
+            <a:fillRect/>
+          </a:stretch>
+        </p:blipFill>
+        <p:spPr>
+          <a:xfrm>
+            <a:off x="1592580" y="4047346"/>
+            <a:ext cx="5274310" cy="1919605"/>
+          </a:xfrm>
+          <a:prstGeom prst="rect">
+            <a:avLst/>
+          </a:prstGeom>
+        </p:spPr>
+      </p:pic>
+    </p:spTree>
+  </p:cSld>
+  <p:clrMapOvr>
+    <a:masterClrMapping/>
+  </p:clrMapOvr>
+  <p:timing>
+    <p:tnLst>
+      <p:par>
+        <p:cTn id="1" dur="indefinite" restart="never" nodeType="tmRoot"/>
+      </p:par>
+    </p:tnLst>
+  </p:timing>
+</p:sld>
+</file>
+
+<file path=ppt/slides/slide12.xml><?xml version="1.0" encoding="utf-8"?>
+<p:sld xmlns:a="http://schemas.openxmlformats.org/drawingml/2006/main" xmlns:r="http://schemas.openxmlformats.org/officeDocument/2006/relationships" xmlns:p="http://schemas.openxmlformats.org/presentationml/2006/main">
+  <p:cSld>
+    <p:spTree>
+      <p:nvGrpSpPr>
+        <p:cNvPr id="1" name=""/>
+        <p:cNvGrpSpPr/>
+        <p:nvPr/>
+      </p:nvGrpSpPr>
+      <p:grpSpPr>
+        <a:xfrm>
+          <a:off x="0" y="0"/>
+          <a:ext cx="0" cy="0"/>
+          <a:chOff x="0" y="0"/>
+          <a:chExt cx="0" cy="0"/>
+        </a:xfrm>
+      </p:grpSpPr>
+      <p:sp>
+        <p:nvSpPr>
+          <p:cNvPr id="2" name="Title 1"/>
+          <p:cNvSpPr>
+            <a:spLocks noGrp="1"/>
+          </p:cNvSpPr>
+          <p:nvPr>
+            <p:ph type="title"/>
+          </p:nvPr>
+        </p:nvSpPr>
+        <p:spPr/>
+        <p:txBody>
+          <a:bodyPr/>
+          <a:lstStyle/>
+          <a:p>
+            <a:r>
+              <a:rPr lang="en-US" altLang="zh-CN" dirty="0" smtClean="0"/>
+              <a:t>ANR</a:t>
+            </a:r>
+            <a:r>
+              <a:rPr lang="zh-CN" altLang="en-US" dirty="0" smtClean="0"/>
+              <a:t>实例</a:t>
+            </a:r>
+            <a:r>
+              <a:rPr lang="en-US" altLang="zh-CN" dirty="0" smtClean="0"/>
+              <a:t>2</a:t>
+            </a:r>
+            <a:endParaRPr lang="en-US" dirty="0"/>
+          </a:p>
+        </p:txBody>
+      </p:sp>
+      <p:sp>
+        <p:nvSpPr>
+          <p:cNvPr id="3" name="Content Placeholder 2"/>
+          <p:cNvSpPr>
+            <a:spLocks noGrp="1"/>
+          </p:cNvSpPr>
+          <p:nvPr>
+            <p:ph idx="1"/>
+          </p:nvPr>
+        </p:nvSpPr>
+        <p:spPr>
+          <a:xfrm>
+            <a:off x="677334" y="1380169"/>
+            <a:ext cx="8596668" cy="4324892"/>
+          </a:xfrm>
+        </p:spPr>
+        <p:txBody>
+          <a:bodyPr/>
+          <a:lstStyle/>
+          <a:p>
+            <a:r>
+              <a:rPr lang="zh-CN" altLang="zh-CN" dirty="0" smtClean="0"/>
+              <a:t>死锁</a:t>
+            </a:r>
+            <a:r>
+              <a:rPr lang="en-US" altLang="zh-CN" dirty="0" smtClean="0"/>
+              <a:t>:</a:t>
+            </a:r>
+            <a:r>
+              <a:rPr lang="zh-CN" altLang="en-US" dirty="0" smtClean="0"/>
+              <a:t>多进程竞争有限资源，循环等待</a:t>
+            </a:r>
+            <a:endParaRPr lang="en-US" altLang="zh-CN" dirty="0" smtClean="0"/>
+          </a:p>
+        </p:txBody>
+      </p:sp>
+      <p:pic>
+        <p:nvPicPr>
+          <p:cNvPr id="6" name="图片 5"/>
+          <p:cNvPicPr>
+            <a:picLocks noChangeAspect="1"/>
+          </p:cNvPicPr>
+          <p:nvPr/>
+        </p:nvPicPr>
+        <p:blipFill>
+          <a:blip r:embed="rId1"/>
+          <a:stretch>
+            <a:fillRect/>
+          </a:stretch>
+        </p:blipFill>
+        <p:spPr>
+          <a:xfrm>
+            <a:off x="68580" y="1965960"/>
+            <a:ext cx="8486775" cy="4029075"/>
+          </a:xfrm>
+          <a:prstGeom prst="rect">
+            <a:avLst/>
+          </a:prstGeom>
+        </p:spPr>
+      </p:pic>
+      <p:pic>
+        <p:nvPicPr>
+          <p:cNvPr id="7" name="图片 6"/>
           <p:cNvPicPr>
             <a:picLocks noChangeAspect="1"/>
           </p:cNvPicPr>
@@ -5995,422 +6719,27 @@
         </p:blipFill>
         <p:spPr>
           <a:xfrm>
-            <a:off x="677334" y="1965960"/>
-            <a:ext cx="4876800" cy="6438900"/>
+            <a:off x="2173149" y="2938857"/>
+            <a:ext cx="8772525" cy="2466975"/>
           </a:xfrm>
           <a:prstGeom prst="rect">
             <a:avLst/>
           </a:prstGeom>
         </p:spPr>
       </p:pic>
-      <p:pic>
-        <p:nvPicPr>
-          <p:cNvPr id="5" name="图片 4"/>
-          <p:cNvPicPr>
-            <a:picLocks noChangeAspect="1"/>
-          </p:cNvPicPr>
-          <p:nvPr/>
-        </p:nvPicPr>
-        <p:blipFill>
-          <a:blip r:embed="rId3"/>
-          <a:stretch>
-            <a:fillRect/>
-          </a:stretch>
-        </p:blipFill>
-        <p:spPr>
-          <a:xfrm>
-            <a:off x="5554134" y="1498600"/>
-            <a:ext cx="4781550" cy="6953250"/>
-          </a:xfrm>
-          <a:prstGeom prst="rect">
-            <a:avLst/>
-          </a:prstGeom>
-        </p:spPr>
-      </p:pic>
-      <p:sp>
-        <p:nvSpPr>
-          <p:cNvPr id="8" name="Title 1"/>
-          <p:cNvSpPr txBox="1">
-            <a:spLocks/>
-          </p:cNvSpPr>
-          <p:nvPr/>
-        </p:nvSpPr>
-        <p:spPr>
-          <a:xfrm>
-            <a:off x="677334" y="609600"/>
-            <a:ext cx="8596668" cy="1320800"/>
-          </a:xfrm>
-          <a:prstGeom prst="rect">
-            <a:avLst/>
-          </a:prstGeom>
-        </p:spPr>
-        <p:txBody>
-          <a:bodyPr vert="horz" lIns="91440" tIns="45720" rIns="91440" bIns="45720" rtlCol="0" anchor="t">
-            <a:normAutofit/>
-          </a:bodyPr>
-          <a:lstStyle>
-            <a:lvl1pPr algn="l" defTabSz="457200" rtl="0" eaLnBrk="1" latinLnBrk="0" hangingPunct="1">
-              <a:spcBef>
-                <a:spcPct val="0"/>
-              </a:spcBef>
-              <a:buNone/>
-              <a:defRPr sz="3600" kern="1200">
-                <a:solidFill>
-                  <a:schemeClr val="accent1"/>
-                </a:solidFill>
-                <a:latin typeface="+mj-lt"/>
-                <a:ea typeface="+mj-ea"/>
-                <a:cs typeface="+mj-cs"/>
-              </a:defRPr>
-            </a:lvl1pPr>
-            <a:lvl2pPr eaLnBrk="1" hangingPunct="1">
-              <a:defRPr>
-                <a:solidFill>
-                  <a:schemeClr val="tx2"/>
-                </a:solidFill>
-              </a:defRPr>
-            </a:lvl2pPr>
-            <a:lvl3pPr eaLnBrk="1" hangingPunct="1">
-              <a:defRPr>
-                <a:solidFill>
-                  <a:schemeClr val="tx2"/>
-                </a:solidFill>
-              </a:defRPr>
-            </a:lvl3pPr>
-            <a:lvl4pPr eaLnBrk="1" hangingPunct="1">
-              <a:defRPr>
-                <a:solidFill>
-                  <a:schemeClr val="tx2"/>
-                </a:solidFill>
-              </a:defRPr>
-            </a:lvl4pPr>
-            <a:lvl5pPr eaLnBrk="1" hangingPunct="1">
-              <a:defRPr>
-                <a:solidFill>
-                  <a:schemeClr val="tx2"/>
-                </a:solidFill>
-              </a:defRPr>
-            </a:lvl5pPr>
-            <a:lvl6pPr eaLnBrk="1" hangingPunct="1">
-              <a:defRPr>
-                <a:solidFill>
-                  <a:schemeClr val="tx2"/>
-                </a:solidFill>
-              </a:defRPr>
-            </a:lvl6pPr>
-            <a:lvl7pPr eaLnBrk="1" hangingPunct="1">
-              <a:defRPr>
-                <a:solidFill>
-                  <a:schemeClr val="tx2"/>
-                </a:solidFill>
-              </a:defRPr>
-            </a:lvl7pPr>
-            <a:lvl8pPr eaLnBrk="1" hangingPunct="1">
-              <a:defRPr>
-                <a:solidFill>
-                  <a:schemeClr val="tx2"/>
-                </a:solidFill>
-              </a:defRPr>
-            </a:lvl8pPr>
-            <a:lvl9pPr eaLnBrk="1" hangingPunct="1">
-              <a:defRPr>
-                <a:solidFill>
-                  <a:schemeClr val="tx2"/>
-                </a:solidFill>
-              </a:defRPr>
-            </a:lvl9pPr>
-          </a:lstStyle>
-          <a:p>
-            <a:r>
-              <a:rPr lang="en-US" altLang="zh-CN" smtClean="0"/>
-              <a:t>ANR</a:t>
-            </a:r>
-            <a:r>
-              <a:rPr lang="zh-CN" altLang="en-US" smtClean="0"/>
-              <a:t>触发机制</a:t>
-            </a:r>
-            <a:endParaRPr lang="en-US" dirty="0"/>
-          </a:p>
-        </p:txBody>
-      </p:sp>
-      <p:sp>
-        <p:nvSpPr>
-          <p:cNvPr id="9" name="Content Placeholder 2"/>
-          <p:cNvSpPr txBox="1">
-            <a:spLocks/>
-          </p:cNvSpPr>
-          <p:nvPr/>
-        </p:nvSpPr>
-        <p:spPr>
-          <a:xfrm>
-            <a:off x="677333" y="1377775"/>
-            <a:ext cx="4481075" cy="782676"/>
-          </a:xfrm>
-          <a:prstGeom prst="rect">
-            <a:avLst/>
-          </a:prstGeom>
-        </p:spPr>
-        <p:txBody>
-          <a:bodyPr vert="horz" lIns="91440" tIns="45720" rIns="91440" bIns="45720" rtlCol="0">
-            <a:normAutofit/>
-          </a:bodyPr>
-          <a:lstStyle>
-            <a:lvl1pPr marL="342900" indent="-342900" algn="l" defTabSz="457200" rtl="0" eaLnBrk="1" latinLnBrk="0" hangingPunct="1">
-              <a:spcBef>
-                <a:spcPts val="1000"/>
-              </a:spcBef>
-              <a:spcAft>
-                <a:spcPts val="0"/>
-              </a:spcAft>
-              <a:buClr>
-                <a:schemeClr val="accent1"/>
-              </a:buClr>
-              <a:buSzPct val="80000"/>
-              <a:buFont typeface="Wingdings 3" charset="2"/>
-              <a:buChar char=""/>
-              <a:defRPr sz="1800" kern="1200">
-                <a:solidFill>
-                  <a:schemeClr val="tx1">
-                    <a:lumMod val="75000"/>
-                    <a:lumOff val="25000"/>
-                  </a:schemeClr>
-                </a:solidFill>
-                <a:latin typeface="+mn-lt"/>
-                <a:ea typeface="+mn-ea"/>
-                <a:cs typeface="+mn-cs"/>
-              </a:defRPr>
-            </a:lvl1pPr>
-            <a:lvl2pPr marL="742950" indent="-285750" algn="l" defTabSz="457200" rtl="0" eaLnBrk="1" latinLnBrk="0" hangingPunct="1">
-              <a:spcBef>
-                <a:spcPts val="1000"/>
-              </a:spcBef>
-              <a:spcAft>
-                <a:spcPts val="0"/>
-              </a:spcAft>
-              <a:buClr>
-                <a:schemeClr val="accent1"/>
-              </a:buClr>
-              <a:buSzPct val="80000"/>
-              <a:buFont typeface="Wingdings 3" charset="2"/>
-              <a:buChar char=""/>
-              <a:defRPr sz="1600" kern="1200">
-                <a:solidFill>
-                  <a:schemeClr val="tx1">
-                    <a:lumMod val="75000"/>
-                    <a:lumOff val="25000"/>
-                  </a:schemeClr>
-                </a:solidFill>
-                <a:latin typeface="+mn-lt"/>
-                <a:ea typeface="+mn-ea"/>
-                <a:cs typeface="+mn-cs"/>
-              </a:defRPr>
-            </a:lvl2pPr>
-            <a:lvl3pPr marL="1143000" indent="-228600" algn="l" defTabSz="457200" rtl="0" eaLnBrk="1" latinLnBrk="0" hangingPunct="1">
-              <a:spcBef>
-                <a:spcPts val="1000"/>
-              </a:spcBef>
-              <a:spcAft>
-                <a:spcPts val="0"/>
-              </a:spcAft>
-              <a:buClr>
-                <a:schemeClr val="accent1"/>
-              </a:buClr>
-              <a:buSzPct val="80000"/>
-              <a:buFont typeface="Wingdings 3" charset="2"/>
-              <a:buChar char=""/>
-              <a:defRPr sz="1400" kern="1200">
-                <a:solidFill>
-                  <a:schemeClr val="tx1">
-                    <a:lumMod val="75000"/>
-                    <a:lumOff val="25000"/>
-                  </a:schemeClr>
-                </a:solidFill>
-                <a:latin typeface="+mn-lt"/>
-                <a:ea typeface="+mn-ea"/>
-                <a:cs typeface="+mn-cs"/>
-              </a:defRPr>
-            </a:lvl3pPr>
-            <a:lvl4pPr marL="1600200" indent="-228600" algn="l" defTabSz="457200" rtl="0" eaLnBrk="1" latinLnBrk="0" hangingPunct="1">
-              <a:spcBef>
-                <a:spcPts val="1000"/>
-              </a:spcBef>
-              <a:spcAft>
-                <a:spcPts val="0"/>
-              </a:spcAft>
-              <a:buClr>
-                <a:schemeClr val="accent1"/>
-              </a:buClr>
-              <a:buSzPct val="80000"/>
-              <a:buFont typeface="Wingdings 3" charset="2"/>
-              <a:buChar char=""/>
-              <a:defRPr sz="1200" kern="1200">
-                <a:solidFill>
-                  <a:schemeClr val="tx1">
-                    <a:lumMod val="75000"/>
-                    <a:lumOff val="25000"/>
-                  </a:schemeClr>
-                </a:solidFill>
-                <a:latin typeface="+mn-lt"/>
-                <a:ea typeface="+mn-ea"/>
-                <a:cs typeface="+mn-cs"/>
-              </a:defRPr>
-            </a:lvl4pPr>
-            <a:lvl5pPr marL="2057400" indent="-228600" algn="l" defTabSz="457200" rtl="0" eaLnBrk="1" latinLnBrk="0" hangingPunct="1">
-              <a:spcBef>
-                <a:spcPts val="1000"/>
-              </a:spcBef>
-              <a:spcAft>
-                <a:spcPts val="0"/>
-              </a:spcAft>
-              <a:buClr>
-                <a:schemeClr val="accent1"/>
-              </a:buClr>
-              <a:buSzPct val="80000"/>
-              <a:buFont typeface="Wingdings 3" charset="2"/>
-              <a:buChar char=""/>
-              <a:defRPr sz="1200" kern="1200">
-                <a:solidFill>
-                  <a:schemeClr val="tx1">
-                    <a:lumMod val="75000"/>
-                    <a:lumOff val="25000"/>
-                  </a:schemeClr>
-                </a:solidFill>
-                <a:latin typeface="+mn-lt"/>
-                <a:ea typeface="+mn-ea"/>
-                <a:cs typeface="+mn-cs"/>
-              </a:defRPr>
-            </a:lvl5pPr>
-            <a:lvl6pPr marL="2514600" indent="-228600" algn="l" defTabSz="457200" rtl="0" eaLnBrk="1" latinLnBrk="0" hangingPunct="1">
-              <a:spcBef>
-                <a:spcPts val="1000"/>
-              </a:spcBef>
-              <a:spcAft>
-                <a:spcPts val="0"/>
-              </a:spcAft>
-              <a:buClr>
-                <a:schemeClr val="accent1"/>
-              </a:buClr>
-              <a:buSzPct val="80000"/>
-              <a:buFont typeface="Wingdings 3" charset="2"/>
-              <a:buChar char=""/>
-              <a:defRPr sz="1200" kern="1200">
-                <a:solidFill>
-                  <a:schemeClr val="tx1">
-                    <a:lumMod val="75000"/>
-                    <a:lumOff val="25000"/>
-                  </a:schemeClr>
-                </a:solidFill>
-                <a:latin typeface="+mn-lt"/>
-                <a:ea typeface="+mn-ea"/>
-                <a:cs typeface="+mn-cs"/>
-              </a:defRPr>
-            </a:lvl6pPr>
-            <a:lvl7pPr marL="2971800" indent="-228600" algn="l" defTabSz="457200" rtl="0" eaLnBrk="1" latinLnBrk="0" hangingPunct="1">
-              <a:spcBef>
-                <a:spcPts val="1000"/>
-              </a:spcBef>
-              <a:spcAft>
-                <a:spcPts val="0"/>
-              </a:spcAft>
-              <a:buClr>
-                <a:schemeClr val="accent1"/>
-              </a:buClr>
-              <a:buSzPct val="80000"/>
-              <a:buFont typeface="Wingdings 3" charset="2"/>
-              <a:buChar char=""/>
-              <a:defRPr sz="1200" kern="1200">
-                <a:solidFill>
-                  <a:schemeClr val="tx1">
-                    <a:lumMod val="75000"/>
-                    <a:lumOff val="25000"/>
-                  </a:schemeClr>
-                </a:solidFill>
-                <a:latin typeface="+mn-lt"/>
-                <a:ea typeface="+mn-ea"/>
-                <a:cs typeface="+mn-cs"/>
-              </a:defRPr>
-            </a:lvl7pPr>
-            <a:lvl8pPr marL="3429000" indent="-228600" algn="l" defTabSz="457200" rtl="0" eaLnBrk="1" latinLnBrk="0" hangingPunct="1">
-              <a:spcBef>
-                <a:spcPts val="1000"/>
-              </a:spcBef>
-              <a:spcAft>
-                <a:spcPts val="0"/>
-              </a:spcAft>
-              <a:buClr>
-                <a:schemeClr val="accent1"/>
-              </a:buClr>
-              <a:buSzPct val="80000"/>
-              <a:buFont typeface="Wingdings 3" charset="2"/>
-              <a:buChar char=""/>
-              <a:defRPr sz="1200" kern="1200">
-                <a:solidFill>
-                  <a:schemeClr val="tx1">
-                    <a:lumMod val="75000"/>
-                    <a:lumOff val="25000"/>
-                  </a:schemeClr>
-                </a:solidFill>
-                <a:latin typeface="+mn-lt"/>
-                <a:ea typeface="+mn-ea"/>
-                <a:cs typeface="+mn-cs"/>
-              </a:defRPr>
-            </a:lvl8pPr>
-            <a:lvl9pPr marL="3886200" indent="-228600" algn="l" defTabSz="457200" rtl="0" eaLnBrk="1" latinLnBrk="0" hangingPunct="1">
-              <a:spcBef>
-                <a:spcPts val="1000"/>
-              </a:spcBef>
-              <a:spcAft>
-                <a:spcPts val="0"/>
-              </a:spcAft>
-              <a:buClr>
-                <a:schemeClr val="accent1"/>
-              </a:buClr>
-              <a:buSzPct val="80000"/>
-              <a:buFont typeface="Wingdings 3" charset="2"/>
-              <a:buChar char=""/>
-              <a:defRPr sz="1200" kern="1200">
-                <a:solidFill>
-                  <a:schemeClr val="tx1">
-                    <a:lumMod val="75000"/>
-                    <a:lumOff val="25000"/>
-                  </a:schemeClr>
-                </a:solidFill>
-                <a:latin typeface="+mn-lt"/>
-                <a:ea typeface="+mn-ea"/>
-                <a:cs typeface="+mn-cs"/>
-              </a:defRPr>
-            </a:lvl9pPr>
-          </a:lstStyle>
-          <a:p>
-            <a:r>
-              <a:rPr lang="en-US" altLang="zh-CN" dirty="0" err="1"/>
-              <a:t>ActivityManagerService.appNotResponding</a:t>
-            </a:r>
-            <a:r>
-              <a:rPr lang="en-US" altLang="zh-CN" dirty="0" smtClean="0"/>
-              <a:t>()</a:t>
-            </a:r>
-            <a:r>
-              <a:rPr lang="zh-CN" altLang="en-US" dirty="0" smtClean="0"/>
-              <a:t>生成</a:t>
-            </a:r>
-            <a:r>
-              <a:rPr lang="zh-CN" altLang="en-US" dirty="0"/>
-              <a:t>日志</a:t>
-            </a:r>
-          </a:p>
-        </p:txBody>
-      </p:sp>
     </p:spTree>
-    <p:extLst>
-      <p:ext uri="{BB962C8B-B14F-4D97-AF65-F5344CB8AC3E}">
-        <p14:creationId xmlns:p14="http://schemas.microsoft.com/office/powerpoint/2010/main" val="3013847874"/>
-      </p:ext>
-    </p:extLst>
   </p:cSld>
   <p:clrMapOvr>
     <a:masterClrMapping/>
   </p:clrMapOvr>
+  <mc:AlternateContent xmlns:mc="http://schemas.openxmlformats.org/markup-compatibility/2006">
+    <mc:Choice xmlns:p14="http://schemas.microsoft.com/office/powerpoint/2010/main" Requires="p14">
+      <p:transition spd="slow" p14:dur="2000" advTm="8373"/>
+    </mc:Choice>
+    <mc:Fallback>
+      <p:transition spd="slow" advTm="8373"/>
+    </mc:Fallback>
+  </mc:AlternateContent>
   <p:timing>
     <p:tnLst>
       <p:par>
@@ -6445,7 +6774,7 @@
                                           </p:stCondLst>
                                         </p:cTn>
                                         <p:tgtEl>
-                                          <p:spTgt spid="4"/>
+                                          <p:spTgt spid="6"/>
                                         </p:tgtEl>
                                         <p:attrNameLst>
                                           <p:attrName>style.visibility</p:attrName>
@@ -6459,7 +6788,7 @@
                                       <p:cBhvr>
                                         <p:cTn id="7" dur="500"/>
                                         <p:tgtEl>
-                                          <p:spTgt spid="4"/>
+                                          <p:spTgt spid="6"/>
                                         </p:tgtEl>
                                       </p:cBhvr>
                                     </p:animEffect>
@@ -6498,7 +6827,7 @@
                                           </p:stCondLst>
                                         </p:cTn>
                                         <p:tgtEl>
-                                          <p:spTgt spid="5"/>
+                                          <p:spTgt spid="7"/>
                                         </p:tgtEl>
                                         <p:attrNameLst>
                                           <p:attrName>style.visibility</p:attrName>
@@ -6512,7 +6841,7 @@
                                       <p:cBhvr>
                                         <p:cTn id="12" dur="500"/>
                                         <p:tgtEl>
-                                          <p:spTgt spid="5"/>
+                                          <p:spTgt spid="7"/>
                                         </p:tgtEl>
                                       </p:cBhvr>
                                     </p:animEffect>
@@ -6550,7 +6879,310 @@
 </p:sld>
 </file>
 
-<file path=ppt/slides/slide11.xml><?xml version="1.0" encoding="utf-8"?>
+<file path=ppt/slides/slide13.xml><?xml version="1.0" encoding="utf-8"?>
+<p:sld xmlns:a="http://schemas.openxmlformats.org/drawingml/2006/main" xmlns:r="http://schemas.openxmlformats.org/officeDocument/2006/relationships" xmlns:p="http://schemas.openxmlformats.org/presentationml/2006/main">
+  <p:cSld>
+    <p:spTree>
+      <p:nvGrpSpPr>
+        <p:cNvPr id="1" name=""/>
+        <p:cNvGrpSpPr/>
+        <p:nvPr/>
+      </p:nvGrpSpPr>
+      <p:grpSpPr>
+        <a:xfrm>
+          <a:off x="0" y="0"/>
+          <a:ext cx="0" cy="0"/>
+          <a:chOff x="0" y="0"/>
+          <a:chExt cx="0" cy="0"/>
+        </a:xfrm>
+      </p:grpSpPr>
+      <p:sp>
+        <p:nvSpPr>
+          <p:cNvPr id="2" name="Title 1"/>
+          <p:cNvSpPr>
+            <a:spLocks noGrp="1"/>
+          </p:cNvSpPr>
+          <p:nvPr>
+            <p:ph type="title"/>
+          </p:nvPr>
+        </p:nvSpPr>
+        <p:spPr/>
+        <p:txBody>
+          <a:bodyPr/>
+          <a:lstStyle/>
+          <a:p>
+            <a:r>
+              <a:rPr lang="en-US" altLang="zh-CN" dirty="0" smtClean="0"/>
+              <a:t>ANR</a:t>
+            </a:r>
+            <a:r>
+              <a:rPr lang="zh-CN" altLang="en-US" dirty="0" smtClean="0"/>
+              <a:t>实例</a:t>
+            </a:r>
+            <a:r>
+              <a:rPr lang="en-US" altLang="zh-CN" dirty="0" smtClean="0"/>
+              <a:t>3</a:t>
+            </a:r>
+            <a:endParaRPr lang="en-US" altLang="zh-CN" dirty="0" smtClean="0"/>
+          </a:p>
+        </p:txBody>
+      </p:sp>
+      <p:sp>
+        <p:nvSpPr>
+          <p:cNvPr id="3" name="Content Placeholder 2"/>
+          <p:cNvSpPr>
+            <a:spLocks noGrp="1"/>
+          </p:cNvSpPr>
+          <p:nvPr>
+            <p:ph idx="1"/>
+          </p:nvPr>
+        </p:nvSpPr>
+        <p:spPr>
+          <a:xfrm>
+            <a:off x="677334" y="1422459"/>
+            <a:ext cx="8596668" cy="3880773"/>
+          </a:xfrm>
+        </p:spPr>
+        <p:txBody>
+          <a:bodyPr/>
+          <a:lstStyle/>
+          <a:p>
+            <a:r>
+              <a:rPr lang="zh-CN" dirty="0" smtClean="0">
+                <a:ea typeface="宋体" panose="02010600030101010101" pitchFamily="2" charset="-122"/>
+              </a:rPr>
+              <a:t>对端堵塞</a:t>
+            </a:r>
+            <a:endParaRPr lang="zh-CN" dirty="0">
+              <a:ea typeface="宋体" panose="02010600030101010101" pitchFamily="2" charset="-122"/>
+            </a:endParaRPr>
+          </a:p>
+        </p:txBody>
+      </p:sp>
+      <p:pic>
+        <p:nvPicPr>
+          <p:cNvPr id="4" name="图片 3"/>
+          <p:cNvPicPr>
+            <a:picLocks noChangeAspect="1"/>
+          </p:cNvPicPr>
+          <p:nvPr/>
+        </p:nvPicPr>
+        <p:blipFill>
+          <a:blip r:embed="rId1"/>
+          <a:stretch>
+            <a:fillRect/>
+          </a:stretch>
+        </p:blipFill>
+        <p:spPr>
+          <a:xfrm>
+            <a:off x="549910" y="1930400"/>
+            <a:ext cx="9605010" cy="4202430"/>
+          </a:xfrm>
+          <a:prstGeom prst="rect">
+            <a:avLst/>
+          </a:prstGeom>
+        </p:spPr>
+      </p:pic>
+    </p:spTree>
+  </p:cSld>
+  <p:clrMapOvr>
+    <a:masterClrMapping/>
+  </p:clrMapOvr>
+  <p:timing>
+    <p:tnLst>
+      <p:par>
+        <p:cTn id="1" dur="indefinite" restart="never" nodeType="tmRoot"/>
+      </p:par>
+    </p:tnLst>
+  </p:timing>
+</p:sld>
+</file>
+
+<file path=ppt/slides/slide14.xml><?xml version="1.0" encoding="utf-8"?>
+<p:sld xmlns:a="http://schemas.openxmlformats.org/drawingml/2006/main" xmlns:r="http://schemas.openxmlformats.org/officeDocument/2006/relationships" xmlns:p="http://schemas.openxmlformats.org/presentationml/2006/main">
+  <p:cSld>
+    <p:spTree>
+      <p:nvGrpSpPr>
+        <p:cNvPr id="1" name=""/>
+        <p:cNvGrpSpPr/>
+        <p:nvPr/>
+      </p:nvGrpSpPr>
+      <p:grpSpPr>
+        <a:xfrm>
+          <a:off x="0" y="0"/>
+          <a:ext cx="0" cy="0"/>
+          <a:chOff x="0" y="0"/>
+          <a:chExt cx="0" cy="0"/>
+        </a:xfrm>
+      </p:grpSpPr>
+      <p:sp>
+        <p:nvSpPr>
+          <p:cNvPr id="2" name="Title 1"/>
+          <p:cNvSpPr>
+            <a:spLocks noGrp="1"/>
+          </p:cNvSpPr>
+          <p:nvPr>
+            <p:ph type="title"/>
+          </p:nvPr>
+        </p:nvSpPr>
+        <p:spPr/>
+        <p:txBody>
+          <a:bodyPr/>
+          <a:lstStyle/>
+          <a:p>
+            <a:r>
+              <a:rPr lang="en-US" altLang="zh-CN" dirty="0" smtClean="0"/>
+              <a:t>ANR</a:t>
+            </a:r>
+            <a:r>
+              <a:rPr lang="zh-CN" altLang="en-US" dirty="0" smtClean="0"/>
+              <a:t>实例</a:t>
+            </a:r>
+            <a:r>
+              <a:rPr lang="en-US" altLang="zh-CN" dirty="0" smtClean="0"/>
+              <a:t>4</a:t>
+            </a:r>
+            <a:endParaRPr lang="en-US" altLang="zh-CN" dirty="0" smtClean="0"/>
+          </a:p>
+        </p:txBody>
+      </p:sp>
+      <p:sp>
+        <p:nvSpPr>
+          <p:cNvPr id="3" name="Content Placeholder 2"/>
+          <p:cNvSpPr>
+            <a:spLocks noGrp="1"/>
+          </p:cNvSpPr>
+          <p:nvPr>
+            <p:ph idx="1"/>
+          </p:nvPr>
+        </p:nvSpPr>
+        <p:spPr>
+          <a:xfrm>
+            <a:off x="677334" y="1422459"/>
+            <a:ext cx="8596668" cy="3880773"/>
+          </a:xfrm>
+        </p:spPr>
+        <p:txBody>
+          <a:bodyPr/>
+          <a:lstStyle/>
+          <a:p>
+            <a:r>
+              <a:rPr lang="en-US" altLang="zh-CN" dirty="0" smtClean="0">
+                <a:ea typeface="宋体" panose="02010600030101010101" pitchFamily="2" charset="-122"/>
+              </a:rPr>
+              <a:t>GPU</a:t>
+            </a:r>
+            <a:r>
+              <a:rPr lang="zh-CN" dirty="0" smtClean="0">
+                <a:ea typeface="宋体" panose="02010600030101010101" pitchFamily="2" charset="-122"/>
+              </a:rPr>
+              <a:t>电压不足</a:t>
+            </a:r>
+            <a:endParaRPr lang="zh-CN" dirty="0">
+              <a:ea typeface="宋体" panose="02010600030101010101" pitchFamily="2" charset="-122"/>
+            </a:endParaRPr>
+          </a:p>
+        </p:txBody>
+      </p:sp>
+      <p:sp>
+        <p:nvSpPr>
+          <p:cNvPr id="5" name="文本框 4"/>
+          <p:cNvSpPr txBox="1"/>
+          <p:nvPr/>
+        </p:nvSpPr>
+        <p:spPr>
+          <a:xfrm>
+            <a:off x="995680" y="1930400"/>
+            <a:ext cx="3576320" cy="368300"/>
+          </a:xfrm>
+          <a:prstGeom prst="rect">
+            <a:avLst/>
+          </a:prstGeom>
+          <a:noFill/>
+        </p:spPr>
+        <p:txBody>
+          <a:bodyPr wrap="none" rtlCol="0">
+            <a:spAutoFit/>
+          </a:bodyPr>
+          <a:p>
+            <a:r>
+              <a:rPr lang="zh-CN" altLang="en-US"/>
+              <a:t>开机在</a:t>
+            </a:r>
+            <a:r>
+              <a:rPr lang="en-US" altLang="zh-CN"/>
+              <a:t>FPV</a:t>
+            </a:r>
+            <a:r>
+              <a:rPr lang="zh-CN" altLang="en-US">
+                <a:ea typeface="宋体" panose="02010600030101010101" pitchFamily="2" charset="-122"/>
+              </a:rPr>
+              <a:t>界面对频后</a:t>
+            </a:r>
+            <a:r>
+              <a:rPr lang="en-US" altLang="zh-CN">
+                <a:ea typeface="宋体" panose="02010600030101010101" pitchFamily="2" charset="-122"/>
+              </a:rPr>
+              <a:t>10min</a:t>
+            </a:r>
+            <a:r>
+              <a:rPr lang="zh-CN" altLang="en-US">
+                <a:ea typeface="宋体" panose="02010600030101010101" pitchFamily="2" charset="-122"/>
+              </a:rPr>
+              <a:t>钟</a:t>
+            </a:r>
+            <a:r>
+              <a:rPr lang="en-US" altLang="zh-CN">
+                <a:ea typeface="宋体" panose="02010600030101010101" pitchFamily="2" charset="-122"/>
+              </a:rPr>
+              <a:t>anr</a:t>
+            </a:r>
+            <a:endParaRPr lang="en-US" altLang="zh-CN">
+              <a:ea typeface="宋体" panose="02010600030101010101" pitchFamily="2" charset="-122"/>
+            </a:endParaRPr>
+          </a:p>
+        </p:txBody>
+      </p:sp>
+      <p:pic>
+        <p:nvPicPr>
+          <p:cNvPr id="7" name="图片 6"/>
+          <p:cNvPicPr>
+            <a:picLocks noChangeAspect="1"/>
+          </p:cNvPicPr>
+          <p:nvPr/>
+        </p:nvPicPr>
+        <p:blipFill>
+          <a:blip r:embed="rId1"/>
+          <a:stretch>
+            <a:fillRect/>
+          </a:stretch>
+        </p:blipFill>
+        <p:spPr>
+          <a:xfrm>
+            <a:off x="1045845" y="2298700"/>
+            <a:ext cx="7505700" cy="4109085"/>
+          </a:xfrm>
+          <a:prstGeom prst="rect">
+            <a:avLst/>
+          </a:prstGeom>
+        </p:spPr>
+      </p:pic>
+    </p:spTree>
+  </p:cSld>
+  <p:clrMapOvr>
+    <a:masterClrMapping/>
+  </p:clrMapOvr>
+  <p:timing>
+    <p:tnLst>
+      <p:par>
+        <p:cTn id="1" dur="indefinite" restart="never" nodeType="tmRoot"/>
+      </p:par>
+    </p:tnLst>
+  </p:timing>
+</p:sld>
+</file>
+
+<file path=ppt/slides/slide15.xml><?xml version="1.0" encoding="utf-8"?>
 <p:sld xmlns:a="http://schemas.openxmlformats.org/drawingml/2006/main" xmlns:r="http://schemas.openxmlformats.org/officeDocument/2006/relationships" xmlns:p="http://schemas.openxmlformats.org/presentationml/2006/main">
   <p:cSld>
     <p:spTree>
@@ -6573,13 +7205,7 @@
           <p:cNvGraphicFramePr>
             <a:graphicFrameLocks noGrp="1"/>
           </p:cNvGraphicFramePr>
-          <p:nvPr>
-            <p:extLst>
-              <p:ext uri="{D42A27DB-BD31-4B8C-83A1-F6EECF244321}">
-                <p14:modId xmlns:p14="http://schemas.microsoft.com/office/powerpoint/2010/main" val="2764880814"/>
-              </p:ext>
-            </p:extLst>
-          </p:nvPr>
+          <p:nvPr/>
         </p:nvGraphicFramePr>
         <p:xfrm>
           <a:off x="1136043" y="2588961"/>
@@ -6707,6 +7333,9 @@
                         </a:rPr>
                         <a:t>当前的事件没有机会得到处理</a:t>
                       </a:r>
+                      <a:endParaRPr lang="zh-CN" sz="1050" kern="100" dirty="0">
+                        <a:effectLst/>
+                      </a:endParaRPr>
                     </a:p>
                     <a:p>
                       <a:pPr algn="l">
@@ -6985,9 +7614,6 @@
         </p:spPr>
         <p:txBody>
           <a:bodyPr vert="horz" wrap="none" lIns="91440" tIns="45720" rIns="91440" bIns="45720" numCol="1" anchor="ctr" anchorCtr="0" compatLnSpc="1">
-            <a:prstTxWarp prst="textNoShape">
-              <a:avLst/>
-            </a:prstTxWarp>
             <a:spAutoFit/>
           </a:bodyPr>
           <a:lstStyle/>
@@ -7004,15 +7630,14 @@
               <a:rPr lang="zh-CN" altLang="zh-CN" sz="1200" dirty="0"/>
               <a:t>将耗时操作放在子线程中执行！！！</a:t>
             </a:r>
+            <a:endParaRPr lang="zh-CN" altLang="zh-CN" sz="1200" dirty="0"/>
           </a:p>
         </p:txBody>
       </p:sp>
       <p:sp>
         <p:nvSpPr>
           <p:cNvPr id="7" name="Title 1"/>
-          <p:cNvSpPr txBox="1">
-            <a:spLocks/>
-          </p:cNvSpPr>
+          <p:cNvSpPr txBox="1"/>
           <p:nvPr/>
         </p:nvSpPr>
         <p:spPr>
@@ -7116,9 +7741,7 @@
       <p:sp>
         <p:nvSpPr>
           <p:cNvPr id="10" name="Content Placeholder 2"/>
-          <p:cNvSpPr txBox="1">
-            <a:spLocks/>
-          </p:cNvSpPr>
+          <p:cNvSpPr txBox="1"/>
           <p:nvPr/>
         </p:nvSpPr>
         <p:spPr>
@@ -7461,18 +8084,14 @@
               <a:rPr lang="zh-CN" altLang="en-US" dirty="0"/>
               <a:t>。</a:t>
             </a:r>
-          </a:p>
-          <a:p>
             <a:endParaRPr lang="zh-CN" altLang="en-US" dirty="0"/>
           </a:p>
+          <a:p>
+            <a:endParaRPr lang="zh-CN" altLang="en-US" dirty="0"/>
+          </a:p>
         </p:txBody>
       </p:sp>
     </p:spTree>
-    <p:extLst>
-      <p:ext uri="{BB962C8B-B14F-4D97-AF65-F5344CB8AC3E}">
-        <p14:creationId xmlns:p14="http://schemas.microsoft.com/office/powerpoint/2010/main" val="1709666065"/>
-      </p:ext>
-    </p:extLst>
   </p:cSld>
   <p:clrMapOvr>
     <a:masterClrMapping/>
@@ -7487,7 +8106,7 @@
 </p:sld>
 </file>
 
-<file path=ppt/slides/slide12.xml><?xml version="1.0" encoding="utf-8"?>
+<file path=ppt/slides/slide16.xml><?xml version="1.0" encoding="utf-8"?>
 <p:sld xmlns:a="http://schemas.openxmlformats.org/drawingml/2006/main" xmlns:r="http://schemas.openxmlformats.org/officeDocument/2006/relationships" xmlns:p="http://schemas.openxmlformats.org/presentationml/2006/main">
   <p:cSld>
     <p:spTree>
@@ -7539,10 +8158,6 @@
               <a:rPr lang="zh-CN" altLang="en-US" dirty="0"/>
               <a:t>线程</a:t>
             </a:r>
-            <a:r>
-              <a:rPr lang="en-US" altLang="zh-CN" dirty="0"/>
-              <a:t/>
-            </a:r>
             <a:br>
               <a:rPr lang="en-US" altLang="zh-CN" dirty="0"/>
             </a:br>
@@ -7667,6 +8282,7 @@
               <a:rPr lang="en-US" altLang="zh-CN" dirty="0" smtClean="0"/>
               <a:t>)</a:t>
             </a:r>
+            <a:endParaRPr lang="en-US" altLang="zh-CN" dirty="0" smtClean="0"/>
           </a:p>
           <a:p>
             <a:r>
@@ -7764,11 +8380,6 @@
         </p:txBody>
       </p:sp>
     </p:spTree>
-    <p:extLst>
-      <p:ext uri="{BB962C8B-B14F-4D97-AF65-F5344CB8AC3E}">
-        <p14:creationId xmlns:p14="http://schemas.microsoft.com/office/powerpoint/2010/main" val="533743120"/>
-      </p:ext>
-    </p:extLst>
   </p:cSld>
   <p:clrMapOvr>
     <a:masterClrMapping/>
@@ -7783,7 +8394,7 @@
 </p:sld>
 </file>
 
-<file path=ppt/slides/slide13.xml><?xml version="1.0" encoding="utf-8"?>
+<file path=ppt/slides/slide17.xml><?xml version="1.0" encoding="utf-8"?>
 <p:sld xmlns:a="http://schemas.openxmlformats.org/drawingml/2006/main" xmlns:r="http://schemas.openxmlformats.org/officeDocument/2006/relationships" xmlns:p="http://schemas.openxmlformats.org/presentationml/2006/main">
   <p:cSld>
     <p:spTree>
@@ -8038,11 +8649,6 @@
         </p:txBody>
       </p:sp>
     </p:spTree>
-    <p:extLst>
-      <p:ext uri="{BB962C8B-B14F-4D97-AF65-F5344CB8AC3E}">
-        <p14:creationId xmlns:p14="http://schemas.microsoft.com/office/powerpoint/2010/main" val="812832595"/>
-      </p:ext>
-    </p:extLst>
   </p:cSld>
   <p:clrMapOvr>
     <a:masterClrMapping/>
@@ -8057,7 +8663,7 @@
 </p:sld>
 </file>
 
-<file path=ppt/slides/slide14.xml><?xml version="1.0" encoding="utf-8"?>
+<file path=ppt/slides/slide18.xml><?xml version="1.0" encoding="utf-8"?>
 <p:sld xmlns:a="http://schemas.openxmlformats.org/drawingml/2006/main" xmlns:r="http://schemas.openxmlformats.org/officeDocument/2006/relationships" xmlns:p="http://schemas.openxmlformats.org/presentationml/2006/main">
   <p:cSld>
     <p:spTree>
@@ -8094,65 +8700,31 @@
               <a:t>ANR</a:t>
             </a:r>
             <a:r>
-              <a:rPr lang="zh-CN" altLang="en-US" dirty="0"/>
-              <a:t>避免</a:t>
-            </a:r>
-            <a:r>
-              <a:rPr lang="en-US" altLang="zh-CN" dirty="0"/>
-              <a:t>-</a:t>
-            </a:r>
-            <a:r>
-              <a:rPr lang="zh-CN" altLang="zh-CN" b="1" dirty="0" smtClean="0"/>
-              <a:t>子线程</a:t>
-            </a:r>
-            <a:r>
-              <a:rPr lang="zh-CN" altLang="en-US" b="1" dirty="0" smtClean="0"/>
-              <a:t>不能操作</a:t>
-            </a:r>
-            <a:r>
-              <a:rPr lang="en-US" altLang="zh-CN" b="1" dirty="0" smtClean="0"/>
-              <a:t>UI</a:t>
-            </a:r>
-            <a:endParaRPr lang="en-US" dirty="0"/>
-          </a:p>
-        </p:txBody>
-      </p:sp>
-      <p:pic>
-        <p:nvPicPr>
-          <p:cNvPr id="5" name="图片 4"/>
-          <p:cNvPicPr/>
-          <p:nvPr/>
-        </p:nvPicPr>
-        <p:blipFill>
-          <a:blip r:embed="rId2"/>
-          <a:stretch>
-            <a:fillRect/>
-          </a:stretch>
-        </p:blipFill>
+              <a:rPr lang="zh-CN" dirty="0">
+                <a:ea typeface="宋体" panose="02010600030101010101" pitchFamily="2" charset="-122"/>
+              </a:rPr>
+              <a:t>小结</a:t>
+            </a:r>
+            <a:endParaRPr lang="zh-CN" dirty="0">
+              <a:ea typeface="宋体" panose="02010600030101010101" pitchFamily="2" charset="-122"/>
+            </a:endParaRPr>
+          </a:p>
+        </p:txBody>
+      </p:sp>
+      <p:sp>
+        <p:nvSpPr>
+          <p:cNvPr id="9" name="Content Placeholder 2"/>
+          <p:cNvSpPr>
+            <a:spLocks noGrp="1"/>
+          </p:cNvSpPr>
+          <p:nvPr>
+            <p:ph idx="1"/>
+          </p:nvPr>
+        </p:nvSpPr>
         <p:spPr>
           <a:xfrm>
-            <a:off x="1264285" y="2994546"/>
-            <a:ext cx="5274310" cy="1136015"/>
-          </a:xfrm>
-          <a:prstGeom prst="rect">
-            <a:avLst/>
-          </a:prstGeom>
-        </p:spPr>
-      </p:pic>
-      <p:sp>
-        <p:nvSpPr>
-          <p:cNvPr id="9" name="Content Placeholder 2"/>
-          <p:cNvSpPr>
-            <a:spLocks noGrp="1"/>
-          </p:cNvSpPr>
-          <p:nvPr>
-            <p:ph idx="1"/>
-          </p:nvPr>
-        </p:nvSpPr>
-        <p:spPr>
-          <a:xfrm>
-            <a:off x="677334" y="1633586"/>
-            <a:ext cx="8596668" cy="871076"/>
+            <a:off x="677545" y="1633855"/>
+            <a:ext cx="8596630" cy="2674620"/>
           </a:xfrm>
         </p:spPr>
         <p:txBody>
@@ -8162,47 +8734,46 @@
           <a:lstStyle/>
           <a:p>
             <a:r>
-              <a:rPr lang="zh-CN" altLang="en-US" dirty="0"/>
-              <a:t>为什么子线程不能操作</a:t>
-            </a:r>
-            <a:r>
-              <a:rPr lang="en-US" altLang="zh-CN" dirty="0" err="1" smtClean="0"/>
-              <a:t>ui</a:t>
-            </a:r>
-            <a:r>
-              <a:rPr lang="zh-CN" altLang="en-US" dirty="0" smtClean="0"/>
-              <a:t>：</a:t>
-            </a:r>
-            <a:r>
-              <a:rPr lang="zh-CN" altLang="zh-CN" dirty="0"/>
-              <a:t>单线程模型来处理</a:t>
-            </a:r>
-            <a:r>
-              <a:rPr lang="en-US" altLang="zh-CN" dirty="0"/>
-              <a:t>UI</a:t>
-            </a:r>
-            <a:r>
-              <a:rPr lang="zh-CN" altLang="zh-CN" dirty="0"/>
-              <a:t>操作</a:t>
-            </a:r>
-            <a:endParaRPr lang="en-US" altLang="zh-CN" dirty="0"/>
-          </a:p>
-          <a:p>
-            <a:r>
-              <a:rPr lang="zh-CN" altLang="en-US" dirty="0"/>
-              <a:t>系统怎么确保子线程不能操作</a:t>
-            </a:r>
-            <a:r>
-              <a:rPr lang="en-US" altLang="zh-CN" dirty="0" err="1" smtClean="0"/>
-              <a:t>ui</a:t>
-            </a:r>
-            <a:r>
-              <a:rPr lang="zh-CN" altLang="en-US" dirty="0" smtClean="0"/>
-              <a:t>：</a:t>
-            </a:r>
-            <a:r>
-              <a:rPr lang="en-US" altLang="zh-CN" dirty="0" err="1" smtClean="0"/>
-              <a:t>ViewRootImpl.checkThread</a:t>
+              <a:rPr lang="en-US"/>
+              <a:t>ANR</a:t>
+            </a:r>
+            <a:r>
+              <a:t>: 主线程在特定的时间内没有完成特定的事情。</a:t>
+            </a:r>
+          </a:p>
+          <a:p>
+            <a:r>
+              <a:rPr lang="zh-CN">
+                <a:ea typeface="宋体" panose="02010600030101010101" pitchFamily="2" charset="-122"/>
+              </a:rPr>
+              <a:t>原理：超时弹窗</a:t>
+            </a:r>
+          </a:p>
+          <a:p>
+            <a:r>
+              <a:rPr lang="zh-CN" altLang="zh-CN" dirty="0">
+                <a:sym typeface="+mn-ea"/>
+              </a:rPr>
+              <a:t>预防为主，养成好的编码习惯，将耗时操作放在子线程中执行</a:t>
+            </a:r>
+            <a:endParaRPr lang="zh-CN" altLang="zh-CN" dirty="0">
+              <a:sym typeface="+mn-ea"/>
+            </a:endParaRPr>
+          </a:p>
+          <a:p>
+            <a:r>
+              <a:rPr lang="zh-CN" altLang="zh-CN" b="1" dirty="0" smtClean="0">
+                <a:latin typeface="Calibri" panose="020F0502020204030204" pitchFamily="34" charset="0"/>
+                <a:ea typeface="宋体" panose="02010600030101010101" pitchFamily="2" charset="-122"/>
+                <a:cs typeface="Times New Roman" panose="02020603050405020304" pitchFamily="18" charset="0"/>
+              </a:rPr>
+              <a:t>traces.txt</a:t>
+            </a:r>
+            <a:r>
+              <a:rPr lang="zh-CN" altLang="zh-CN" dirty="0">
+                <a:sym typeface="+mn-ea"/>
+              </a:rPr>
+              <a:t>局限性</a:t>
             </a:r>
             <a:endParaRPr lang="zh-CN" altLang="zh-CN" b="1" dirty="0" smtClean="0">
               <a:latin typeface="Calibri" panose="020F0502020204030204" pitchFamily="34" charset="0"/>
@@ -8218,280 +8789,7 @@
           </a:p>
         </p:txBody>
       </p:sp>
-      <p:sp>
-        <p:nvSpPr>
-          <p:cNvPr id="10" name="Content Placeholder 2"/>
-          <p:cNvSpPr txBox="1">
-            <a:spLocks/>
-          </p:cNvSpPr>
-          <p:nvPr/>
-        </p:nvSpPr>
-        <p:spPr>
-          <a:xfrm>
-            <a:off x="601134" y="4419856"/>
-            <a:ext cx="8596668" cy="871076"/>
-          </a:xfrm>
-          <a:prstGeom prst="rect">
-            <a:avLst/>
-          </a:prstGeom>
-        </p:spPr>
-        <p:txBody>
-          <a:bodyPr vert="horz" lIns="91440" tIns="45720" rIns="91440" bIns="45720" rtlCol="0">
-            <a:normAutofit/>
-          </a:bodyPr>
-          <a:lstStyle>
-            <a:lvl1pPr marL="342900" indent="-342900" algn="l" defTabSz="457200" rtl="0" eaLnBrk="1" latinLnBrk="0" hangingPunct="1">
-              <a:spcBef>
-                <a:spcPts val="1000"/>
-              </a:spcBef>
-              <a:spcAft>
-                <a:spcPts val="0"/>
-              </a:spcAft>
-              <a:buClr>
-                <a:schemeClr val="accent1"/>
-              </a:buClr>
-              <a:buSzPct val="80000"/>
-              <a:buFont typeface="Wingdings 3" charset="2"/>
-              <a:buChar char=""/>
-              <a:defRPr sz="1800" kern="1200">
-                <a:solidFill>
-                  <a:schemeClr val="tx1">
-                    <a:lumMod val="75000"/>
-                    <a:lumOff val="25000"/>
-                  </a:schemeClr>
-                </a:solidFill>
-                <a:latin typeface="+mn-lt"/>
-                <a:ea typeface="+mn-ea"/>
-                <a:cs typeface="+mn-cs"/>
-              </a:defRPr>
-            </a:lvl1pPr>
-            <a:lvl2pPr marL="742950" indent="-285750" algn="l" defTabSz="457200" rtl="0" eaLnBrk="1" latinLnBrk="0" hangingPunct="1">
-              <a:spcBef>
-                <a:spcPts val="1000"/>
-              </a:spcBef>
-              <a:spcAft>
-                <a:spcPts val="0"/>
-              </a:spcAft>
-              <a:buClr>
-                <a:schemeClr val="accent1"/>
-              </a:buClr>
-              <a:buSzPct val="80000"/>
-              <a:buFont typeface="Wingdings 3" charset="2"/>
-              <a:buChar char=""/>
-              <a:defRPr sz="1600" kern="1200">
-                <a:solidFill>
-                  <a:schemeClr val="tx1">
-                    <a:lumMod val="75000"/>
-                    <a:lumOff val="25000"/>
-                  </a:schemeClr>
-                </a:solidFill>
-                <a:latin typeface="+mn-lt"/>
-                <a:ea typeface="+mn-ea"/>
-                <a:cs typeface="+mn-cs"/>
-              </a:defRPr>
-            </a:lvl2pPr>
-            <a:lvl3pPr marL="1143000" indent="-228600" algn="l" defTabSz="457200" rtl="0" eaLnBrk="1" latinLnBrk="0" hangingPunct="1">
-              <a:spcBef>
-                <a:spcPts val="1000"/>
-              </a:spcBef>
-              <a:spcAft>
-                <a:spcPts val="0"/>
-              </a:spcAft>
-              <a:buClr>
-                <a:schemeClr val="accent1"/>
-              </a:buClr>
-              <a:buSzPct val="80000"/>
-              <a:buFont typeface="Wingdings 3" charset="2"/>
-              <a:buChar char=""/>
-              <a:defRPr sz="1400" kern="1200">
-                <a:solidFill>
-                  <a:schemeClr val="tx1">
-                    <a:lumMod val="75000"/>
-                    <a:lumOff val="25000"/>
-                  </a:schemeClr>
-                </a:solidFill>
-                <a:latin typeface="+mn-lt"/>
-                <a:ea typeface="+mn-ea"/>
-                <a:cs typeface="+mn-cs"/>
-              </a:defRPr>
-            </a:lvl3pPr>
-            <a:lvl4pPr marL="1600200" indent="-228600" algn="l" defTabSz="457200" rtl="0" eaLnBrk="1" latinLnBrk="0" hangingPunct="1">
-              <a:spcBef>
-                <a:spcPts val="1000"/>
-              </a:spcBef>
-              <a:spcAft>
-                <a:spcPts val="0"/>
-              </a:spcAft>
-              <a:buClr>
-                <a:schemeClr val="accent1"/>
-              </a:buClr>
-              <a:buSzPct val="80000"/>
-              <a:buFont typeface="Wingdings 3" charset="2"/>
-              <a:buChar char=""/>
-              <a:defRPr sz="1200" kern="1200">
-                <a:solidFill>
-                  <a:schemeClr val="tx1">
-                    <a:lumMod val="75000"/>
-                    <a:lumOff val="25000"/>
-                  </a:schemeClr>
-                </a:solidFill>
-                <a:latin typeface="+mn-lt"/>
-                <a:ea typeface="+mn-ea"/>
-                <a:cs typeface="+mn-cs"/>
-              </a:defRPr>
-            </a:lvl4pPr>
-            <a:lvl5pPr marL="2057400" indent="-228600" algn="l" defTabSz="457200" rtl="0" eaLnBrk="1" latinLnBrk="0" hangingPunct="1">
-              <a:spcBef>
-                <a:spcPts val="1000"/>
-              </a:spcBef>
-              <a:spcAft>
-                <a:spcPts val="0"/>
-              </a:spcAft>
-              <a:buClr>
-                <a:schemeClr val="accent1"/>
-              </a:buClr>
-              <a:buSzPct val="80000"/>
-              <a:buFont typeface="Wingdings 3" charset="2"/>
-              <a:buChar char=""/>
-              <a:defRPr sz="1200" kern="1200">
-                <a:solidFill>
-                  <a:schemeClr val="tx1">
-                    <a:lumMod val="75000"/>
-                    <a:lumOff val="25000"/>
-                  </a:schemeClr>
-                </a:solidFill>
-                <a:latin typeface="+mn-lt"/>
-                <a:ea typeface="+mn-ea"/>
-                <a:cs typeface="+mn-cs"/>
-              </a:defRPr>
-            </a:lvl5pPr>
-            <a:lvl6pPr marL="2514600" indent="-228600" algn="l" defTabSz="457200" rtl="0" eaLnBrk="1" latinLnBrk="0" hangingPunct="1">
-              <a:spcBef>
-                <a:spcPts val="1000"/>
-              </a:spcBef>
-              <a:spcAft>
-                <a:spcPts val="0"/>
-              </a:spcAft>
-              <a:buClr>
-                <a:schemeClr val="accent1"/>
-              </a:buClr>
-              <a:buSzPct val="80000"/>
-              <a:buFont typeface="Wingdings 3" charset="2"/>
-              <a:buChar char=""/>
-              <a:defRPr sz="1200" kern="1200">
-                <a:solidFill>
-                  <a:schemeClr val="tx1">
-                    <a:lumMod val="75000"/>
-                    <a:lumOff val="25000"/>
-                  </a:schemeClr>
-                </a:solidFill>
-                <a:latin typeface="+mn-lt"/>
-                <a:ea typeface="+mn-ea"/>
-                <a:cs typeface="+mn-cs"/>
-              </a:defRPr>
-            </a:lvl6pPr>
-            <a:lvl7pPr marL="2971800" indent="-228600" algn="l" defTabSz="457200" rtl="0" eaLnBrk="1" latinLnBrk="0" hangingPunct="1">
-              <a:spcBef>
-                <a:spcPts val="1000"/>
-              </a:spcBef>
-              <a:spcAft>
-                <a:spcPts val="0"/>
-              </a:spcAft>
-              <a:buClr>
-                <a:schemeClr val="accent1"/>
-              </a:buClr>
-              <a:buSzPct val="80000"/>
-              <a:buFont typeface="Wingdings 3" charset="2"/>
-              <a:buChar char=""/>
-              <a:defRPr sz="1200" kern="1200">
-                <a:solidFill>
-                  <a:schemeClr val="tx1">
-                    <a:lumMod val="75000"/>
-                    <a:lumOff val="25000"/>
-                  </a:schemeClr>
-                </a:solidFill>
-                <a:latin typeface="+mn-lt"/>
-                <a:ea typeface="+mn-ea"/>
-                <a:cs typeface="+mn-cs"/>
-              </a:defRPr>
-            </a:lvl7pPr>
-            <a:lvl8pPr marL="3429000" indent="-228600" algn="l" defTabSz="457200" rtl="0" eaLnBrk="1" latinLnBrk="0" hangingPunct="1">
-              <a:spcBef>
-                <a:spcPts val="1000"/>
-              </a:spcBef>
-              <a:spcAft>
-                <a:spcPts val="0"/>
-              </a:spcAft>
-              <a:buClr>
-                <a:schemeClr val="accent1"/>
-              </a:buClr>
-              <a:buSzPct val="80000"/>
-              <a:buFont typeface="Wingdings 3" charset="2"/>
-              <a:buChar char=""/>
-              <a:defRPr sz="1200" kern="1200">
-                <a:solidFill>
-                  <a:schemeClr val="tx1">
-                    <a:lumMod val="75000"/>
-                    <a:lumOff val="25000"/>
-                  </a:schemeClr>
-                </a:solidFill>
-                <a:latin typeface="+mn-lt"/>
-                <a:ea typeface="+mn-ea"/>
-                <a:cs typeface="+mn-cs"/>
-              </a:defRPr>
-            </a:lvl8pPr>
-            <a:lvl9pPr marL="3886200" indent="-228600" algn="l" defTabSz="457200" rtl="0" eaLnBrk="1" latinLnBrk="0" hangingPunct="1">
-              <a:spcBef>
-                <a:spcPts val="1000"/>
-              </a:spcBef>
-              <a:spcAft>
-                <a:spcPts val="0"/>
-              </a:spcAft>
-              <a:buClr>
-                <a:schemeClr val="accent1"/>
-              </a:buClr>
-              <a:buSzPct val="80000"/>
-              <a:buFont typeface="Wingdings 3" charset="2"/>
-              <a:buChar char=""/>
-              <a:defRPr sz="1200" kern="1200">
-                <a:solidFill>
-                  <a:schemeClr val="tx1">
-                    <a:lumMod val="75000"/>
-                    <a:lumOff val="25000"/>
-                  </a:schemeClr>
-                </a:solidFill>
-                <a:latin typeface="+mn-lt"/>
-                <a:ea typeface="+mn-ea"/>
-                <a:cs typeface="+mn-cs"/>
-              </a:defRPr>
-            </a:lvl9pPr>
-          </a:lstStyle>
-          <a:p>
-            <a:r>
-              <a:rPr lang="zh-CN" altLang="en-US" dirty="0" smtClean="0"/>
-              <a:t>子线程间接操作</a:t>
-            </a:r>
-            <a:r>
-              <a:rPr lang="en-US" altLang="zh-CN" dirty="0" err="1" smtClean="0"/>
-              <a:t>ui</a:t>
-            </a:r>
-            <a:r>
-              <a:rPr lang="zh-CN" altLang="en-US" dirty="0" smtClean="0"/>
-              <a:t>：</a:t>
-            </a:r>
-            <a:r>
-              <a:rPr lang="en-US" altLang="zh-CN" dirty="0" smtClean="0"/>
-              <a:t>handler</a:t>
-            </a:r>
-          </a:p>
-        </p:txBody>
-      </p:sp>
     </p:spTree>
-    <p:extLst>
-      <p:ext uri="{BB962C8B-B14F-4D97-AF65-F5344CB8AC3E}">
-        <p14:creationId xmlns:p14="http://schemas.microsoft.com/office/powerpoint/2010/main" val="697382216"/>
-      </p:ext>
-    </p:extLst>
   </p:cSld>
   <p:clrMapOvr>
     <a:masterClrMapping/>
@@ -8506,7 +8804,7 @@
 </p:sld>
 </file>
 
-<file path=ppt/slides/slide15.xml><?xml version="1.0" encoding="utf-8"?>
+<file path=ppt/slides/slide19.xml><?xml version="1.0" encoding="utf-8"?>
 <p:sld xmlns:a="http://schemas.openxmlformats.org/drawingml/2006/main" xmlns:r="http://schemas.openxmlformats.org/officeDocument/2006/relationships" xmlns:p="http://schemas.openxmlformats.org/presentationml/2006/main">
   <p:cSld>
     <p:spTree>
@@ -8563,11 +8861,6 @@
         </p:txBody>
       </p:sp>
     </p:spTree>
-    <p:extLst>
-      <p:ext uri="{BB962C8B-B14F-4D97-AF65-F5344CB8AC3E}">
-        <p14:creationId xmlns:p14="http://schemas.microsoft.com/office/powerpoint/2010/main" val="874446803"/>
-      </p:ext>
-    </p:extLst>
   </p:cSld>
   <p:clrMapOvr>
     <a:masterClrMapping/>
@@ -8673,6 +8966,7 @@
               <a:rPr lang="en-US" altLang="zh-CN" dirty="0" smtClean="0"/>
               <a:t>ServiceTimeout:20s,200s</a:t>
             </a:r>
+            <a:endParaRPr lang="en-US" altLang="zh-CN" dirty="0" smtClean="0"/>
           </a:p>
           <a:p>
             <a:r>
@@ -8687,6 +8981,7 @@
               <a:rPr lang="en-US" altLang="zh-CN" dirty="0" smtClean="0"/>
               <a:t>10s,60s</a:t>
             </a:r>
+            <a:endParaRPr lang="en-US" altLang="zh-CN" dirty="0" smtClean="0"/>
           </a:p>
           <a:p>
             <a:r>
@@ -8712,7 +9007,7 @@
           <p:nvPr/>
         </p:nvPicPr>
         <p:blipFill>
-          <a:blip r:embed="rId2">
+          <a:blip r:embed="rId1">
             <a:extLst>
               <a:ext uri="{28A0092B-C50C-407E-A947-70E740481C1C}">
                 <a14:useLocalDpi xmlns:a14="http://schemas.microsoft.com/office/drawing/2010/main" val="0"/>
@@ -8738,12 +9033,45 @@
           </a:ln>
         </p:spPr>
       </p:pic>
+      <p:sp>
+        <p:nvSpPr>
+          <p:cNvPr id="2" name="文本框 1"/>
+          <p:cNvSpPr txBox="1"/>
+          <p:nvPr/>
+        </p:nvSpPr>
+        <p:spPr>
+          <a:xfrm>
+            <a:off x="1098550" y="6123940"/>
+            <a:ext cx="7143750" cy="368300"/>
+          </a:xfrm>
+          <a:prstGeom prst="rect">
+            <a:avLst/>
+          </a:prstGeom>
+          <a:noFill/>
+        </p:spPr>
+        <p:txBody>
+          <a:bodyPr wrap="square" rtlCol="0">
+            <a:spAutoFit/>
+          </a:bodyPr>
+          <a:p>
+            <a:pPr algn="l"/>
+            <a:r>
+              <a:rPr lang="zh-CN" altLang="en-US"/>
+              <a:t>Application Not Responding,主线程在</a:t>
+            </a:r>
+            <a:r>
+              <a:rPr lang="en-US" altLang="zh-CN"/>
+              <a:t>XX</a:t>
+            </a:r>
+            <a:r>
+              <a:rPr lang="zh-CN" altLang="en-US"/>
+              <a:t>时间内没有完成特定的事情</a:t>
+            </a:r>
+            <a:endParaRPr lang="zh-CN" altLang="en-US"/>
+          </a:p>
+        </p:txBody>
+      </p:sp>
     </p:spTree>
-    <p:extLst>
-      <p:ext uri="{BB962C8B-B14F-4D97-AF65-F5344CB8AC3E}">
-        <p14:creationId xmlns:p14="http://schemas.microsoft.com/office/powerpoint/2010/main" val="1054369193"/>
-      </p:ext>
-    </p:extLst>
   </p:cSld>
   <p:clrMapOvr>
     <a:masterClrMapping/>
@@ -8791,6 +9119,1592 @@
           <a:lstStyle/>
           <a:p>
             <a:r>
+              <a:rPr lang="en-US" altLang="zh-CN" dirty="0"/>
+              <a:t>ANR</a:t>
+            </a:r>
+            <a:r>
+              <a:rPr lang="zh-CN" altLang="en-US" dirty="0"/>
+              <a:t>触发</a:t>
+            </a:r>
+            <a:r>
+              <a:rPr lang="zh-CN" altLang="en-US" dirty="0" smtClean="0"/>
+              <a:t>机制</a:t>
+            </a:r>
+            <a:r>
+              <a:rPr lang="en-US" altLang="zh-CN" dirty="0" smtClean="0"/>
+              <a:t>-</a:t>
+            </a:r>
+            <a:r>
+              <a:rPr lang="en-US" altLang="zh-CN" dirty="0" err="1" smtClean="0">
+                <a:sym typeface="+mn-ea"/>
+              </a:rPr>
+              <a:t>KeyDispatchTimeout</a:t>
+            </a:r>
+            <a:endParaRPr lang="en-US" altLang="zh-CN" dirty="0" smtClean="0"/>
+          </a:p>
+        </p:txBody>
+      </p:sp>
+      <p:sp>
+        <p:nvSpPr>
+          <p:cNvPr id="3" name="文本框 2"/>
+          <p:cNvSpPr txBox="1"/>
+          <p:nvPr/>
+        </p:nvSpPr>
+        <p:spPr>
+          <a:xfrm>
+            <a:off x="857250" y="5510629"/>
+            <a:ext cx="7222490" cy="922020"/>
+          </a:xfrm>
+          <a:prstGeom prst="rect">
+            <a:avLst/>
+          </a:prstGeom>
+          <a:noFill/>
+        </p:spPr>
+        <p:txBody>
+          <a:bodyPr wrap="none" rtlCol="0">
+            <a:spAutoFit/>
+          </a:bodyPr>
+          <a:lstStyle/>
+          <a:p>
+            <a:pPr algn="l"/>
+            <a:r>
+              <a:rPr altLang="zh-CN" dirty="0">
+                <a:solidFill>
+                  <a:schemeClr val="tx1">
+                    <a:lumMod val="75000"/>
+                    <a:lumOff val="25000"/>
+                  </a:schemeClr>
+                </a:solidFill>
+              </a:rPr>
+              <a:t>InputReader</a:t>
+            </a:r>
+            <a:r>
+              <a:rPr lang="zh-CN" dirty="0">
+                <a:solidFill>
+                  <a:schemeClr val="tx1">
+                    <a:lumMod val="75000"/>
+                    <a:lumOff val="25000"/>
+                  </a:schemeClr>
+                </a:solidFill>
+                <a:ea typeface="宋体" panose="02010600030101010101" pitchFamily="2" charset="-122"/>
+              </a:rPr>
+              <a:t>：</a:t>
+            </a:r>
+            <a:r>
+              <a:rPr altLang="zh-CN" dirty="0">
+                <a:solidFill>
+                  <a:schemeClr val="tx1">
+                    <a:lumMod val="75000"/>
+                    <a:lumOff val="25000"/>
+                  </a:schemeClr>
+                </a:solidFill>
+              </a:rPr>
+              <a:t>从EventHub取出事件并处理，再交给InputDispatcher；</a:t>
+            </a:r>
+            <a:endParaRPr altLang="zh-CN" dirty="0">
+              <a:solidFill>
+                <a:schemeClr val="tx1">
+                  <a:lumMod val="75000"/>
+                  <a:lumOff val="25000"/>
+                </a:schemeClr>
+              </a:solidFill>
+            </a:endParaRPr>
+          </a:p>
+          <a:p>
+            <a:pPr algn="l"/>
+            <a:r>
+              <a:rPr altLang="zh-CN" dirty="0">
+                <a:solidFill>
+                  <a:schemeClr val="tx1">
+                    <a:lumMod val="75000"/>
+                    <a:lumOff val="25000"/>
+                  </a:schemeClr>
+                </a:solidFill>
+              </a:rPr>
+              <a:t>InputDispatcher</a:t>
+            </a:r>
+            <a:r>
+              <a:rPr lang="zh-CN" dirty="0">
+                <a:solidFill>
+                  <a:schemeClr val="tx1">
+                    <a:lumMod val="75000"/>
+                    <a:lumOff val="25000"/>
+                  </a:schemeClr>
+                </a:solidFill>
+                <a:ea typeface="宋体" panose="02010600030101010101" pitchFamily="2" charset="-122"/>
+              </a:rPr>
+              <a:t>：</a:t>
+            </a:r>
+            <a:r>
+              <a:rPr altLang="zh-CN" dirty="0">
+                <a:solidFill>
+                  <a:schemeClr val="tx1">
+                    <a:lumMod val="75000"/>
+                    <a:lumOff val="25000"/>
+                  </a:schemeClr>
+                </a:solidFill>
+              </a:rPr>
+              <a:t>接收来自InputReader的输入事件，派发事件；</a:t>
+            </a:r>
+            <a:endParaRPr altLang="zh-CN" dirty="0">
+              <a:solidFill>
+                <a:schemeClr val="tx1">
+                  <a:lumMod val="75000"/>
+                  <a:lumOff val="25000"/>
+                </a:schemeClr>
+              </a:solidFill>
+            </a:endParaRPr>
+          </a:p>
+          <a:p>
+            <a:pPr algn="l"/>
+            <a:r>
+              <a:rPr altLang="zh-CN" dirty="0">
+                <a:solidFill>
+                  <a:schemeClr val="tx1">
+                    <a:lumMod val="75000"/>
+                    <a:lumOff val="25000"/>
+                  </a:schemeClr>
+                </a:solidFill>
+              </a:rPr>
+              <a:t>InputManagerService</a:t>
+            </a:r>
+            <a:r>
+              <a:rPr lang="zh-CN" dirty="0">
+                <a:solidFill>
+                  <a:schemeClr val="tx1">
+                    <a:lumMod val="75000"/>
+                    <a:lumOff val="25000"/>
+                  </a:schemeClr>
+                </a:solidFill>
+                <a:ea typeface="宋体" panose="02010600030101010101" pitchFamily="2" charset="-122"/>
+              </a:rPr>
+              <a:t>：</a:t>
+            </a:r>
+            <a:r>
+              <a:rPr altLang="zh-CN" dirty="0">
+                <a:solidFill>
+                  <a:schemeClr val="tx1">
+                    <a:lumMod val="75000"/>
+                    <a:lumOff val="25000"/>
+                  </a:schemeClr>
+                </a:solidFill>
+              </a:rPr>
+              <a:t>跟WMS交互，派发事件到ViewRootImpl；</a:t>
+            </a:r>
+            <a:endParaRPr altLang="zh-CN" dirty="0">
+              <a:solidFill>
+                <a:schemeClr val="tx1">
+                  <a:lumMod val="75000"/>
+                  <a:lumOff val="25000"/>
+                </a:schemeClr>
+              </a:solidFill>
+            </a:endParaRPr>
+          </a:p>
+        </p:txBody>
+      </p:sp>
+      <p:sp>
+        <p:nvSpPr>
+          <p:cNvPr id="4" name="矩形 3"/>
+          <p:cNvSpPr/>
+          <p:nvPr/>
+        </p:nvSpPr>
+        <p:spPr>
+          <a:xfrm>
+            <a:off x="4954085" y="3244334"/>
+            <a:ext cx="184731" cy="369332"/>
+          </a:xfrm>
+          <a:prstGeom prst="rect">
+            <a:avLst/>
+          </a:prstGeom>
+        </p:spPr>
+        <p:txBody>
+          <a:bodyPr wrap="none">
+            <a:spAutoFit/>
+          </a:bodyPr>
+          <a:lstStyle/>
+          <a:p>
+            <a:endParaRPr lang="zh-CN" altLang="en-US" dirty="0"/>
+          </a:p>
+        </p:txBody>
+      </p:sp>
+      <p:sp>
+        <p:nvSpPr>
+          <p:cNvPr id="6" name="Content Placeholder 2"/>
+          <p:cNvSpPr txBox="1"/>
+          <p:nvPr/>
+        </p:nvSpPr>
+        <p:spPr>
+          <a:xfrm>
+            <a:off x="3623099" y="488277"/>
+            <a:ext cx="3752426" cy="782676"/>
+          </a:xfrm>
+          <a:prstGeom prst="rect">
+            <a:avLst/>
+          </a:prstGeom>
+        </p:spPr>
+        <p:txBody>
+          <a:bodyPr vert="horz" lIns="91440" tIns="45720" rIns="91440" bIns="45720" rtlCol="0">
+            <a:normAutofit/>
+          </a:bodyPr>
+          <a:lstStyle>
+            <a:lvl1pPr marL="342900" indent="-342900" algn="l" defTabSz="457200" rtl="0" eaLnBrk="1" latinLnBrk="0" hangingPunct="1">
+              <a:spcBef>
+                <a:spcPts val="1000"/>
+              </a:spcBef>
+              <a:spcAft>
+                <a:spcPts val="0"/>
+              </a:spcAft>
+              <a:buClr>
+                <a:schemeClr val="accent1"/>
+              </a:buClr>
+              <a:buSzPct val="80000"/>
+              <a:buFont typeface="Wingdings 3" charset="2"/>
+              <a:buChar char=""/>
+              <a:defRPr sz="1800" kern="1200">
+                <a:solidFill>
+                  <a:schemeClr val="tx1">
+                    <a:lumMod val="75000"/>
+                    <a:lumOff val="25000"/>
+                  </a:schemeClr>
+                </a:solidFill>
+                <a:latin typeface="+mn-lt"/>
+                <a:ea typeface="+mn-ea"/>
+                <a:cs typeface="+mn-cs"/>
+              </a:defRPr>
+            </a:lvl1pPr>
+            <a:lvl2pPr marL="742950" indent="-285750" algn="l" defTabSz="457200" rtl="0" eaLnBrk="1" latinLnBrk="0" hangingPunct="1">
+              <a:spcBef>
+                <a:spcPts val="1000"/>
+              </a:spcBef>
+              <a:spcAft>
+                <a:spcPts val="0"/>
+              </a:spcAft>
+              <a:buClr>
+                <a:schemeClr val="accent1"/>
+              </a:buClr>
+              <a:buSzPct val="80000"/>
+              <a:buFont typeface="Wingdings 3" charset="2"/>
+              <a:buChar char=""/>
+              <a:defRPr sz="1600" kern="1200">
+                <a:solidFill>
+                  <a:schemeClr val="tx1">
+                    <a:lumMod val="75000"/>
+                    <a:lumOff val="25000"/>
+                  </a:schemeClr>
+                </a:solidFill>
+                <a:latin typeface="+mn-lt"/>
+                <a:ea typeface="+mn-ea"/>
+                <a:cs typeface="+mn-cs"/>
+              </a:defRPr>
+            </a:lvl2pPr>
+            <a:lvl3pPr marL="1143000" indent="-228600" algn="l" defTabSz="457200" rtl="0" eaLnBrk="1" latinLnBrk="0" hangingPunct="1">
+              <a:spcBef>
+                <a:spcPts val="1000"/>
+              </a:spcBef>
+              <a:spcAft>
+                <a:spcPts val="0"/>
+              </a:spcAft>
+              <a:buClr>
+                <a:schemeClr val="accent1"/>
+              </a:buClr>
+              <a:buSzPct val="80000"/>
+              <a:buFont typeface="Wingdings 3" charset="2"/>
+              <a:buChar char=""/>
+              <a:defRPr sz="1400" kern="1200">
+                <a:solidFill>
+                  <a:schemeClr val="tx1">
+                    <a:lumMod val="75000"/>
+                    <a:lumOff val="25000"/>
+                  </a:schemeClr>
+                </a:solidFill>
+                <a:latin typeface="+mn-lt"/>
+                <a:ea typeface="+mn-ea"/>
+                <a:cs typeface="+mn-cs"/>
+              </a:defRPr>
+            </a:lvl3pPr>
+            <a:lvl4pPr marL="1600200" indent="-228600" algn="l" defTabSz="457200" rtl="0" eaLnBrk="1" latinLnBrk="0" hangingPunct="1">
+              <a:spcBef>
+                <a:spcPts val="1000"/>
+              </a:spcBef>
+              <a:spcAft>
+                <a:spcPts val="0"/>
+              </a:spcAft>
+              <a:buClr>
+                <a:schemeClr val="accent1"/>
+              </a:buClr>
+              <a:buSzPct val="80000"/>
+              <a:buFont typeface="Wingdings 3" charset="2"/>
+              <a:buChar char=""/>
+              <a:defRPr sz="1200" kern="1200">
+                <a:solidFill>
+                  <a:schemeClr val="tx1">
+                    <a:lumMod val="75000"/>
+                    <a:lumOff val="25000"/>
+                  </a:schemeClr>
+                </a:solidFill>
+                <a:latin typeface="+mn-lt"/>
+                <a:ea typeface="+mn-ea"/>
+                <a:cs typeface="+mn-cs"/>
+              </a:defRPr>
+            </a:lvl4pPr>
+            <a:lvl5pPr marL="2057400" indent="-228600" algn="l" defTabSz="457200" rtl="0" eaLnBrk="1" latinLnBrk="0" hangingPunct="1">
+              <a:spcBef>
+                <a:spcPts val="1000"/>
+              </a:spcBef>
+              <a:spcAft>
+                <a:spcPts val="0"/>
+              </a:spcAft>
+              <a:buClr>
+                <a:schemeClr val="accent1"/>
+              </a:buClr>
+              <a:buSzPct val="80000"/>
+              <a:buFont typeface="Wingdings 3" charset="2"/>
+              <a:buChar char=""/>
+              <a:defRPr sz="1200" kern="1200">
+                <a:solidFill>
+                  <a:schemeClr val="tx1">
+                    <a:lumMod val="75000"/>
+                    <a:lumOff val="25000"/>
+                  </a:schemeClr>
+                </a:solidFill>
+                <a:latin typeface="+mn-lt"/>
+                <a:ea typeface="+mn-ea"/>
+                <a:cs typeface="+mn-cs"/>
+              </a:defRPr>
+            </a:lvl5pPr>
+            <a:lvl6pPr marL="2514600" indent="-228600" algn="l" defTabSz="457200" rtl="0" eaLnBrk="1" latinLnBrk="0" hangingPunct="1">
+              <a:spcBef>
+                <a:spcPts val="1000"/>
+              </a:spcBef>
+              <a:spcAft>
+                <a:spcPts val="0"/>
+              </a:spcAft>
+              <a:buClr>
+                <a:schemeClr val="accent1"/>
+              </a:buClr>
+              <a:buSzPct val="80000"/>
+              <a:buFont typeface="Wingdings 3" charset="2"/>
+              <a:buChar char=""/>
+              <a:defRPr sz="1200" kern="1200">
+                <a:solidFill>
+                  <a:schemeClr val="tx1">
+                    <a:lumMod val="75000"/>
+                    <a:lumOff val="25000"/>
+                  </a:schemeClr>
+                </a:solidFill>
+                <a:latin typeface="+mn-lt"/>
+                <a:ea typeface="+mn-ea"/>
+                <a:cs typeface="+mn-cs"/>
+              </a:defRPr>
+            </a:lvl6pPr>
+            <a:lvl7pPr marL="2971800" indent="-228600" algn="l" defTabSz="457200" rtl="0" eaLnBrk="1" latinLnBrk="0" hangingPunct="1">
+              <a:spcBef>
+                <a:spcPts val="1000"/>
+              </a:spcBef>
+              <a:spcAft>
+                <a:spcPts val="0"/>
+              </a:spcAft>
+              <a:buClr>
+                <a:schemeClr val="accent1"/>
+              </a:buClr>
+              <a:buSzPct val="80000"/>
+              <a:buFont typeface="Wingdings 3" charset="2"/>
+              <a:buChar char=""/>
+              <a:defRPr sz="1200" kern="1200">
+                <a:solidFill>
+                  <a:schemeClr val="tx1">
+                    <a:lumMod val="75000"/>
+                    <a:lumOff val="25000"/>
+                  </a:schemeClr>
+                </a:solidFill>
+                <a:latin typeface="+mn-lt"/>
+                <a:ea typeface="+mn-ea"/>
+                <a:cs typeface="+mn-cs"/>
+              </a:defRPr>
+            </a:lvl7pPr>
+            <a:lvl8pPr marL="3429000" indent="-228600" algn="l" defTabSz="457200" rtl="0" eaLnBrk="1" latinLnBrk="0" hangingPunct="1">
+              <a:spcBef>
+                <a:spcPts val="1000"/>
+              </a:spcBef>
+              <a:spcAft>
+                <a:spcPts val="0"/>
+              </a:spcAft>
+              <a:buClr>
+                <a:schemeClr val="accent1"/>
+              </a:buClr>
+              <a:buSzPct val="80000"/>
+              <a:buFont typeface="Wingdings 3" charset="2"/>
+              <a:buChar char=""/>
+              <a:defRPr sz="1200" kern="1200">
+                <a:solidFill>
+                  <a:schemeClr val="tx1">
+                    <a:lumMod val="75000"/>
+                    <a:lumOff val="25000"/>
+                  </a:schemeClr>
+                </a:solidFill>
+                <a:latin typeface="+mn-lt"/>
+                <a:ea typeface="+mn-ea"/>
+                <a:cs typeface="+mn-cs"/>
+              </a:defRPr>
+            </a:lvl8pPr>
+            <a:lvl9pPr marL="3886200" indent="-228600" algn="l" defTabSz="457200" rtl="0" eaLnBrk="1" latinLnBrk="0" hangingPunct="1">
+              <a:spcBef>
+                <a:spcPts val="1000"/>
+              </a:spcBef>
+              <a:spcAft>
+                <a:spcPts val="0"/>
+              </a:spcAft>
+              <a:buClr>
+                <a:schemeClr val="accent1"/>
+              </a:buClr>
+              <a:buSzPct val="80000"/>
+              <a:buFont typeface="Wingdings 3" charset="2"/>
+              <a:buChar char=""/>
+              <a:defRPr sz="1200" kern="1200">
+                <a:solidFill>
+                  <a:schemeClr val="tx1">
+                    <a:lumMod val="75000"/>
+                    <a:lumOff val="25000"/>
+                  </a:schemeClr>
+                </a:solidFill>
+                <a:latin typeface="+mn-lt"/>
+                <a:ea typeface="+mn-ea"/>
+                <a:cs typeface="+mn-cs"/>
+              </a:defRPr>
+            </a:lvl9pPr>
+          </a:lstStyle>
+          <a:p>
+            <a:endParaRPr lang="zh-CN" altLang="en-US" dirty="0"/>
+          </a:p>
+        </p:txBody>
+      </p:sp>
+      <p:pic>
+        <p:nvPicPr>
+          <p:cNvPr id="15" name="图片 15"/>
+          <p:cNvPicPr/>
+          <p:nvPr/>
+        </p:nvPicPr>
+        <p:blipFill>
+          <a:blip r:embed="rId1"/>
+          <a:stretch>
+            <a:fillRect/>
+          </a:stretch>
+        </p:blipFill>
+        <p:spPr>
+          <a:xfrm>
+            <a:off x="1065530" y="1271270"/>
+            <a:ext cx="7129145" cy="4168775"/>
+          </a:xfrm>
+          <a:prstGeom prst="rect">
+            <a:avLst/>
+          </a:prstGeom>
+        </p:spPr>
+      </p:pic>
+    </p:spTree>
+  </p:cSld>
+  <p:clrMapOvr>
+    <a:masterClrMapping/>
+  </p:clrMapOvr>
+  <p:timing>
+    <p:tnLst>
+      <p:par>
+        <p:cTn id="1" dur="indefinite" restart="never" nodeType="tmRoot"/>
+      </p:par>
+    </p:tnLst>
+  </p:timing>
+</p:sld>
+</file>
+
+<file path=ppt/slides/slide4.xml><?xml version="1.0" encoding="utf-8"?>
+<p:sld xmlns:a="http://schemas.openxmlformats.org/drawingml/2006/main" xmlns:r="http://schemas.openxmlformats.org/officeDocument/2006/relationships" xmlns:p="http://schemas.openxmlformats.org/presentationml/2006/main">
+  <p:cSld>
+    <p:spTree>
+      <p:nvGrpSpPr>
+        <p:cNvPr id="1" name=""/>
+        <p:cNvGrpSpPr/>
+        <p:nvPr/>
+      </p:nvGrpSpPr>
+      <p:grpSpPr>
+        <a:xfrm>
+          <a:off x="0" y="0"/>
+          <a:ext cx="0" cy="0"/>
+          <a:chOff x="0" y="0"/>
+          <a:chExt cx="0" cy="0"/>
+        </a:xfrm>
+      </p:grpSpPr>
+      <p:sp>
+        <p:nvSpPr>
+          <p:cNvPr id="2" name="Title 1"/>
+          <p:cNvSpPr>
+            <a:spLocks noGrp="1"/>
+          </p:cNvSpPr>
+          <p:nvPr>
+            <p:ph type="title"/>
+          </p:nvPr>
+        </p:nvSpPr>
+        <p:spPr/>
+        <p:txBody>
+          <a:bodyPr/>
+          <a:lstStyle/>
+          <a:p>
+            <a:r>
+              <a:rPr lang="en-US" altLang="zh-CN" dirty="0"/>
+              <a:t>ANR</a:t>
+            </a:r>
+            <a:r>
+              <a:rPr lang="zh-CN" altLang="en-US" dirty="0"/>
+              <a:t>触发</a:t>
+            </a:r>
+            <a:r>
+              <a:rPr lang="zh-CN" altLang="en-US" dirty="0" smtClean="0"/>
+              <a:t>机制</a:t>
+            </a:r>
+            <a:r>
+              <a:rPr lang="en-US" altLang="zh-CN" dirty="0" smtClean="0"/>
+              <a:t>-</a:t>
+            </a:r>
+            <a:r>
+              <a:rPr lang="en-US" altLang="zh-CN" dirty="0" err="1" smtClean="0">
+                <a:sym typeface="+mn-ea"/>
+              </a:rPr>
+              <a:t>KeyDispatchTimeout</a:t>
+            </a:r>
+            <a:endParaRPr lang="en-US" altLang="zh-CN" dirty="0" smtClean="0"/>
+          </a:p>
+        </p:txBody>
+      </p:sp>
+      <p:sp>
+        <p:nvSpPr>
+          <p:cNvPr id="4" name="矩形 3"/>
+          <p:cNvSpPr/>
+          <p:nvPr/>
+        </p:nvSpPr>
+        <p:spPr>
+          <a:xfrm>
+            <a:off x="4954085" y="3244334"/>
+            <a:ext cx="184731" cy="369332"/>
+          </a:xfrm>
+          <a:prstGeom prst="rect">
+            <a:avLst/>
+          </a:prstGeom>
+        </p:spPr>
+        <p:txBody>
+          <a:bodyPr wrap="none">
+            <a:spAutoFit/>
+          </a:bodyPr>
+          <a:lstStyle/>
+          <a:p>
+            <a:endParaRPr lang="zh-CN" altLang="en-US" dirty="0"/>
+          </a:p>
+        </p:txBody>
+      </p:sp>
+      <p:sp>
+        <p:nvSpPr>
+          <p:cNvPr id="6" name="Content Placeholder 2"/>
+          <p:cNvSpPr txBox="1"/>
+          <p:nvPr/>
+        </p:nvSpPr>
+        <p:spPr>
+          <a:xfrm>
+            <a:off x="677334" y="1457287"/>
+            <a:ext cx="3752426" cy="782676"/>
+          </a:xfrm>
+          <a:prstGeom prst="rect">
+            <a:avLst/>
+          </a:prstGeom>
+        </p:spPr>
+        <p:txBody>
+          <a:bodyPr vert="horz" lIns="91440" tIns="45720" rIns="91440" bIns="45720" rtlCol="0">
+            <a:normAutofit/>
+          </a:bodyPr>
+          <a:lstStyle>
+            <a:lvl1pPr marL="342900" indent="-342900" algn="l" defTabSz="457200" rtl="0" eaLnBrk="1" latinLnBrk="0" hangingPunct="1">
+              <a:spcBef>
+                <a:spcPts val="1000"/>
+              </a:spcBef>
+              <a:spcAft>
+                <a:spcPts val="0"/>
+              </a:spcAft>
+              <a:buClr>
+                <a:schemeClr val="accent1"/>
+              </a:buClr>
+              <a:buSzPct val="80000"/>
+              <a:buFont typeface="Wingdings 3" charset="2"/>
+              <a:buChar char=""/>
+              <a:defRPr sz="1800" kern="1200">
+                <a:solidFill>
+                  <a:schemeClr val="tx1">
+                    <a:lumMod val="75000"/>
+                    <a:lumOff val="25000"/>
+                  </a:schemeClr>
+                </a:solidFill>
+                <a:latin typeface="+mn-lt"/>
+                <a:ea typeface="+mn-ea"/>
+                <a:cs typeface="+mn-cs"/>
+              </a:defRPr>
+            </a:lvl1pPr>
+            <a:lvl2pPr marL="742950" indent="-285750" algn="l" defTabSz="457200" rtl="0" eaLnBrk="1" latinLnBrk="0" hangingPunct="1">
+              <a:spcBef>
+                <a:spcPts val="1000"/>
+              </a:spcBef>
+              <a:spcAft>
+                <a:spcPts val="0"/>
+              </a:spcAft>
+              <a:buClr>
+                <a:schemeClr val="accent1"/>
+              </a:buClr>
+              <a:buSzPct val="80000"/>
+              <a:buFont typeface="Wingdings 3" charset="2"/>
+              <a:buChar char=""/>
+              <a:defRPr sz="1600" kern="1200">
+                <a:solidFill>
+                  <a:schemeClr val="tx1">
+                    <a:lumMod val="75000"/>
+                    <a:lumOff val="25000"/>
+                  </a:schemeClr>
+                </a:solidFill>
+                <a:latin typeface="+mn-lt"/>
+                <a:ea typeface="+mn-ea"/>
+                <a:cs typeface="+mn-cs"/>
+              </a:defRPr>
+            </a:lvl2pPr>
+            <a:lvl3pPr marL="1143000" indent="-228600" algn="l" defTabSz="457200" rtl="0" eaLnBrk="1" latinLnBrk="0" hangingPunct="1">
+              <a:spcBef>
+                <a:spcPts val="1000"/>
+              </a:spcBef>
+              <a:spcAft>
+                <a:spcPts val="0"/>
+              </a:spcAft>
+              <a:buClr>
+                <a:schemeClr val="accent1"/>
+              </a:buClr>
+              <a:buSzPct val="80000"/>
+              <a:buFont typeface="Wingdings 3" charset="2"/>
+              <a:buChar char=""/>
+              <a:defRPr sz="1400" kern="1200">
+                <a:solidFill>
+                  <a:schemeClr val="tx1">
+                    <a:lumMod val="75000"/>
+                    <a:lumOff val="25000"/>
+                  </a:schemeClr>
+                </a:solidFill>
+                <a:latin typeface="+mn-lt"/>
+                <a:ea typeface="+mn-ea"/>
+                <a:cs typeface="+mn-cs"/>
+              </a:defRPr>
+            </a:lvl3pPr>
+            <a:lvl4pPr marL="1600200" indent="-228600" algn="l" defTabSz="457200" rtl="0" eaLnBrk="1" latinLnBrk="0" hangingPunct="1">
+              <a:spcBef>
+                <a:spcPts val="1000"/>
+              </a:spcBef>
+              <a:spcAft>
+                <a:spcPts val="0"/>
+              </a:spcAft>
+              <a:buClr>
+                <a:schemeClr val="accent1"/>
+              </a:buClr>
+              <a:buSzPct val="80000"/>
+              <a:buFont typeface="Wingdings 3" charset="2"/>
+              <a:buChar char=""/>
+              <a:defRPr sz="1200" kern="1200">
+                <a:solidFill>
+                  <a:schemeClr val="tx1">
+                    <a:lumMod val="75000"/>
+                    <a:lumOff val="25000"/>
+                  </a:schemeClr>
+                </a:solidFill>
+                <a:latin typeface="+mn-lt"/>
+                <a:ea typeface="+mn-ea"/>
+                <a:cs typeface="+mn-cs"/>
+              </a:defRPr>
+            </a:lvl4pPr>
+            <a:lvl5pPr marL="2057400" indent="-228600" algn="l" defTabSz="457200" rtl="0" eaLnBrk="1" latinLnBrk="0" hangingPunct="1">
+              <a:spcBef>
+                <a:spcPts val="1000"/>
+              </a:spcBef>
+              <a:spcAft>
+                <a:spcPts val="0"/>
+              </a:spcAft>
+              <a:buClr>
+                <a:schemeClr val="accent1"/>
+              </a:buClr>
+              <a:buSzPct val="80000"/>
+              <a:buFont typeface="Wingdings 3" charset="2"/>
+              <a:buChar char=""/>
+              <a:defRPr sz="1200" kern="1200">
+                <a:solidFill>
+                  <a:schemeClr val="tx1">
+                    <a:lumMod val="75000"/>
+                    <a:lumOff val="25000"/>
+                  </a:schemeClr>
+                </a:solidFill>
+                <a:latin typeface="+mn-lt"/>
+                <a:ea typeface="+mn-ea"/>
+                <a:cs typeface="+mn-cs"/>
+              </a:defRPr>
+            </a:lvl5pPr>
+            <a:lvl6pPr marL="2514600" indent="-228600" algn="l" defTabSz="457200" rtl="0" eaLnBrk="1" latinLnBrk="0" hangingPunct="1">
+              <a:spcBef>
+                <a:spcPts val="1000"/>
+              </a:spcBef>
+              <a:spcAft>
+                <a:spcPts val="0"/>
+              </a:spcAft>
+              <a:buClr>
+                <a:schemeClr val="accent1"/>
+              </a:buClr>
+              <a:buSzPct val="80000"/>
+              <a:buFont typeface="Wingdings 3" charset="2"/>
+              <a:buChar char=""/>
+              <a:defRPr sz="1200" kern="1200">
+                <a:solidFill>
+                  <a:schemeClr val="tx1">
+                    <a:lumMod val="75000"/>
+                    <a:lumOff val="25000"/>
+                  </a:schemeClr>
+                </a:solidFill>
+                <a:latin typeface="+mn-lt"/>
+                <a:ea typeface="+mn-ea"/>
+                <a:cs typeface="+mn-cs"/>
+              </a:defRPr>
+            </a:lvl6pPr>
+            <a:lvl7pPr marL="2971800" indent="-228600" algn="l" defTabSz="457200" rtl="0" eaLnBrk="1" latinLnBrk="0" hangingPunct="1">
+              <a:spcBef>
+                <a:spcPts val="1000"/>
+              </a:spcBef>
+              <a:spcAft>
+                <a:spcPts val="0"/>
+              </a:spcAft>
+              <a:buClr>
+                <a:schemeClr val="accent1"/>
+              </a:buClr>
+              <a:buSzPct val="80000"/>
+              <a:buFont typeface="Wingdings 3" charset="2"/>
+              <a:buChar char=""/>
+              <a:defRPr sz="1200" kern="1200">
+                <a:solidFill>
+                  <a:schemeClr val="tx1">
+                    <a:lumMod val="75000"/>
+                    <a:lumOff val="25000"/>
+                  </a:schemeClr>
+                </a:solidFill>
+                <a:latin typeface="+mn-lt"/>
+                <a:ea typeface="+mn-ea"/>
+                <a:cs typeface="+mn-cs"/>
+              </a:defRPr>
+            </a:lvl7pPr>
+            <a:lvl8pPr marL="3429000" indent="-228600" algn="l" defTabSz="457200" rtl="0" eaLnBrk="1" latinLnBrk="0" hangingPunct="1">
+              <a:spcBef>
+                <a:spcPts val="1000"/>
+              </a:spcBef>
+              <a:spcAft>
+                <a:spcPts val="0"/>
+              </a:spcAft>
+              <a:buClr>
+                <a:schemeClr val="accent1"/>
+              </a:buClr>
+              <a:buSzPct val="80000"/>
+              <a:buFont typeface="Wingdings 3" charset="2"/>
+              <a:buChar char=""/>
+              <a:defRPr sz="1200" kern="1200">
+                <a:solidFill>
+                  <a:schemeClr val="tx1">
+                    <a:lumMod val="75000"/>
+                    <a:lumOff val="25000"/>
+                  </a:schemeClr>
+                </a:solidFill>
+                <a:latin typeface="+mn-lt"/>
+                <a:ea typeface="+mn-ea"/>
+                <a:cs typeface="+mn-cs"/>
+              </a:defRPr>
+            </a:lvl8pPr>
+            <a:lvl9pPr marL="3886200" indent="-228600" algn="l" defTabSz="457200" rtl="0" eaLnBrk="1" latinLnBrk="0" hangingPunct="1">
+              <a:spcBef>
+                <a:spcPts val="1000"/>
+              </a:spcBef>
+              <a:spcAft>
+                <a:spcPts val="0"/>
+              </a:spcAft>
+              <a:buClr>
+                <a:schemeClr val="accent1"/>
+              </a:buClr>
+              <a:buSzPct val="80000"/>
+              <a:buFont typeface="Wingdings 3" charset="2"/>
+              <a:buChar char=""/>
+              <a:defRPr sz="1200" kern="1200">
+                <a:solidFill>
+                  <a:schemeClr val="tx1">
+                    <a:lumMod val="75000"/>
+                    <a:lumOff val="25000"/>
+                  </a:schemeClr>
+                </a:solidFill>
+                <a:latin typeface="+mn-lt"/>
+                <a:ea typeface="+mn-ea"/>
+                <a:cs typeface="+mn-cs"/>
+              </a:defRPr>
+            </a:lvl9pPr>
+          </a:lstStyle>
+          <a:p>
+            <a:endParaRPr lang="zh-CN" altLang="en-US" dirty="0"/>
+          </a:p>
+        </p:txBody>
+      </p:sp>
+      <p:pic>
+        <p:nvPicPr>
+          <p:cNvPr id="5" name="图片 4"/>
+          <p:cNvPicPr>
+            <a:picLocks noChangeAspect="1"/>
+          </p:cNvPicPr>
+          <p:nvPr/>
+        </p:nvPicPr>
+        <p:blipFill>
+          <a:blip r:embed="rId1"/>
+          <a:stretch>
+            <a:fillRect/>
+          </a:stretch>
+        </p:blipFill>
+        <p:spPr>
+          <a:xfrm>
+            <a:off x="6755765" y="1362075"/>
+            <a:ext cx="4133850" cy="4850130"/>
+          </a:xfrm>
+          <a:prstGeom prst="rect">
+            <a:avLst/>
+          </a:prstGeom>
+        </p:spPr>
+      </p:pic>
+      <p:pic>
+        <p:nvPicPr>
+          <p:cNvPr id="7" name="图片 6" descr="dispatcher_seq"/>
+          <p:cNvPicPr>
+            <a:picLocks noChangeAspect="1"/>
+          </p:cNvPicPr>
+          <p:nvPr/>
+        </p:nvPicPr>
+        <p:blipFill>
+          <a:blip r:embed="rId2"/>
+          <a:stretch>
+            <a:fillRect/>
+          </a:stretch>
+        </p:blipFill>
+        <p:spPr>
+          <a:xfrm>
+            <a:off x="677545" y="1214120"/>
+            <a:ext cx="5563870" cy="5487670"/>
+          </a:xfrm>
+          <a:prstGeom prst="rect">
+            <a:avLst/>
+          </a:prstGeom>
+        </p:spPr>
+      </p:pic>
+    </p:spTree>
+  </p:cSld>
+  <p:clrMapOvr>
+    <a:masterClrMapping/>
+  </p:clrMapOvr>
+  <p:timing>
+    <p:tnLst>
+      <p:par>
+        <p:cTn id="1" dur="indefinite" restart="never" nodeType="tmRoot"/>
+      </p:par>
+    </p:tnLst>
+  </p:timing>
+</p:sld>
+</file>
+
+<file path=ppt/slides/slide5.xml><?xml version="1.0" encoding="utf-8"?>
+<p:sld xmlns:a="http://schemas.openxmlformats.org/drawingml/2006/main" xmlns:r="http://schemas.openxmlformats.org/officeDocument/2006/relationships" xmlns:p="http://schemas.openxmlformats.org/presentationml/2006/main">
+  <p:cSld>
+    <p:spTree>
+      <p:nvGrpSpPr>
+        <p:cNvPr id="1" name=""/>
+        <p:cNvGrpSpPr/>
+        <p:nvPr/>
+      </p:nvGrpSpPr>
+      <p:grpSpPr>
+        <a:xfrm>
+          <a:off x="0" y="0"/>
+          <a:ext cx="0" cy="0"/>
+          <a:chOff x="0" y="0"/>
+          <a:chExt cx="0" cy="0"/>
+        </a:xfrm>
+      </p:grpSpPr>
+      <p:sp>
+        <p:nvSpPr>
+          <p:cNvPr id="2" name="Title 1"/>
+          <p:cNvSpPr>
+            <a:spLocks noGrp="1"/>
+          </p:cNvSpPr>
+          <p:nvPr>
+            <p:ph type="title"/>
+          </p:nvPr>
+        </p:nvSpPr>
+        <p:spPr/>
+        <p:txBody>
+          <a:bodyPr/>
+          <a:lstStyle/>
+          <a:p>
+            <a:r>
+              <a:rPr lang="en-US" altLang="zh-CN" dirty="0"/>
+              <a:t>ANR</a:t>
+            </a:r>
+            <a:r>
+              <a:rPr lang="zh-CN" altLang="en-US" dirty="0"/>
+              <a:t>触发</a:t>
+            </a:r>
+            <a:r>
+              <a:rPr lang="zh-CN" altLang="en-US" dirty="0" smtClean="0"/>
+              <a:t>机制</a:t>
+            </a:r>
+            <a:r>
+              <a:rPr lang="en-US" altLang="zh-CN" dirty="0" smtClean="0"/>
+              <a:t>-</a:t>
+            </a:r>
+            <a:r>
+              <a:rPr lang="en-US" altLang="zh-CN" dirty="0" err="1" smtClean="0">
+                <a:sym typeface="+mn-ea"/>
+              </a:rPr>
+              <a:t>KeyDispatchTimeout</a:t>
+            </a:r>
+            <a:endParaRPr lang="en-US" altLang="zh-CN" dirty="0" smtClean="0"/>
+          </a:p>
+        </p:txBody>
+      </p:sp>
+      <p:sp>
+        <p:nvSpPr>
+          <p:cNvPr id="4" name="矩形 3"/>
+          <p:cNvSpPr/>
+          <p:nvPr/>
+        </p:nvSpPr>
+        <p:spPr>
+          <a:xfrm>
+            <a:off x="4954085" y="3244334"/>
+            <a:ext cx="184731" cy="369332"/>
+          </a:xfrm>
+          <a:prstGeom prst="rect">
+            <a:avLst/>
+          </a:prstGeom>
+        </p:spPr>
+        <p:txBody>
+          <a:bodyPr wrap="none">
+            <a:spAutoFit/>
+          </a:bodyPr>
+          <a:lstStyle/>
+          <a:p>
+            <a:endParaRPr lang="zh-CN" altLang="en-US" dirty="0"/>
+          </a:p>
+        </p:txBody>
+      </p:sp>
+      <p:sp>
+        <p:nvSpPr>
+          <p:cNvPr id="6" name="Content Placeholder 2"/>
+          <p:cNvSpPr txBox="1"/>
+          <p:nvPr/>
+        </p:nvSpPr>
+        <p:spPr>
+          <a:xfrm>
+            <a:off x="677334" y="1457287"/>
+            <a:ext cx="3752426" cy="782676"/>
+          </a:xfrm>
+          <a:prstGeom prst="rect">
+            <a:avLst/>
+          </a:prstGeom>
+        </p:spPr>
+        <p:txBody>
+          <a:bodyPr vert="horz" lIns="91440" tIns="45720" rIns="91440" bIns="45720" rtlCol="0">
+            <a:normAutofit/>
+          </a:bodyPr>
+          <a:lstStyle>
+            <a:lvl1pPr marL="342900" indent="-342900" algn="l" defTabSz="457200" rtl="0" eaLnBrk="1" latinLnBrk="0" hangingPunct="1">
+              <a:spcBef>
+                <a:spcPts val="1000"/>
+              </a:spcBef>
+              <a:spcAft>
+                <a:spcPts val="0"/>
+              </a:spcAft>
+              <a:buClr>
+                <a:schemeClr val="accent1"/>
+              </a:buClr>
+              <a:buSzPct val="80000"/>
+              <a:buFont typeface="Wingdings 3" charset="2"/>
+              <a:buChar char=""/>
+              <a:defRPr sz="1800" kern="1200">
+                <a:solidFill>
+                  <a:schemeClr val="tx1">
+                    <a:lumMod val="75000"/>
+                    <a:lumOff val="25000"/>
+                  </a:schemeClr>
+                </a:solidFill>
+                <a:latin typeface="+mn-lt"/>
+                <a:ea typeface="+mn-ea"/>
+                <a:cs typeface="+mn-cs"/>
+              </a:defRPr>
+            </a:lvl1pPr>
+            <a:lvl2pPr marL="742950" indent="-285750" algn="l" defTabSz="457200" rtl="0" eaLnBrk="1" latinLnBrk="0" hangingPunct="1">
+              <a:spcBef>
+                <a:spcPts val="1000"/>
+              </a:spcBef>
+              <a:spcAft>
+                <a:spcPts val="0"/>
+              </a:spcAft>
+              <a:buClr>
+                <a:schemeClr val="accent1"/>
+              </a:buClr>
+              <a:buSzPct val="80000"/>
+              <a:buFont typeface="Wingdings 3" charset="2"/>
+              <a:buChar char=""/>
+              <a:defRPr sz="1600" kern="1200">
+                <a:solidFill>
+                  <a:schemeClr val="tx1">
+                    <a:lumMod val="75000"/>
+                    <a:lumOff val="25000"/>
+                  </a:schemeClr>
+                </a:solidFill>
+                <a:latin typeface="+mn-lt"/>
+                <a:ea typeface="+mn-ea"/>
+                <a:cs typeface="+mn-cs"/>
+              </a:defRPr>
+            </a:lvl2pPr>
+            <a:lvl3pPr marL="1143000" indent="-228600" algn="l" defTabSz="457200" rtl="0" eaLnBrk="1" latinLnBrk="0" hangingPunct="1">
+              <a:spcBef>
+                <a:spcPts val="1000"/>
+              </a:spcBef>
+              <a:spcAft>
+                <a:spcPts val="0"/>
+              </a:spcAft>
+              <a:buClr>
+                <a:schemeClr val="accent1"/>
+              </a:buClr>
+              <a:buSzPct val="80000"/>
+              <a:buFont typeface="Wingdings 3" charset="2"/>
+              <a:buChar char=""/>
+              <a:defRPr sz="1400" kern="1200">
+                <a:solidFill>
+                  <a:schemeClr val="tx1">
+                    <a:lumMod val="75000"/>
+                    <a:lumOff val="25000"/>
+                  </a:schemeClr>
+                </a:solidFill>
+                <a:latin typeface="+mn-lt"/>
+                <a:ea typeface="+mn-ea"/>
+                <a:cs typeface="+mn-cs"/>
+              </a:defRPr>
+            </a:lvl3pPr>
+            <a:lvl4pPr marL="1600200" indent="-228600" algn="l" defTabSz="457200" rtl="0" eaLnBrk="1" latinLnBrk="0" hangingPunct="1">
+              <a:spcBef>
+                <a:spcPts val="1000"/>
+              </a:spcBef>
+              <a:spcAft>
+                <a:spcPts val="0"/>
+              </a:spcAft>
+              <a:buClr>
+                <a:schemeClr val="accent1"/>
+              </a:buClr>
+              <a:buSzPct val="80000"/>
+              <a:buFont typeface="Wingdings 3" charset="2"/>
+              <a:buChar char=""/>
+              <a:defRPr sz="1200" kern="1200">
+                <a:solidFill>
+                  <a:schemeClr val="tx1">
+                    <a:lumMod val="75000"/>
+                    <a:lumOff val="25000"/>
+                  </a:schemeClr>
+                </a:solidFill>
+                <a:latin typeface="+mn-lt"/>
+                <a:ea typeface="+mn-ea"/>
+                <a:cs typeface="+mn-cs"/>
+              </a:defRPr>
+            </a:lvl4pPr>
+            <a:lvl5pPr marL="2057400" indent="-228600" algn="l" defTabSz="457200" rtl="0" eaLnBrk="1" latinLnBrk="0" hangingPunct="1">
+              <a:spcBef>
+                <a:spcPts val="1000"/>
+              </a:spcBef>
+              <a:spcAft>
+                <a:spcPts val="0"/>
+              </a:spcAft>
+              <a:buClr>
+                <a:schemeClr val="accent1"/>
+              </a:buClr>
+              <a:buSzPct val="80000"/>
+              <a:buFont typeface="Wingdings 3" charset="2"/>
+              <a:buChar char=""/>
+              <a:defRPr sz="1200" kern="1200">
+                <a:solidFill>
+                  <a:schemeClr val="tx1">
+                    <a:lumMod val="75000"/>
+                    <a:lumOff val="25000"/>
+                  </a:schemeClr>
+                </a:solidFill>
+                <a:latin typeface="+mn-lt"/>
+                <a:ea typeface="+mn-ea"/>
+                <a:cs typeface="+mn-cs"/>
+              </a:defRPr>
+            </a:lvl5pPr>
+            <a:lvl6pPr marL="2514600" indent="-228600" algn="l" defTabSz="457200" rtl="0" eaLnBrk="1" latinLnBrk="0" hangingPunct="1">
+              <a:spcBef>
+                <a:spcPts val="1000"/>
+              </a:spcBef>
+              <a:spcAft>
+                <a:spcPts val="0"/>
+              </a:spcAft>
+              <a:buClr>
+                <a:schemeClr val="accent1"/>
+              </a:buClr>
+              <a:buSzPct val="80000"/>
+              <a:buFont typeface="Wingdings 3" charset="2"/>
+              <a:buChar char=""/>
+              <a:defRPr sz="1200" kern="1200">
+                <a:solidFill>
+                  <a:schemeClr val="tx1">
+                    <a:lumMod val="75000"/>
+                    <a:lumOff val="25000"/>
+                  </a:schemeClr>
+                </a:solidFill>
+                <a:latin typeface="+mn-lt"/>
+                <a:ea typeface="+mn-ea"/>
+                <a:cs typeface="+mn-cs"/>
+              </a:defRPr>
+            </a:lvl6pPr>
+            <a:lvl7pPr marL="2971800" indent="-228600" algn="l" defTabSz="457200" rtl="0" eaLnBrk="1" latinLnBrk="0" hangingPunct="1">
+              <a:spcBef>
+                <a:spcPts val="1000"/>
+              </a:spcBef>
+              <a:spcAft>
+                <a:spcPts val="0"/>
+              </a:spcAft>
+              <a:buClr>
+                <a:schemeClr val="accent1"/>
+              </a:buClr>
+              <a:buSzPct val="80000"/>
+              <a:buFont typeface="Wingdings 3" charset="2"/>
+              <a:buChar char=""/>
+              <a:defRPr sz="1200" kern="1200">
+                <a:solidFill>
+                  <a:schemeClr val="tx1">
+                    <a:lumMod val="75000"/>
+                    <a:lumOff val="25000"/>
+                  </a:schemeClr>
+                </a:solidFill>
+                <a:latin typeface="+mn-lt"/>
+                <a:ea typeface="+mn-ea"/>
+                <a:cs typeface="+mn-cs"/>
+              </a:defRPr>
+            </a:lvl7pPr>
+            <a:lvl8pPr marL="3429000" indent="-228600" algn="l" defTabSz="457200" rtl="0" eaLnBrk="1" latinLnBrk="0" hangingPunct="1">
+              <a:spcBef>
+                <a:spcPts val="1000"/>
+              </a:spcBef>
+              <a:spcAft>
+                <a:spcPts val="0"/>
+              </a:spcAft>
+              <a:buClr>
+                <a:schemeClr val="accent1"/>
+              </a:buClr>
+              <a:buSzPct val="80000"/>
+              <a:buFont typeface="Wingdings 3" charset="2"/>
+              <a:buChar char=""/>
+              <a:defRPr sz="1200" kern="1200">
+                <a:solidFill>
+                  <a:schemeClr val="tx1">
+                    <a:lumMod val="75000"/>
+                    <a:lumOff val="25000"/>
+                  </a:schemeClr>
+                </a:solidFill>
+                <a:latin typeface="+mn-lt"/>
+                <a:ea typeface="+mn-ea"/>
+                <a:cs typeface="+mn-cs"/>
+              </a:defRPr>
+            </a:lvl8pPr>
+            <a:lvl9pPr marL="3886200" indent="-228600" algn="l" defTabSz="457200" rtl="0" eaLnBrk="1" latinLnBrk="0" hangingPunct="1">
+              <a:spcBef>
+                <a:spcPts val="1000"/>
+              </a:spcBef>
+              <a:spcAft>
+                <a:spcPts val="0"/>
+              </a:spcAft>
+              <a:buClr>
+                <a:schemeClr val="accent1"/>
+              </a:buClr>
+              <a:buSzPct val="80000"/>
+              <a:buFont typeface="Wingdings 3" charset="2"/>
+              <a:buChar char=""/>
+              <a:defRPr sz="1200" kern="1200">
+                <a:solidFill>
+                  <a:schemeClr val="tx1">
+                    <a:lumMod val="75000"/>
+                    <a:lumOff val="25000"/>
+                  </a:schemeClr>
+                </a:solidFill>
+                <a:latin typeface="+mn-lt"/>
+                <a:ea typeface="+mn-ea"/>
+                <a:cs typeface="+mn-cs"/>
+              </a:defRPr>
+            </a:lvl9pPr>
+          </a:lstStyle>
+          <a:p>
+            <a:endParaRPr lang="zh-CN" altLang="en-US" dirty="0"/>
+          </a:p>
+        </p:txBody>
+      </p:sp>
+      <p:pic>
+        <p:nvPicPr>
+          <p:cNvPr id="7" name="图片 6"/>
+          <p:cNvPicPr>
+            <a:picLocks noChangeAspect="1"/>
+          </p:cNvPicPr>
+          <p:nvPr/>
+        </p:nvPicPr>
+        <p:blipFill>
+          <a:blip r:embed="rId1"/>
+          <a:stretch>
+            <a:fillRect/>
+          </a:stretch>
+        </p:blipFill>
+        <p:spPr>
+          <a:xfrm>
+            <a:off x="874395" y="1685925"/>
+            <a:ext cx="8933180" cy="3952240"/>
+          </a:xfrm>
+          <a:prstGeom prst="rect">
+            <a:avLst/>
+          </a:prstGeom>
+        </p:spPr>
+      </p:pic>
+    </p:spTree>
+  </p:cSld>
+  <p:clrMapOvr>
+    <a:masterClrMapping/>
+  </p:clrMapOvr>
+  <p:timing>
+    <p:tnLst>
+      <p:par>
+        <p:cTn id="1" dur="indefinite" restart="never" nodeType="tmRoot"/>
+      </p:par>
+    </p:tnLst>
+  </p:timing>
+</p:sld>
+</file>
+
+<file path=ppt/slides/slide6.xml><?xml version="1.0" encoding="utf-8"?>
+<p:sld xmlns:a="http://schemas.openxmlformats.org/drawingml/2006/main" xmlns:r="http://schemas.openxmlformats.org/officeDocument/2006/relationships" xmlns:p="http://schemas.openxmlformats.org/presentationml/2006/main">
+  <p:cSld>
+    <p:spTree>
+      <p:nvGrpSpPr>
+        <p:cNvPr id="1" name=""/>
+        <p:cNvGrpSpPr/>
+        <p:nvPr/>
+      </p:nvGrpSpPr>
+      <p:grpSpPr>
+        <a:xfrm>
+          <a:off x="0" y="0"/>
+          <a:ext cx="0" cy="0"/>
+          <a:chOff x="0" y="0"/>
+          <a:chExt cx="0" cy="0"/>
+        </a:xfrm>
+      </p:grpSpPr>
+      <p:sp>
+        <p:nvSpPr>
+          <p:cNvPr id="8" name="Title 1"/>
+          <p:cNvSpPr txBox="1"/>
+          <p:nvPr/>
+        </p:nvSpPr>
+        <p:spPr>
+          <a:xfrm>
+            <a:off x="677334" y="609600"/>
+            <a:ext cx="8596668" cy="1320800"/>
+          </a:xfrm>
+          <a:prstGeom prst="rect">
+            <a:avLst/>
+          </a:prstGeom>
+        </p:spPr>
+        <p:txBody>
+          <a:bodyPr vert="horz" lIns="91440" tIns="45720" rIns="91440" bIns="45720" rtlCol="0" anchor="t">
+            <a:normAutofit/>
+          </a:bodyPr>
+          <a:lstStyle>
+            <a:lvl1pPr algn="l" defTabSz="457200" rtl="0" eaLnBrk="1" latinLnBrk="0" hangingPunct="1">
+              <a:spcBef>
+                <a:spcPct val="0"/>
+              </a:spcBef>
+              <a:buNone/>
+              <a:defRPr sz="3600" kern="1200">
+                <a:solidFill>
+                  <a:schemeClr val="accent1"/>
+                </a:solidFill>
+                <a:latin typeface="+mj-lt"/>
+                <a:ea typeface="+mj-ea"/>
+                <a:cs typeface="+mj-cs"/>
+              </a:defRPr>
+            </a:lvl1pPr>
+            <a:lvl2pPr eaLnBrk="1" hangingPunct="1">
+              <a:defRPr>
+                <a:solidFill>
+                  <a:schemeClr val="tx2"/>
+                </a:solidFill>
+              </a:defRPr>
+            </a:lvl2pPr>
+            <a:lvl3pPr eaLnBrk="1" hangingPunct="1">
+              <a:defRPr>
+                <a:solidFill>
+                  <a:schemeClr val="tx2"/>
+                </a:solidFill>
+              </a:defRPr>
+            </a:lvl3pPr>
+            <a:lvl4pPr eaLnBrk="1" hangingPunct="1">
+              <a:defRPr>
+                <a:solidFill>
+                  <a:schemeClr val="tx2"/>
+                </a:solidFill>
+              </a:defRPr>
+            </a:lvl4pPr>
+            <a:lvl5pPr eaLnBrk="1" hangingPunct="1">
+              <a:defRPr>
+                <a:solidFill>
+                  <a:schemeClr val="tx2"/>
+                </a:solidFill>
+              </a:defRPr>
+            </a:lvl5pPr>
+            <a:lvl6pPr eaLnBrk="1" hangingPunct="1">
+              <a:defRPr>
+                <a:solidFill>
+                  <a:schemeClr val="tx2"/>
+                </a:solidFill>
+              </a:defRPr>
+            </a:lvl6pPr>
+            <a:lvl7pPr eaLnBrk="1" hangingPunct="1">
+              <a:defRPr>
+                <a:solidFill>
+                  <a:schemeClr val="tx2"/>
+                </a:solidFill>
+              </a:defRPr>
+            </a:lvl7pPr>
+            <a:lvl8pPr eaLnBrk="1" hangingPunct="1">
+              <a:defRPr>
+                <a:solidFill>
+                  <a:schemeClr val="tx2"/>
+                </a:solidFill>
+              </a:defRPr>
+            </a:lvl8pPr>
+            <a:lvl9pPr eaLnBrk="1" hangingPunct="1">
+              <a:defRPr>
+                <a:solidFill>
+                  <a:schemeClr val="tx2"/>
+                </a:solidFill>
+              </a:defRPr>
+            </a:lvl9pPr>
+          </a:lstStyle>
+          <a:p>
+            <a:r>
+              <a:rPr lang="en-US" altLang="zh-CN" smtClean="0"/>
+              <a:t>ANR</a:t>
+            </a:r>
+            <a:r>
+              <a:rPr lang="zh-CN" altLang="en-US" smtClean="0"/>
+              <a:t>触发机制</a:t>
+            </a:r>
+            <a:r>
+              <a:rPr lang="en-US" altLang="zh-CN" smtClean="0"/>
+              <a:t>-Service Timeout</a:t>
+            </a:r>
+            <a:endParaRPr lang="en-US" altLang="zh-CN" smtClean="0"/>
+          </a:p>
+        </p:txBody>
+      </p:sp>
+      <p:pic>
+        <p:nvPicPr>
+          <p:cNvPr id="7" name="图片 7"/>
+          <p:cNvPicPr/>
+          <p:nvPr/>
+        </p:nvPicPr>
+        <p:blipFill>
+          <a:blip r:embed="rId1"/>
+          <a:stretch>
+            <a:fillRect/>
+          </a:stretch>
+        </p:blipFill>
+        <p:spPr>
+          <a:xfrm>
+            <a:off x="6045200" y="2313940"/>
+            <a:ext cx="3518535" cy="2577465"/>
+          </a:xfrm>
+          <a:prstGeom prst="rect">
+            <a:avLst/>
+          </a:prstGeom>
+        </p:spPr>
+      </p:pic>
+      <p:pic>
+        <p:nvPicPr>
+          <p:cNvPr id="2" name="图片 9"/>
+          <p:cNvPicPr/>
+          <p:nvPr/>
+        </p:nvPicPr>
+        <p:blipFill>
+          <a:blip r:embed="rId2"/>
+          <a:stretch>
+            <a:fillRect/>
+          </a:stretch>
+        </p:blipFill>
+        <p:spPr>
+          <a:xfrm>
+            <a:off x="585470" y="1825625"/>
+            <a:ext cx="5274310" cy="3817620"/>
+          </a:xfrm>
+          <a:prstGeom prst="rect">
+            <a:avLst/>
+          </a:prstGeom>
+        </p:spPr>
+      </p:pic>
+    </p:spTree>
+  </p:cSld>
+  <p:clrMapOvr>
+    <a:masterClrMapping/>
+  </p:clrMapOvr>
+  <p:timing>
+    <p:tnLst>
+      <p:par>
+        <p:cTn id="1" dur="indefinite" restart="never" nodeType="tmRoot"/>
+      </p:par>
+    </p:tnLst>
+  </p:timing>
+</p:sld>
+</file>
+
+<file path=ppt/slides/slide7.xml><?xml version="1.0" encoding="utf-8"?>
+<p:sld xmlns:a="http://schemas.openxmlformats.org/drawingml/2006/main" xmlns:r="http://schemas.openxmlformats.org/officeDocument/2006/relationships" xmlns:p="http://schemas.openxmlformats.org/presentationml/2006/main">
+  <p:cSld>
+    <p:spTree>
+      <p:nvGrpSpPr>
+        <p:cNvPr id="1" name=""/>
+        <p:cNvGrpSpPr/>
+        <p:nvPr/>
+      </p:nvGrpSpPr>
+      <p:grpSpPr>
+        <a:xfrm>
+          <a:off x="0" y="0"/>
+          <a:ext cx="0" cy="0"/>
+          <a:chOff x="0" y="0"/>
+          <a:chExt cx="0" cy="0"/>
+        </a:xfrm>
+      </p:grpSpPr>
+      <p:sp>
+        <p:nvSpPr>
+          <p:cNvPr id="2" name="Title 1"/>
+          <p:cNvSpPr>
+            <a:spLocks noGrp="1"/>
+          </p:cNvSpPr>
+          <p:nvPr>
+            <p:ph type="title"/>
+          </p:nvPr>
+        </p:nvSpPr>
+        <p:spPr/>
+        <p:txBody>
+          <a:bodyPr/>
+          <a:lstStyle/>
+          <a:p>
+            <a:r>
+              <a:rPr lang="en-US" altLang="zh-CN" dirty="0" smtClean="0"/>
+              <a:t>ANR</a:t>
+            </a:r>
+            <a:r>
+              <a:rPr lang="zh-CN" altLang="en-US" dirty="0" smtClean="0"/>
+              <a:t>触发机制</a:t>
+            </a:r>
+            <a:r>
+              <a:rPr lang="en-US" altLang="zh-CN" dirty="0" smtClean="0"/>
+              <a:t>-log</a:t>
+            </a:r>
+            <a:r>
+              <a:rPr lang="zh-CN" altLang="en-US" dirty="0" smtClean="0">
+                <a:ea typeface="宋体" panose="02010600030101010101" pitchFamily="2" charset="-122"/>
+              </a:rPr>
+              <a:t>上报</a:t>
+            </a:r>
+            <a:endParaRPr lang="zh-CN" altLang="en-US" dirty="0" smtClean="0">
+              <a:ea typeface="宋体" panose="02010600030101010101" pitchFamily="2" charset="-122"/>
+            </a:endParaRPr>
+          </a:p>
+        </p:txBody>
+      </p:sp>
+      <p:pic>
+        <p:nvPicPr>
+          <p:cNvPr id="4" name="图片 3"/>
+          <p:cNvPicPr>
+            <a:picLocks noChangeAspect="1"/>
+          </p:cNvPicPr>
+          <p:nvPr/>
+        </p:nvPicPr>
+        <p:blipFill>
+          <a:blip r:embed="rId1"/>
+          <a:stretch>
+            <a:fillRect/>
+          </a:stretch>
+        </p:blipFill>
+        <p:spPr>
+          <a:xfrm>
+            <a:off x="677545" y="1413510"/>
+            <a:ext cx="8885555" cy="5009515"/>
+          </a:xfrm>
+          <a:prstGeom prst="rect">
+            <a:avLst/>
+          </a:prstGeom>
+        </p:spPr>
+      </p:pic>
+    </p:spTree>
+  </p:cSld>
+  <p:clrMapOvr>
+    <a:masterClrMapping/>
+  </p:clrMapOvr>
+  <mc:AlternateContent xmlns:mc="http://schemas.openxmlformats.org/markup-compatibility/2006">
+    <mc:Choice xmlns:p14="http://schemas.microsoft.com/office/powerpoint/2010/main" Requires="p14">
+      <p:transition spd="slow" p14:dur="2000" advTm="2678"/>
+    </mc:Choice>
+    <mc:Fallback>
+      <p:transition spd="slow" advTm="2678"/>
+    </mc:Fallback>
+  </mc:AlternateContent>
+  <p:timing>
+    <p:tnLst>
+      <p:par>
+        <p:cTn id="1" dur="indefinite" restart="never" nodeType="tmRoot"/>
+      </p:par>
+    </p:tnLst>
+  </p:timing>
+</p:sld>
+</file>
+
+<file path=ppt/slides/slide8.xml><?xml version="1.0" encoding="utf-8"?>
+<p:sld xmlns:a="http://schemas.openxmlformats.org/drawingml/2006/main" xmlns:r="http://schemas.openxmlformats.org/officeDocument/2006/relationships" xmlns:p="http://schemas.openxmlformats.org/presentationml/2006/main">
+  <p:cSld>
+    <p:spTree>
+      <p:nvGrpSpPr>
+        <p:cNvPr id="1" name=""/>
+        <p:cNvGrpSpPr/>
+        <p:nvPr/>
+      </p:nvGrpSpPr>
+      <p:grpSpPr>
+        <a:xfrm>
+          <a:off x="0" y="0"/>
+          <a:ext cx="0" cy="0"/>
+          <a:chOff x="0" y="0"/>
+          <a:chExt cx="0" cy="0"/>
+        </a:xfrm>
+      </p:grpSpPr>
+      <p:sp>
+        <p:nvSpPr>
+          <p:cNvPr id="2" name="Title 1"/>
+          <p:cNvSpPr>
+            <a:spLocks noGrp="1"/>
+          </p:cNvSpPr>
+          <p:nvPr>
+            <p:ph type="title"/>
+          </p:nvPr>
+        </p:nvSpPr>
+        <p:spPr/>
+        <p:txBody>
+          <a:bodyPr/>
+          <a:lstStyle/>
+          <a:p>
+            <a:r>
               <a:rPr lang="en-US" altLang="zh-CN" dirty="0" smtClean="0"/>
               <a:t>ANR</a:t>
             </a:r>
@@ -8883,6 +10797,15 @@
               <a:rPr lang="en-US" altLang="zh-CN" dirty="0" smtClean="0"/>
               <a:t>line</a:t>
             </a:r>
+            <a:r>
+              <a:rPr lang="zh-CN" altLang="en-US" dirty="0" smtClean="0">
+                <a:ea typeface="宋体" panose="02010600030101010101" pitchFamily="2" charset="-122"/>
+              </a:rPr>
+              <a:t>，时效性</a:t>
+            </a:r>
+            <a:endParaRPr lang="zh-CN" altLang="en-US" dirty="0" smtClean="0">
+              <a:ea typeface="宋体" panose="02010600030101010101" pitchFamily="2" charset="-122"/>
+            </a:endParaRPr>
           </a:p>
         </p:txBody>
       </p:sp>
@@ -8895,7 +10818,7 @@
           <p:nvPr/>
         </p:nvPicPr>
         <p:blipFill>
-          <a:blip r:embed="rId2"/>
+          <a:blip r:embed="rId1"/>
           <a:stretch>
             <a:fillRect/>
           </a:stretch>
@@ -8919,7 +10842,7 @@
           <p:nvPr/>
         </p:nvPicPr>
         <p:blipFill>
-          <a:blip r:embed="rId3"/>
+          <a:blip r:embed="rId2"/>
           <a:stretch>
             <a:fillRect/>
           </a:stretch>
@@ -8935,11 +10858,6 @@
         </p:spPr>
       </p:pic>
     </p:spTree>
-    <p:extLst>
-      <p:ext uri="{BB962C8B-B14F-4D97-AF65-F5344CB8AC3E}">
-        <p14:creationId xmlns:p14="http://schemas.microsoft.com/office/powerpoint/2010/main" val="144458926"/>
-      </p:ext>
-    </p:extLst>
   </p:cSld>
   <p:clrMapOvr>
     <a:masterClrMapping/>
@@ -9083,7 +11001,7 @@
 </p:sld>
 </file>
 
-<file path=ppt/slides/slide4.xml><?xml version="1.0" encoding="utf-8"?>
+<file path=ppt/slides/slide9.xml><?xml version="1.0" encoding="utf-8"?>
 <p:sld xmlns:a="http://schemas.openxmlformats.org/drawingml/2006/main" xmlns:r="http://schemas.openxmlformats.org/officeDocument/2006/relationships" xmlns:p="http://schemas.openxmlformats.org/presentationml/2006/main">
   <p:cSld>
     <p:spTree>
@@ -9128,7 +11046,19 @@
               <a:rPr lang="zh-CN" altLang="en-US" dirty="0"/>
               <a:t>相关日志</a:t>
             </a:r>
-            <a:endParaRPr lang="en-US" dirty="0"/>
+            <a:r>
+              <a:rPr lang="en-US" altLang="zh-CN" dirty="0"/>
+              <a:t>-</a:t>
+            </a:r>
+            <a:r>
+              <a:rPr lang="zh-CN" altLang="en-US" dirty="0">
+                <a:ea typeface="宋体" panose="02010600030101010101" pitchFamily="2" charset="-122"/>
+              </a:rPr>
+              <a:t>分析工具</a:t>
+            </a:r>
+            <a:endParaRPr lang="zh-CN" altLang="en-US" dirty="0">
+              <a:ea typeface="宋体" panose="02010600030101010101" pitchFamily="2" charset="-122"/>
+            </a:endParaRPr>
           </a:p>
         </p:txBody>
       </p:sp>
@@ -9189,7 +11119,7 @@
           <p:nvPr/>
         </p:nvPicPr>
         <p:blipFill>
-          <a:blip r:embed="rId2"/>
+          <a:blip r:embed="rId1"/>
           <a:stretch>
             <a:fillRect/>
           </a:stretch>
@@ -9213,7 +11143,7 @@
           <p:nvPr/>
         </p:nvPicPr>
         <p:blipFill>
-          <a:blip r:embed="rId3"/>
+          <a:blip r:embed="rId2"/>
           <a:stretch>
             <a:fillRect/>
           </a:stretch>
@@ -9229,11 +11159,6 @@
         </p:spPr>
       </p:pic>
     </p:spTree>
-    <p:extLst>
-      <p:ext uri="{BB962C8B-B14F-4D97-AF65-F5344CB8AC3E}">
-        <p14:creationId xmlns:p14="http://schemas.microsoft.com/office/powerpoint/2010/main" val="492375438"/>
-      </p:ext>
-    </p:extLst>
   </p:cSld>
   <p:clrMapOvr>
     <a:masterClrMapping/>
@@ -9377,1864 +11302,6 @@
 </p:sld>
 </file>
 
-<file path=ppt/slides/slide5.xml><?xml version="1.0" encoding="utf-8"?>
-<p:sld xmlns:a="http://schemas.openxmlformats.org/drawingml/2006/main" xmlns:r="http://schemas.openxmlformats.org/officeDocument/2006/relationships" xmlns:p="http://schemas.openxmlformats.org/presentationml/2006/main">
-  <p:cSld>
-    <p:spTree>
-      <p:nvGrpSpPr>
-        <p:cNvPr id="1" name=""/>
-        <p:cNvGrpSpPr/>
-        <p:nvPr/>
-      </p:nvGrpSpPr>
-      <p:grpSpPr>
-        <a:xfrm>
-          <a:off x="0" y="0"/>
-          <a:ext cx="0" cy="0"/>
-          <a:chOff x="0" y="0"/>
-          <a:chExt cx="0" cy="0"/>
-        </a:xfrm>
-      </p:grpSpPr>
-      <p:sp>
-        <p:nvSpPr>
-          <p:cNvPr id="2" name="Title 1"/>
-          <p:cNvSpPr>
-            <a:spLocks noGrp="1"/>
-          </p:cNvSpPr>
-          <p:nvPr>
-            <p:ph type="title"/>
-          </p:nvPr>
-        </p:nvSpPr>
-        <p:spPr/>
-        <p:txBody>
-          <a:bodyPr/>
-          <a:lstStyle/>
-          <a:p>
-            <a:r>
-              <a:rPr lang="zh-CN" altLang="zh-CN" b="1" dirty="0" smtClean="0"/>
-              <a:t>线程状态</a:t>
-            </a:r>
-            <a:endParaRPr lang="en-US" dirty="0"/>
-          </a:p>
-        </p:txBody>
-      </p:sp>
-      <p:sp>
-        <p:nvSpPr>
-          <p:cNvPr id="3" name="Content Placeholder 2"/>
-          <p:cNvSpPr>
-            <a:spLocks noGrp="1"/>
-          </p:cNvSpPr>
-          <p:nvPr>
-            <p:ph idx="1"/>
-          </p:nvPr>
-        </p:nvSpPr>
-        <p:spPr>
-          <a:xfrm>
-            <a:off x="600216" y="1455510"/>
-            <a:ext cx="8596668" cy="3880773"/>
-          </a:xfrm>
-        </p:spPr>
-        <p:txBody>
-          <a:bodyPr/>
-          <a:lstStyle/>
-          <a:p>
-            <a:pPr marL="0" indent="0">
-              <a:buNone/>
-            </a:pPr>
-            <a:endParaRPr lang="en-US" altLang="zh-CN" dirty="0" smtClean="0"/>
-          </a:p>
-          <a:p>
-            <a:endParaRPr lang="en-US" dirty="0"/>
-          </a:p>
-        </p:txBody>
-      </p:sp>
-      <p:pic>
-        <p:nvPicPr>
-          <p:cNvPr id="5" name="图片 4" descr="http://upload-images.jianshu.io/upload_images/279004-23f8a173e9950f14.png?imageMogr2/auto-orient/strip%7CimageView2/2/w/1240"/>
-          <p:cNvPicPr/>
-          <p:nvPr/>
-        </p:nvPicPr>
-        <p:blipFill>
-          <a:blip r:embed="rId2">
-            <a:extLst>
-              <a:ext uri="{28A0092B-C50C-407E-A947-70E740481C1C}">
-                <a14:useLocalDpi xmlns:a14="http://schemas.microsoft.com/office/drawing/2010/main" val="0"/>
-              </a:ext>
-            </a:extLst>
-          </a:blip>
-          <a:srcRect/>
-          <a:stretch>
-            <a:fillRect/>
-          </a:stretch>
-        </p:blipFill>
-        <p:spPr bwMode="auto">
-          <a:xfrm>
-            <a:off x="1561465" y="1930400"/>
-            <a:ext cx="5274310" cy="2856230"/>
-          </a:xfrm>
-          <a:prstGeom prst="rect">
-            <a:avLst/>
-          </a:prstGeom>
-          <a:noFill/>
-          <a:ln>
-            <a:noFill/>
-          </a:ln>
-        </p:spPr>
-      </p:pic>
-    </p:spTree>
-    <p:extLst>
-      <p:ext uri="{BB962C8B-B14F-4D97-AF65-F5344CB8AC3E}">
-        <p14:creationId xmlns:p14="http://schemas.microsoft.com/office/powerpoint/2010/main" val="1575840380"/>
-      </p:ext>
-    </p:extLst>
-  </p:cSld>
-  <p:clrMapOvr>
-    <a:masterClrMapping/>
-  </p:clrMapOvr>
-  <p:timing>
-    <p:tnLst>
-      <p:par>
-        <p:cTn id="1" dur="indefinite" restart="never" nodeType="tmRoot"/>
-      </p:par>
-    </p:tnLst>
-  </p:timing>
-</p:sld>
-</file>
-
-<file path=ppt/slides/slide6.xml><?xml version="1.0" encoding="utf-8"?>
-<p:sld xmlns:a="http://schemas.openxmlformats.org/drawingml/2006/main" xmlns:r="http://schemas.openxmlformats.org/officeDocument/2006/relationships" xmlns:p="http://schemas.openxmlformats.org/presentationml/2006/main">
-  <p:cSld>
-    <p:spTree>
-      <p:nvGrpSpPr>
-        <p:cNvPr id="1" name=""/>
-        <p:cNvGrpSpPr/>
-        <p:nvPr/>
-      </p:nvGrpSpPr>
-      <p:grpSpPr>
-        <a:xfrm>
-          <a:off x="0" y="0"/>
-          <a:ext cx="0" cy="0"/>
-          <a:chOff x="0" y="0"/>
-          <a:chExt cx="0" cy="0"/>
-        </a:xfrm>
-      </p:grpSpPr>
-      <p:sp>
-        <p:nvSpPr>
-          <p:cNvPr id="2" name="Title 1"/>
-          <p:cNvSpPr>
-            <a:spLocks noGrp="1"/>
-          </p:cNvSpPr>
-          <p:nvPr>
-            <p:ph type="title"/>
-          </p:nvPr>
-        </p:nvSpPr>
-        <p:spPr/>
-        <p:txBody>
-          <a:bodyPr/>
-          <a:lstStyle/>
-          <a:p>
-            <a:r>
-              <a:rPr lang="en-US" altLang="zh-CN" dirty="0" smtClean="0"/>
-              <a:t>ANR</a:t>
-            </a:r>
-            <a:r>
-              <a:rPr lang="zh-CN" altLang="en-US" dirty="0" smtClean="0"/>
-              <a:t>实例</a:t>
-            </a:r>
-            <a:r>
-              <a:rPr lang="en-US" altLang="zh-CN" dirty="0" smtClean="0"/>
-              <a:t>1</a:t>
-            </a:r>
-            <a:endParaRPr lang="en-US" dirty="0"/>
-          </a:p>
-        </p:txBody>
-      </p:sp>
-      <p:sp>
-        <p:nvSpPr>
-          <p:cNvPr id="3" name="Content Placeholder 2"/>
-          <p:cNvSpPr>
-            <a:spLocks noGrp="1"/>
-          </p:cNvSpPr>
-          <p:nvPr>
-            <p:ph idx="1"/>
-          </p:nvPr>
-        </p:nvSpPr>
-        <p:spPr>
-          <a:xfrm>
-            <a:off x="677334" y="1422459"/>
-            <a:ext cx="8596668" cy="3880773"/>
-          </a:xfrm>
-        </p:spPr>
-        <p:txBody>
-          <a:bodyPr/>
-          <a:lstStyle/>
-          <a:p>
-            <a:r>
-              <a:rPr lang="zh-CN" altLang="en-US" dirty="0" smtClean="0"/>
-              <a:t>主线程</a:t>
-            </a:r>
-            <a:r>
-              <a:rPr lang="en-US" altLang="zh-CN" dirty="0" smtClean="0"/>
-              <a:t>sleep:</a:t>
-            </a:r>
-            <a:r>
-              <a:rPr lang="zh-CN" altLang="zh-CN" dirty="0" smtClean="0"/>
-              <a:t>在</a:t>
-            </a:r>
-            <a:r>
-              <a:rPr lang="en-US" altLang="zh-CN" dirty="0" smtClean="0"/>
-              <a:t>Activity</a:t>
-            </a:r>
-            <a:r>
-              <a:rPr lang="zh-CN" altLang="zh-CN" dirty="0"/>
-              <a:t>中的单击处理函数中等待</a:t>
-            </a:r>
-            <a:r>
-              <a:rPr lang="en-US" altLang="zh-CN" dirty="0"/>
-              <a:t>100s</a:t>
-            </a:r>
-            <a:r>
-              <a:rPr lang="zh-CN" altLang="zh-CN" dirty="0"/>
-              <a:t>（</a:t>
-            </a:r>
-            <a:r>
-              <a:rPr lang="en-US" altLang="zh-CN" dirty="0"/>
-              <a:t>Thread</a:t>
-            </a:r>
-            <a:r>
-              <a:rPr lang="zh-CN" altLang="zh-CN" dirty="0"/>
-              <a:t>，</a:t>
-            </a:r>
-            <a:r>
-              <a:rPr lang="en-US" altLang="zh-CN" dirty="0"/>
-              <a:t>sleep</a:t>
-            </a:r>
-            <a:r>
-              <a:rPr lang="zh-CN" altLang="zh-CN" dirty="0"/>
-              <a:t>），然后在屏幕上滑动，投递触屏事件，结果出现</a:t>
-            </a:r>
-            <a:r>
-              <a:rPr lang="en-US" altLang="zh-CN" dirty="0"/>
-              <a:t>ANR</a:t>
-            </a:r>
-            <a:endParaRPr lang="en-US" dirty="0"/>
-          </a:p>
-        </p:txBody>
-      </p:sp>
-      <p:pic>
-        <p:nvPicPr>
-          <p:cNvPr id="6" name="图片 5"/>
-          <p:cNvPicPr/>
-          <p:nvPr/>
-        </p:nvPicPr>
-        <p:blipFill>
-          <a:blip r:embed="rId2"/>
-          <a:stretch>
-            <a:fillRect/>
-          </a:stretch>
-        </p:blipFill>
-        <p:spPr>
-          <a:xfrm>
-            <a:off x="1721485" y="2343209"/>
-            <a:ext cx="5274310" cy="1632585"/>
-          </a:xfrm>
-          <a:prstGeom prst="rect">
-            <a:avLst/>
-          </a:prstGeom>
-        </p:spPr>
-      </p:pic>
-      <p:pic>
-        <p:nvPicPr>
-          <p:cNvPr id="7" name="图片 6"/>
-          <p:cNvPicPr/>
-          <p:nvPr/>
-        </p:nvPicPr>
-        <p:blipFill>
-          <a:blip r:embed="rId3"/>
-          <a:stretch>
-            <a:fillRect/>
-          </a:stretch>
-        </p:blipFill>
-        <p:spPr>
-          <a:xfrm>
-            <a:off x="1592580" y="4047346"/>
-            <a:ext cx="5274310" cy="1919605"/>
-          </a:xfrm>
-          <a:prstGeom prst="rect">
-            <a:avLst/>
-          </a:prstGeom>
-        </p:spPr>
-      </p:pic>
-    </p:spTree>
-    <p:extLst>
-      <p:ext uri="{BB962C8B-B14F-4D97-AF65-F5344CB8AC3E}">
-        <p14:creationId xmlns:p14="http://schemas.microsoft.com/office/powerpoint/2010/main" val="1100568704"/>
-      </p:ext>
-    </p:extLst>
-  </p:cSld>
-  <p:clrMapOvr>
-    <a:masterClrMapping/>
-  </p:clrMapOvr>
-  <p:timing>
-    <p:tnLst>
-      <p:par>
-        <p:cTn id="1" dur="indefinite" restart="never" nodeType="tmRoot"/>
-      </p:par>
-    </p:tnLst>
-  </p:timing>
-</p:sld>
-</file>
-
-<file path=ppt/slides/slide7.xml><?xml version="1.0" encoding="utf-8"?>
-<p:sld xmlns:a="http://schemas.openxmlformats.org/drawingml/2006/main" xmlns:r="http://schemas.openxmlformats.org/officeDocument/2006/relationships" xmlns:p="http://schemas.openxmlformats.org/presentationml/2006/main">
-  <p:cSld>
-    <p:spTree>
-      <p:nvGrpSpPr>
-        <p:cNvPr id="1" name=""/>
-        <p:cNvGrpSpPr/>
-        <p:nvPr/>
-      </p:nvGrpSpPr>
-      <p:grpSpPr>
-        <a:xfrm>
-          <a:off x="0" y="0"/>
-          <a:ext cx="0" cy="0"/>
-          <a:chOff x="0" y="0"/>
-          <a:chExt cx="0" cy="0"/>
-        </a:xfrm>
-      </p:grpSpPr>
-      <p:sp>
-        <p:nvSpPr>
-          <p:cNvPr id="2" name="Title 1"/>
-          <p:cNvSpPr>
-            <a:spLocks noGrp="1"/>
-          </p:cNvSpPr>
-          <p:nvPr>
-            <p:ph type="title"/>
-          </p:nvPr>
-        </p:nvSpPr>
-        <p:spPr/>
-        <p:txBody>
-          <a:bodyPr/>
-          <a:lstStyle/>
-          <a:p>
-            <a:r>
-              <a:rPr lang="en-US" altLang="zh-CN" dirty="0" smtClean="0"/>
-              <a:t>ANR</a:t>
-            </a:r>
-            <a:r>
-              <a:rPr lang="zh-CN" altLang="en-US" dirty="0" smtClean="0"/>
-              <a:t>实例</a:t>
-            </a:r>
-            <a:r>
-              <a:rPr lang="en-US" altLang="zh-CN" dirty="0" smtClean="0"/>
-              <a:t>2</a:t>
-            </a:r>
-            <a:endParaRPr lang="en-US" dirty="0"/>
-          </a:p>
-        </p:txBody>
-      </p:sp>
-      <p:sp>
-        <p:nvSpPr>
-          <p:cNvPr id="3" name="Content Placeholder 2"/>
-          <p:cNvSpPr>
-            <a:spLocks noGrp="1"/>
-          </p:cNvSpPr>
-          <p:nvPr>
-            <p:ph idx="1"/>
-          </p:nvPr>
-        </p:nvSpPr>
-        <p:spPr>
-          <a:xfrm>
-            <a:off x="677334" y="1380169"/>
-            <a:ext cx="8596668" cy="4324892"/>
-          </a:xfrm>
-        </p:spPr>
-        <p:txBody>
-          <a:bodyPr/>
-          <a:lstStyle/>
-          <a:p>
-            <a:r>
-              <a:rPr lang="zh-CN" altLang="zh-CN" dirty="0" smtClean="0"/>
-              <a:t>死锁</a:t>
-            </a:r>
-            <a:r>
-              <a:rPr lang="en-US" altLang="zh-CN" dirty="0" smtClean="0"/>
-              <a:t>:</a:t>
-            </a:r>
-            <a:r>
-              <a:rPr lang="zh-CN" altLang="en-US" dirty="0" smtClean="0"/>
-              <a:t>多进程竞争有限资源，循环等待</a:t>
-            </a:r>
-            <a:endParaRPr lang="en-US" altLang="zh-CN" dirty="0" smtClean="0"/>
-          </a:p>
-        </p:txBody>
-      </p:sp>
-      <p:pic>
-        <p:nvPicPr>
-          <p:cNvPr id="6" name="图片 5"/>
-          <p:cNvPicPr>
-            <a:picLocks noChangeAspect="1"/>
-          </p:cNvPicPr>
-          <p:nvPr/>
-        </p:nvPicPr>
-        <p:blipFill>
-          <a:blip r:embed="rId2"/>
-          <a:stretch>
-            <a:fillRect/>
-          </a:stretch>
-        </p:blipFill>
-        <p:spPr>
-          <a:xfrm>
-            <a:off x="68580" y="1965960"/>
-            <a:ext cx="8486775" cy="4029075"/>
-          </a:xfrm>
-          <a:prstGeom prst="rect">
-            <a:avLst/>
-          </a:prstGeom>
-        </p:spPr>
-      </p:pic>
-      <p:pic>
-        <p:nvPicPr>
-          <p:cNvPr id="7" name="图片 6"/>
-          <p:cNvPicPr>
-            <a:picLocks noChangeAspect="1"/>
-          </p:cNvPicPr>
-          <p:nvPr/>
-        </p:nvPicPr>
-        <p:blipFill>
-          <a:blip r:embed="rId3"/>
-          <a:stretch>
-            <a:fillRect/>
-          </a:stretch>
-        </p:blipFill>
-        <p:spPr>
-          <a:xfrm>
-            <a:off x="2173149" y="2938857"/>
-            <a:ext cx="8772525" cy="2466975"/>
-          </a:xfrm>
-          <a:prstGeom prst="rect">
-            <a:avLst/>
-          </a:prstGeom>
-        </p:spPr>
-      </p:pic>
-    </p:spTree>
-    <p:extLst>
-      <p:ext uri="{BB962C8B-B14F-4D97-AF65-F5344CB8AC3E}">
-        <p14:creationId xmlns:p14="http://schemas.microsoft.com/office/powerpoint/2010/main" val="1164226500"/>
-      </p:ext>
-    </p:extLst>
-  </p:cSld>
-  <p:clrMapOvr>
-    <a:masterClrMapping/>
-  </p:clrMapOvr>
-  <mc:AlternateContent xmlns:mc="http://schemas.openxmlformats.org/markup-compatibility/2006" xmlns:p14="http://schemas.microsoft.com/office/powerpoint/2010/main">
-    <mc:Choice Requires="p14">
-      <p:transition spd="slow" p14:dur="2000" advTm="8373"/>
-    </mc:Choice>
-    <mc:Fallback xmlns="">
-      <p:transition spd="slow" advTm="8373"/>
-    </mc:Fallback>
-  </mc:AlternateContent>
-  <p:timing>
-    <p:tnLst>
-      <p:par>
-        <p:cTn id="1" dur="indefinite" restart="never" nodeType="tmRoot">
-          <p:childTnLst>
-            <p:seq concurrent="1" nextAc="seek">
-              <p:cTn id="2" dur="indefinite" nodeType="mainSeq">
-                <p:childTnLst>
-                  <p:par>
-                    <p:cTn id="3" fill="hold">
-                      <p:stCondLst>
-                        <p:cond delay="indefinite"/>
-                      </p:stCondLst>
-                      <p:childTnLst>
-                        <p:par>
-                          <p:cTn id="4" fill="hold">
-                            <p:stCondLst>
-                              <p:cond delay="0"/>
-                            </p:stCondLst>
-                            <p:childTnLst>
-                              <p:par>
-                                <p:cTn id="5" presetID="10" presetClass="entr" presetSubtype="0" fill="hold" nodeType="clickEffect">
-                                  <p:stCondLst>
-                                    <p:cond delay="0"/>
-                                  </p:stCondLst>
-                                  <p:childTnLst>
-                                    <p:set>
-                                      <p:cBhvr>
-                                        <p:cTn id="6" dur="1" fill="hold">
-                                          <p:stCondLst>
-                                            <p:cond delay="0"/>
-                                          </p:stCondLst>
-                                        </p:cTn>
-                                        <p:tgtEl>
-                                          <p:spTgt spid="6"/>
-                                        </p:tgtEl>
-                                        <p:attrNameLst>
-                                          <p:attrName>style.visibility</p:attrName>
-                                        </p:attrNameLst>
-                                      </p:cBhvr>
-                                      <p:to>
-                                        <p:strVal val="visible"/>
-                                      </p:to>
-                                    </p:set>
-                                    <p:animEffect transition="in" filter="fade">
-                                      <p:cBhvr>
-                                        <p:cTn id="7" dur="500"/>
-                                        <p:tgtEl>
-                                          <p:spTgt spid="6"/>
-                                        </p:tgtEl>
-                                      </p:cBhvr>
-                                    </p:animEffect>
-                                  </p:childTnLst>
-                                </p:cTn>
-                              </p:par>
-                            </p:childTnLst>
-                          </p:cTn>
-                        </p:par>
-                      </p:childTnLst>
-                    </p:cTn>
-                  </p:par>
-                  <p:par>
-                    <p:cTn id="8" fill="hold">
-                      <p:stCondLst>
-                        <p:cond delay="indefinite"/>
-                      </p:stCondLst>
-                      <p:childTnLst>
-                        <p:par>
-                          <p:cTn id="9" fill="hold">
-                            <p:stCondLst>
-                              <p:cond delay="0"/>
-                            </p:stCondLst>
-                            <p:childTnLst>
-                              <p:par>
-                                <p:cTn id="10" presetID="10" presetClass="entr" presetSubtype="0" fill="hold" nodeType="clickEffect">
-                                  <p:stCondLst>
-                                    <p:cond delay="0"/>
-                                  </p:stCondLst>
-                                  <p:childTnLst>
-                                    <p:set>
-                                      <p:cBhvr>
-                                        <p:cTn id="11" dur="1" fill="hold">
-                                          <p:stCondLst>
-                                            <p:cond delay="0"/>
-                                          </p:stCondLst>
-                                        </p:cTn>
-                                        <p:tgtEl>
-                                          <p:spTgt spid="7"/>
-                                        </p:tgtEl>
-                                        <p:attrNameLst>
-                                          <p:attrName>style.visibility</p:attrName>
-                                        </p:attrNameLst>
-                                      </p:cBhvr>
-                                      <p:to>
-                                        <p:strVal val="visible"/>
-                                      </p:to>
-                                    </p:set>
-                                    <p:animEffect transition="in" filter="fade">
-                                      <p:cBhvr>
-                                        <p:cTn id="12" dur="500"/>
-                                        <p:tgtEl>
-                                          <p:spTgt spid="7"/>
-                                        </p:tgtEl>
-                                      </p:cBhvr>
-                                    </p:animEffect>
-                                  </p:childTnLst>
-                                </p:cTn>
-                              </p:par>
-                            </p:childTnLst>
-                          </p:cTn>
-                        </p:par>
-                      </p:childTnLst>
-                    </p:cTn>
-                  </p:par>
-                </p:childTnLst>
-              </p:cTn>
-              <p:prevCondLst>
-                <p:cond evt="onPrev" delay="0">
-                  <p:tgtEl>
-                    <p:sldTgt/>
-                  </p:tgtEl>
-                </p:cond>
-              </p:prevCondLst>
-              <p:nextCondLst>
-                <p:cond evt="onNext" delay="0">
-                  <p:tgtEl>
-                    <p:sldTgt/>
-                  </p:tgtEl>
-                </p:cond>
-              </p:nextCondLst>
-            </p:seq>
-          </p:childTnLst>
-        </p:cTn>
-      </p:par>
-    </p:tnLst>
-  </p:timing>
-</p:sld>
-</file>
-
-<file path=ppt/slides/slide8.xml><?xml version="1.0" encoding="utf-8"?>
-<p:sld xmlns:a="http://schemas.openxmlformats.org/drawingml/2006/main" xmlns:r="http://schemas.openxmlformats.org/officeDocument/2006/relationships" xmlns:p="http://schemas.openxmlformats.org/presentationml/2006/main">
-  <p:cSld>
-    <p:spTree>
-      <p:nvGrpSpPr>
-        <p:cNvPr id="1" name=""/>
-        <p:cNvGrpSpPr/>
-        <p:nvPr/>
-      </p:nvGrpSpPr>
-      <p:grpSpPr>
-        <a:xfrm>
-          <a:off x="0" y="0"/>
-          <a:ext cx="0" cy="0"/>
-          <a:chOff x="0" y="0"/>
-          <a:chExt cx="0" cy="0"/>
-        </a:xfrm>
-      </p:grpSpPr>
-      <p:sp>
-        <p:nvSpPr>
-          <p:cNvPr id="2" name="Title 1"/>
-          <p:cNvSpPr>
-            <a:spLocks noGrp="1"/>
-          </p:cNvSpPr>
-          <p:nvPr>
-            <p:ph type="title"/>
-          </p:nvPr>
-        </p:nvSpPr>
-        <p:spPr/>
-        <p:txBody>
-          <a:bodyPr/>
-          <a:lstStyle/>
-          <a:p>
-            <a:r>
-              <a:rPr lang="en-US" altLang="zh-CN" dirty="0" smtClean="0"/>
-              <a:t>ANR</a:t>
-            </a:r>
-            <a:r>
-              <a:rPr lang="zh-CN" altLang="en-US" dirty="0" smtClean="0"/>
-              <a:t>触发机制</a:t>
-            </a:r>
-            <a:endParaRPr lang="en-US" dirty="0"/>
-          </a:p>
-        </p:txBody>
-      </p:sp>
-      <p:sp>
-        <p:nvSpPr>
-          <p:cNvPr id="10" name="Content Placeholder 2"/>
-          <p:cNvSpPr txBox="1">
-            <a:spLocks/>
-          </p:cNvSpPr>
-          <p:nvPr/>
-        </p:nvSpPr>
-        <p:spPr>
-          <a:xfrm>
-            <a:off x="677334" y="1457287"/>
-            <a:ext cx="3752426" cy="782676"/>
-          </a:xfrm>
-          <a:prstGeom prst="rect">
-            <a:avLst/>
-          </a:prstGeom>
-        </p:spPr>
-        <p:txBody>
-          <a:bodyPr vert="horz" lIns="91440" tIns="45720" rIns="91440" bIns="45720" rtlCol="0">
-            <a:normAutofit/>
-          </a:bodyPr>
-          <a:lstStyle>
-            <a:lvl1pPr marL="342900" indent="-342900" algn="l" defTabSz="457200" rtl="0" eaLnBrk="1" latinLnBrk="0" hangingPunct="1">
-              <a:spcBef>
-                <a:spcPts val="1000"/>
-              </a:spcBef>
-              <a:spcAft>
-                <a:spcPts val="0"/>
-              </a:spcAft>
-              <a:buClr>
-                <a:schemeClr val="accent1"/>
-              </a:buClr>
-              <a:buSzPct val="80000"/>
-              <a:buFont typeface="Wingdings 3" charset="2"/>
-              <a:buChar char=""/>
-              <a:defRPr sz="1800" kern="1200">
-                <a:solidFill>
-                  <a:schemeClr val="tx1">
-                    <a:lumMod val="75000"/>
-                    <a:lumOff val="25000"/>
-                  </a:schemeClr>
-                </a:solidFill>
-                <a:latin typeface="+mn-lt"/>
-                <a:ea typeface="+mn-ea"/>
-                <a:cs typeface="+mn-cs"/>
-              </a:defRPr>
-            </a:lvl1pPr>
-            <a:lvl2pPr marL="742950" indent="-285750" algn="l" defTabSz="457200" rtl="0" eaLnBrk="1" latinLnBrk="0" hangingPunct="1">
-              <a:spcBef>
-                <a:spcPts val="1000"/>
-              </a:spcBef>
-              <a:spcAft>
-                <a:spcPts val="0"/>
-              </a:spcAft>
-              <a:buClr>
-                <a:schemeClr val="accent1"/>
-              </a:buClr>
-              <a:buSzPct val="80000"/>
-              <a:buFont typeface="Wingdings 3" charset="2"/>
-              <a:buChar char=""/>
-              <a:defRPr sz="1600" kern="1200">
-                <a:solidFill>
-                  <a:schemeClr val="tx1">
-                    <a:lumMod val="75000"/>
-                    <a:lumOff val="25000"/>
-                  </a:schemeClr>
-                </a:solidFill>
-                <a:latin typeface="+mn-lt"/>
-                <a:ea typeface="+mn-ea"/>
-                <a:cs typeface="+mn-cs"/>
-              </a:defRPr>
-            </a:lvl2pPr>
-            <a:lvl3pPr marL="1143000" indent="-228600" algn="l" defTabSz="457200" rtl="0" eaLnBrk="1" latinLnBrk="0" hangingPunct="1">
-              <a:spcBef>
-                <a:spcPts val="1000"/>
-              </a:spcBef>
-              <a:spcAft>
-                <a:spcPts val="0"/>
-              </a:spcAft>
-              <a:buClr>
-                <a:schemeClr val="accent1"/>
-              </a:buClr>
-              <a:buSzPct val="80000"/>
-              <a:buFont typeface="Wingdings 3" charset="2"/>
-              <a:buChar char=""/>
-              <a:defRPr sz="1400" kern="1200">
-                <a:solidFill>
-                  <a:schemeClr val="tx1">
-                    <a:lumMod val="75000"/>
-                    <a:lumOff val="25000"/>
-                  </a:schemeClr>
-                </a:solidFill>
-                <a:latin typeface="+mn-lt"/>
-                <a:ea typeface="+mn-ea"/>
-                <a:cs typeface="+mn-cs"/>
-              </a:defRPr>
-            </a:lvl3pPr>
-            <a:lvl4pPr marL="1600200" indent="-228600" algn="l" defTabSz="457200" rtl="0" eaLnBrk="1" latinLnBrk="0" hangingPunct="1">
-              <a:spcBef>
-                <a:spcPts val="1000"/>
-              </a:spcBef>
-              <a:spcAft>
-                <a:spcPts val="0"/>
-              </a:spcAft>
-              <a:buClr>
-                <a:schemeClr val="accent1"/>
-              </a:buClr>
-              <a:buSzPct val="80000"/>
-              <a:buFont typeface="Wingdings 3" charset="2"/>
-              <a:buChar char=""/>
-              <a:defRPr sz="1200" kern="1200">
-                <a:solidFill>
-                  <a:schemeClr val="tx1">
-                    <a:lumMod val="75000"/>
-                    <a:lumOff val="25000"/>
-                  </a:schemeClr>
-                </a:solidFill>
-                <a:latin typeface="+mn-lt"/>
-                <a:ea typeface="+mn-ea"/>
-                <a:cs typeface="+mn-cs"/>
-              </a:defRPr>
-            </a:lvl4pPr>
-            <a:lvl5pPr marL="2057400" indent="-228600" algn="l" defTabSz="457200" rtl="0" eaLnBrk="1" latinLnBrk="0" hangingPunct="1">
-              <a:spcBef>
-                <a:spcPts val="1000"/>
-              </a:spcBef>
-              <a:spcAft>
-                <a:spcPts val="0"/>
-              </a:spcAft>
-              <a:buClr>
-                <a:schemeClr val="accent1"/>
-              </a:buClr>
-              <a:buSzPct val="80000"/>
-              <a:buFont typeface="Wingdings 3" charset="2"/>
-              <a:buChar char=""/>
-              <a:defRPr sz="1200" kern="1200">
-                <a:solidFill>
-                  <a:schemeClr val="tx1">
-                    <a:lumMod val="75000"/>
-                    <a:lumOff val="25000"/>
-                  </a:schemeClr>
-                </a:solidFill>
-                <a:latin typeface="+mn-lt"/>
-                <a:ea typeface="+mn-ea"/>
-                <a:cs typeface="+mn-cs"/>
-              </a:defRPr>
-            </a:lvl5pPr>
-            <a:lvl6pPr marL="2514600" indent="-228600" algn="l" defTabSz="457200" rtl="0" eaLnBrk="1" latinLnBrk="0" hangingPunct="1">
-              <a:spcBef>
-                <a:spcPts val="1000"/>
-              </a:spcBef>
-              <a:spcAft>
-                <a:spcPts val="0"/>
-              </a:spcAft>
-              <a:buClr>
-                <a:schemeClr val="accent1"/>
-              </a:buClr>
-              <a:buSzPct val="80000"/>
-              <a:buFont typeface="Wingdings 3" charset="2"/>
-              <a:buChar char=""/>
-              <a:defRPr sz="1200" kern="1200">
-                <a:solidFill>
-                  <a:schemeClr val="tx1">
-                    <a:lumMod val="75000"/>
-                    <a:lumOff val="25000"/>
-                  </a:schemeClr>
-                </a:solidFill>
-                <a:latin typeface="+mn-lt"/>
-                <a:ea typeface="+mn-ea"/>
-                <a:cs typeface="+mn-cs"/>
-              </a:defRPr>
-            </a:lvl6pPr>
-            <a:lvl7pPr marL="2971800" indent="-228600" algn="l" defTabSz="457200" rtl="0" eaLnBrk="1" latinLnBrk="0" hangingPunct="1">
-              <a:spcBef>
-                <a:spcPts val="1000"/>
-              </a:spcBef>
-              <a:spcAft>
-                <a:spcPts val="0"/>
-              </a:spcAft>
-              <a:buClr>
-                <a:schemeClr val="accent1"/>
-              </a:buClr>
-              <a:buSzPct val="80000"/>
-              <a:buFont typeface="Wingdings 3" charset="2"/>
-              <a:buChar char=""/>
-              <a:defRPr sz="1200" kern="1200">
-                <a:solidFill>
-                  <a:schemeClr val="tx1">
-                    <a:lumMod val="75000"/>
-                    <a:lumOff val="25000"/>
-                  </a:schemeClr>
-                </a:solidFill>
-                <a:latin typeface="+mn-lt"/>
-                <a:ea typeface="+mn-ea"/>
-                <a:cs typeface="+mn-cs"/>
-              </a:defRPr>
-            </a:lvl7pPr>
-            <a:lvl8pPr marL="3429000" indent="-228600" algn="l" defTabSz="457200" rtl="0" eaLnBrk="1" latinLnBrk="0" hangingPunct="1">
-              <a:spcBef>
-                <a:spcPts val="1000"/>
-              </a:spcBef>
-              <a:spcAft>
-                <a:spcPts val="0"/>
-              </a:spcAft>
-              <a:buClr>
-                <a:schemeClr val="accent1"/>
-              </a:buClr>
-              <a:buSzPct val="80000"/>
-              <a:buFont typeface="Wingdings 3" charset="2"/>
-              <a:buChar char=""/>
-              <a:defRPr sz="1200" kern="1200">
-                <a:solidFill>
-                  <a:schemeClr val="tx1">
-                    <a:lumMod val="75000"/>
-                    <a:lumOff val="25000"/>
-                  </a:schemeClr>
-                </a:solidFill>
-                <a:latin typeface="+mn-lt"/>
-                <a:ea typeface="+mn-ea"/>
-                <a:cs typeface="+mn-cs"/>
-              </a:defRPr>
-            </a:lvl8pPr>
-            <a:lvl9pPr marL="3886200" indent="-228600" algn="l" defTabSz="457200" rtl="0" eaLnBrk="1" latinLnBrk="0" hangingPunct="1">
-              <a:spcBef>
-                <a:spcPts val="1000"/>
-              </a:spcBef>
-              <a:spcAft>
-                <a:spcPts val="0"/>
-              </a:spcAft>
-              <a:buClr>
-                <a:schemeClr val="accent1"/>
-              </a:buClr>
-              <a:buSzPct val="80000"/>
-              <a:buFont typeface="Wingdings 3" charset="2"/>
-              <a:buChar char=""/>
-              <a:defRPr sz="1200" kern="1200">
-                <a:solidFill>
-                  <a:schemeClr val="tx1">
-                    <a:lumMod val="75000"/>
-                    <a:lumOff val="25000"/>
-                  </a:schemeClr>
-                </a:solidFill>
-                <a:latin typeface="+mn-lt"/>
-                <a:ea typeface="+mn-ea"/>
-                <a:cs typeface="+mn-cs"/>
-              </a:defRPr>
-            </a:lvl9pPr>
-          </a:lstStyle>
-          <a:p>
-            <a:r>
-              <a:rPr lang="zh-CN" altLang="zh-CN" b="1" dirty="0" smtClean="0"/>
-              <a:t>埋</a:t>
-            </a:r>
-            <a:r>
-              <a:rPr lang="zh-CN" altLang="en-US" b="1" dirty="0" smtClean="0"/>
-              <a:t>、拆、引爆炸弹</a:t>
-            </a:r>
-            <a:endParaRPr lang="en-US" altLang="zh-CN" b="1" dirty="0" smtClean="0"/>
-          </a:p>
-          <a:p>
-            <a:r>
-              <a:rPr lang="en-US" altLang="zh-CN" dirty="0"/>
-              <a:t>Service </a:t>
-            </a:r>
-            <a:r>
-              <a:rPr lang="en-US" altLang="zh-CN" dirty="0" smtClean="0"/>
-              <a:t>Timeout</a:t>
-            </a:r>
-            <a:endParaRPr lang="en-US" altLang="zh-CN" dirty="0"/>
-          </a:p>
-          <a:p>
-            <a:pPr marL="0" indent="0">
-              <a:buNone/>
-            </a:pPr>
-            <a:endParaRPr lang="en-US" altLang="zh-CN" dirty="0" smtClean="0"/>
-          </a:p>
-        </p:txBody>
-      </p:sp>
-      <p:pic>
-        <p:nvPicPr>
-          <p:cNvPr id="5" name="图片 4"/>
-          <p:cNvPicPr>
-            <a:picLocks noChangeAspect="1"/>
-          </p:cNvPicPr>
-          <p:nvPr/>
-        </p:nvPicPr>
-        <p:blipFill>
-          <a:blip r:embed="rId2"/>
-          <a:stretch>
-            <a:fillRect/>
-          </a:stretch>
-        </p:blipFill>
-        <p:spPr>
-          <a:xfrm>
-            <a:off x="1036999" y="2239963"/>
-            <a:ext cx="4756823" cy="4539464"/>
-          </a:xfrm>
-          <a:prstGeom prst="rect">
-            <a:avLst/>
-          </a:prstGeom>
-        </p:spPr>
-      </p:pic>
-      <p:pic>
-        <p:nvPicPr>
-          <p:cNvPr id="6" name="图片 5"/>
-          <p:cNvPicPr>
-            <a:picLocks noChangeAspect="1"/>
-          </p:cNvPicPr>
-          <p:nvPr/>
-        </p:nvPicPr>
-        <p:blipFill>
-          <a:blip r:embed="rId3"/>
-          <a:stretch>
-            <a:fillRect/>
-          </a:stretch>
-        </p:blipFill>
-        <p:spPr>
-          <a:xfrm>
-            <a:off x="3739978" y="1387702"/>
-            <a:ext cx="4837966" cy="5487469"/>
-          </a:xfrm>
-          <a:prstGeom prst="rect">
-            <a:avLst/>
-          </a:prstGeom>
-        </p:spPr>
-      </p:pic>
-      <p:pic>
-        <p:nvPicPr>
-          <p:cNvPr id="7" name="图片 6"/>
-          <p:cNvPicPr>
-            <a:picLocks noChangeAspect="1"/>
-          </p:cNvPicPr>
-          <p:nvPr/>
-        </p:nvPicPr>
-        <p:blipFill>
-          <a:blip r:embed="rId4"/>
-          <a:stretch>
-            <a:fillRect/>
-          </a:stretch>
-        </p:blipFill>
-        <p:spPr>
-          <a:xfrm>
-            <a:off x="5793822" y="1240839"/>
-            <a:ext cx="5429250" cy="5410200"/>
-          </a:xfrm>
-          <a:prstGeom prst="rect">
-            <a:avLst/>
-          </a:prstGeom>
-        </p:spPr>
-      </p:pic>
-    </p:spTree>
-    <p:extLst>
-      <p:ext uri="{BB962C8B-B14F-4D97-AF65-F5344CB8AC3E}">
-        <p14:creationId xmlns:p14="http://schemas.microsoft.com/office/powerpoint/2010/main" val="1234698090"/>
-      </p:ext>
-    </p:extLst>
-  </p:cSld>
-  <p:clrMapOvr>
-    <a:masterClrMapping/>
-  </p:clrMapOvr>
-  <mc:AlternateContent xmlns:mc="http://schemas.openxmlformats.org/markup-compatibility/2006" xmlns:p14="http://schemas.microsoft.com/office/powerpoint/2010/main">
-    <mc:Choice Requires="p14">
-      <p:transition spd="slow" p14:dur="2000" advTm="2678"/>
-    </mc:Choice>
-    <mc:Fallback xmlns="">
-      <p:transition spd="slow" advTm="2678"/>
-    </mc:Fallback>
-  </mc:AlternateContent>
-  <p:timing>
-    <p:tnLst>
-      <p:par>
-        <p:cTn id="1" dur="indefinite" restart="never" nodeType="tmRoot">
-          <p:childTnLst>
-            <p:seq concurrent="1" nextAc="seek">
-              <p:cTn id="2" dur="indefinite" nodeType="mainSeq">
-                <p:childTnLst>
-                  <p:par>
-                    <p:cTn id="3" fill="hold">
-                      <p:stCondLst>
-                        <p:cond delay="indefinite"/>
-                      </p:stCondLst>
-                      <p:childTnLst>
-                        <p:par>
-                          <p:cTn id="4" fill="hold">
-                            <p:stCondLst>
-                              <p:cond delay="0"/>
-                            </p:stCondLst>
-                            <p:childTnLst>
-                              <p:par>
-                                <p:cTn id="5" presetID="10" presetClass="entr" presetSubtype="0" fill="hold" nodeType="clickEffect">
-                                  <p:stCondLst>
-                                    <p:cond delay="0"/>
-                                  </p:stCondLst>
-                                  <p:childTnLst>
-                                    <p:set>
-                                      <p:cBhvr>
-                                        <p:cTn id="6" dur="1" fill="hold">
-                                          <p:stCondLst>
-                                            <p:cond delay="0"/>
-                                          </p:stCondLst>
-                                        </p:cTn>
-                                        <p:tgtEl>
-                                          <p:spTgt spid="5"/>
-                                        </p:tgtEl>
-                                        <p:attrNameLst>
-                                          <p:attrName>style.visibility</p:attrName>
-                                        </p:attrNameLst>
-                                      </p:cBhvr>
-                                      <p:to>
-                                        <p:strVal val="visible"/>
-                                      </p:to>
-                                    </p:set>
-                                    <p:animEffect transition="in" filter="fade">
-                                      <p:cBhvr>
-                                        <p:cTn id="7" dur="500"/>
-                                        <p:tgtEl>
-                                          <p:spTgt spid="5"/>
-                                        </p:tgtEl>
-                                      </p:cBhvr>
-                                    </p:animEffect>
-                                  </p:childTnLst>
-                                </p:cTn>
-                              </p:par>
-                            </p:childTnLst>
-                          </p:cTn>
-                        </p:par>
-                      </p:childTnLst>
-                    </p:cTn>
-                  </p:par>
-                  <p:par>
-                    <p:cTn id="8" fill="hold">
-                      <p:stCondLst>
-                        <p:cond delay="indefinite"/>
-                      </p:stCondLst>
-                      <p:childTnLst>
-                        <p:par>
-                          <p:cTn id="9" fill="hold">
-                            <p:stCondLst>
-                              <p:cond delay="0"/>
-                            </p:stCondLst>
-                            <p:childTnLst>
-                              <p:par>
-                                <p:cTn id="10" presetID="10" presetClass="entr" presetSubtype="0" fill="hold" nodeType="clickEffect">
-                                  <p:stCondLst>
-                                    <p:cond delay="0"/>
-                                  </p:stCondLst>
-                                  <p:childTnLst>
-                                    <p:set>
-                                      <p:cBhvr>
-                                        <p:cTn id="11" dur="1" fill="hold">
-                                          <p:stCondLst>
-                                            <p:cond delay="0"/>
-                                          </p:stCondLst>
-                                        </p:cTn>
-                                        <p:tgtEl>
-                                          <p:spTgt spid="6"/>
-                                        </p:tgtEl>
-                                        <p:attrNameLst>
-                                          <p:attrName>style.visibility</p:attrName>
-                                        </p:attrNameLst>
-                                      </p:cBhvr>
-                                      <p:to>
-                                        <p:strVal val="visible"/>
-                                      </p:to>
-                                    </p:set>
-                                    <p:animEffect transition="in" filter="fade">
-                                      <p:cBhvr>
-                                        <p:cTn id="12" dur="500"/>
-                                        <p:tgtEl>
-                                          <p:spTgt spid="6"/>
-                                        </p:tgtEl>
-                                      </p:cBhvr>
-                                    </p:animEffect>
-                                  </p:childTnLst>
-                                </p:cTn>
-                              </p:par>
-                            </p:childTnLst>
-                          </p:cTn>
-                        </p:par>
-                      </p:childTnLst>
-                    </p:cTn>
-                  </p:par>
-                  <p:par>
-                    <p:cTn id="13" fill="hold">
-                      <p:stCondLst>
-                        <p:cond delay="indefinite"/>
-                      </p:stCondLst>
-                      <p:childTnLst>
-                        <p:par>
-                          <p:cTn id="14" fill="hold">
-                            <p:stCondLst>
-                              <p:cond delay="0"/>
-                            </p:stCondLst>
-                            <p:childTnLst>
-                              <p:par>
-                                <p:cTn id="15" presetID="10" presetClass="entr" presetSubtype="0" fill="hold" nodeType="clickEffect">
-                                  <p:stCondLst>
-                                    <p:cond delay="0"/>
-                                  </p:stCondLst>
-                                  <p:childTnLst>
-                                    <p:set>
-                                      <p:cBhvr>
-                                        <p:cTn id="16" dur="1" fill="hold">
-                                          <p:stCondLst>
-                                            <p:cond delay="0"/>
-                                          </p:stCondLst>
-                                        </p:cTn>
-                                        <p:tgtEl>
-                                          <p:spTgt spid="7"/>
-                                        </p:tgtEl>
-                                        <p:attrNameLst>
-                                          <p:attrName>style.visibility</p:attrName>
-                                        </p:attrNameLst>
-                                      </p:cBhvr>
-                                      <p:to>
-                                        <p:strVal val="visible"/>
-                                      </p:to>
-                                    </p:set>
-                                    <p:animEffect transition="in" filter="fade">
-                                      <p:cBhvr>
-                                        <p:cTn id="17" dur="1000"/>
-                                        <p:tgtEl>
-                                          <p:spTgt spid="7"/>
-                                        </p:tgtEl>
-                                      </p:cBhvr>
-                                    </p:animEffect>
-                                  </p:childTnLst>
-                                </p:cTn>
-                              </p:par>
-                            </p:childTnLst>
-                          </p:cTn>
-                        </p:par>
-                      </p:childTnLst>
-                    </p:cTn>
-                  </p:par>
-                </p:childTnLst>
-              </p:cTn>
-              <p:prevCondLst>
-                <p:cond evt="onPrev" delay="0">
-                  <p:tgtEl>
-                    <p:sldTgt/>
-                  </p:tgtEl>
-                </p:cond>
-              </p:prevCondLst>
-              <p:nextCondLst>
-                <p:cond evt="onNext" delay="0">
-                  <p:tgtEl>
-                    <p:sldTgt/>
-                  </p:tgtEl>
-                </p:cond>
-              </p:nextCondLst>
-            </p:seq>
-          </p:childTnLst>
-        </p:cTn>
-      </p:par>
-    </p:tnLst>
-  </p:timing>
-</p:sld>
-</file>
-
-<file path=ppt/slides/slide9.xml><?xml version="1.0" encoding="utf-8"?>
-<p:sld xmlns:a="http://schemas.openxmlformats.org/drawingml/2006/main" xmlns:r="http://schemas.openxmlformats.org/officeDocument/2006/relationships" xmlns:p="http://schemas.openxmlformats.org/presentationml/2006/main">
-  <p:cSld>
-    <p:spTree>
-      <p:nvGrpSpPr>
-        <p:cNvPr id="1" name=""/>
-        <p:cNvGrpSpPr/>
-        <p:nvPr/>
-      </p:nvGrpSpPr>
-      <p:grpSpPr>
-        <a:xfrm>
-          <a:off x="0" y="0"/>
-          <a:ext cx="0" cy="0"/>
-          <a:chOff x="0" y="0"/>
-          <a:chExt cx="0" cy="0"/>
-        </a:xfrm>
-      </p:grpSpPr>
-      <p:sp>
-        <p:nvSpPr>
-          <p:cNvPr id="2" name="Title 1"/>
-          <p:cNvSpPr>
-            <a:spLocks noGrp="1"/>
-          </p:cNvSpPr>
-          <p:nvPr>
-            <p:ph type="title"/>
-          </p:nvPr>
-        </p:nvSpPr>
-        <p:spPr/>
-        <p:txBody>
-          <a:bodyPr/>
-          <a:lstStyle/>
-          <a:p>
-            <a:r>
-              <a:rPr lang="en-US" altLang="zh-CN" dirty="0"/>
-              <a:t>ANR</a:t>
-            </a:r>
-            <a:r>
-              <a:rPr lang="zh-CN" altLang="en-US" dirty="0"/>
-              <a:t>触发</a:t>
-            </a:r>
-            <a:r>
-              <a:rPr lang="zh-CN" altLang="en-US" dirty="0" smtClean="0"/>
-              <a:t>机制</a:t>
-            </a:r>
-            <a:endParaRPr lang="en-US" dirty="0"/>
-          </a:p>
-        </p:txBody>
-      </p:sp>
-      <p:sp>
-        <p:nvSpPr>
-          <p:cNvPr id="3" name="文本框 2"/>
-          <p:cNvSpPr txBox="1"/>
-          <p:nvPr/>
-        </p:nvSpPr>
-        <p:spPr>
-          <a:xfrm>
-            <a:off x="857250" y="5510629"/>
-            <a:ext cx="11033790" cy="923330"/>
-          </a:xfrm>
-          <a:prstGeom prst="rect">
-            <a:avLst/>
-          </a:prstGeom>
-          <a:noFill/>
-        </p:spPr>
-        <p:txBody>
-          <a:bodyPr wrap="none" rtlCol="0">
-            <a:spAutoFit/>
-          </a:bodyPr>
-          <a:lstStyle/>
-          <a:p>
-            <a:r>
-              <a:rPr lang="en-US" altLang="zh-CN" dirty="0">
-                <a:solidFill>
-                  <a:schemeClr val="tx1">
-                    <a:lumMod val="75000"/>
-                    <a:lumOff val="25000"/>
-                  </a:schemeClr>
-                </a:solidFill>
-              </a:rPr>
-              <a:t>1.</a:t>
-            </a:r>
-            <a:r>
-              <a:rPr lang="zh-CN" altLang="zh-CN" dirty="0">
-                <a:solidFill>
-                  <a:schemeClr val="tx1">
-                    <a:lumMod val="75000"/>
-                    <a:lumOff val="25000"/>
-                  </a:schemeClr>
-                </a:solidFill>
-              </a:rPr>
-              <a:t>注册</a:t>
-            </a:r>
-            <a:r>
-              <a:rPr lang="en-US" altLang="zh-CN" dirty="0">
-                <a:solidFill>
-                  <a:schemeClr val="tx1">
-                    <a:lumMod val="75000"/>
-                    <a:lumOff val="25000"/>
-                  </a:schemeClr>
-                </a:solidFill>
-              </a:rPr>
-              <a:t>:</a:t>
-            </a:r>
-            <a:r>
-              <a:rPr lang="zh-CN" altLang="zh-CN" dirty="0">
-                <a:solidFill>
-                  <a:schemeClr val="tx1">
-                    <a:lumMod val="75000"/>
-                    <a:lumOff val="25000"/>
-                  </a:schemeClr>
-                </a:solidFill>
-              </a:rPr>
-              <a:t>应用接收到输入事件时，会向系统注册该输入事件对应的输入通道、输入窗口等信息</a:t>
-            </a:r>
-            <a:endParaRPr lang="en-US" altLang="zh-CN" dirty="0">
-              <a:solidFill>
-                <a:schemeClr val="tx1">
-                  <a:lumMod val="75000"/>
-                  <a:lumOff val="25000"/>
-                </a:schemeClr>
-              </a:solidFill>
-            </a:endParaRPr>
-          </a:p>
-          <a:p>
-            <a:r>
-              <a:rPr lang="en-US" altLang="zh-CN" dirty="0">
-                <a:solidFill>
-                  <a:schemeClr val="tx1">
-                    <a:lumMod val="75000"/>
-                    <a:lumOff val="25000"/>
-                  </a:schemeClr>
-                </a:solidFill>
-              </a:rPr>
-              <a:t>2.</a:t>
-            </a:r>
-            <a:r>
-              <a:rPr lang="zh-CN" altLang="zh-CN" dirty="0">
-                <a:solidFill>
-                  <a:schemeClr val="tx1">
-                    <a:lumMod val="75000"/>
-                    <a:lumOff val="25000"/>
-                  </a:schemeClr>
-                </a:solidFill>
-              </a:rPr>
-              <a:t>监听</a:t>
-            </a:r>
-            <a:r>
-              <a:rPr lang="en-US" altLang="zh-CN" dirty="0">
-                <a:solidFill>
-                  <a:schemeClr val="tx1">
-                    <a:lumMod val="75000"/>
-                    <a:lumOff val="25000"/>
-                  </a:schemeClr>
-                </a:solidFill>
-              </a:rPr>
-              <a:t>:</a:t>
-            </a:r>
-            <a:r>
-              <a:rPr lang="en-US" altLang="zh-CN" dirty="0" err="1">
-                <a:solidFill>
-                  <a:schemeClr val="tx1">
-                    <a:lumMod val="75000"/>
-                    <a:lumOff val="25000"/>
-                  </a:schemeClr>
-                </a:solidFill>
-              </a:rPr>
-              <a:t>InputDispatcher</a:t>
-            </a:r>
-            <a:r>
-              <a:rPr lang="zh-CN" altLang="zh-CN" dirty="0">
-                <a:solidFill>
-                  <a:schemeClr val="tx1">
-                    <a:lumMod val="75000"/>
-                    <a:lumOff val="25000"/>
-                  </a:schemeClr>
-                </a:solidFill>
-              </a:rPr>
-              <a:t>会监听输入事件。当输入事件执行完成了，就会向系统发送处理完成</a:t>
-            </a:r>
-            <a:r>
-              <a:rPr lang="en-US" altLang="zh-CN" dirty="0">
-                <a:solidFill>
-                  <a:schemeClr val="tx1">
-                    <a:lumMod val="75000"/>
-                    <a:lumOff val="25000"/>
-                  </a:schemeClr>
-                </a:solidFill>
-              </a:rPr>
-              <a:t>finish</a:t>
-            </a:r>
-            <a:r>
-              <a:rPr lang="zh-CN" altLang="zh-CN" dirty="0">
-                <a:solidFill>
-                  <a:schemeClr val="tx1">
-                    <a:lumMod val="75000"/>
-                    <a:lumOff val="25000"/>
-                  </a:schemeClr>
-                </a:solidFill>
-              </a:rPr>
-              <a:t>消息。</a:t>
-            </a:r>
-            <a:endParaRPr lang="en-US" altLang="zh-CN" dirty="0">
-              <a:solidFill>
-                <a:schemeClr val="tx1">
-                  <a:lumMod val="75000"/>
-                  <a:lumOff val="25000"/>
-                </a:schemeClr>
-              </a:solidFill>
-            </a:endParaRPr>
-          </a:p>
-          <a:p>
-            <a:r>
-              <a:rPr lang="en-US" altLang="zh-CN" dirty="0">
-                <a:solidFill>
-                  <a:schemeClr val="tx1">
-                    <a:lumMod val="75000"/>
-                    <a:lumOff val="25000"/>
-                  </a:schemeClr>
-                </a:solidFill>
-              </a:rPr>
-              <a:t>3.ANR:</a:t>
-            </a:r>
-            <a:r>
-              <a:rPr lang="zh-CN" altLang="zh-CN" dirty="0">
-                <a:solidFill>
-                  <a:schemeClr val="tx1">
-                    <a:lumMod val="75000"/>
-                    <a:lumOff val="25000"/>
-                  </a:schemeClr>
-                </a:solidFill>
-              </a:rPr>
-              <a:t>如果在</a:t>
-            </a:r>
-            <a:r>
-              <a:rPr lang="en-US" altLang="zh-CN" dirty="0">
-                <a:solidFill>
-                  <a:schemeClr val="tx1">
-                    <a:lumMod val="75000"/>
-                    <a:lumOff val="25000"/>
-                  </a:schemeClr>
-                </a:solidFill>
-              </a:rPr>
-              <a:t>5s</a:t>
-            </a:r>
-            <a:r>
-              <a:rPr lang="zh-CN" altLang="zh-CN" dirty="0">
-                <a:solidFill>
-                  <a:schemeClr val="tx1">
-                    <a:lumMod val="75000"/>
-                    <a:lumOff val="25000"/>
-                  </a:schemeClr>
-                </a:solidFill>
-              </a:rPr>
-              <a:t>内没收到</a:t>
-            </a:r>
-            <a:r>
-              <a:rPr lang="en-US" altLang="zh-CN" dirty="0">
-                <a:solidFill>
-                  <a:schemeClr val="tx1">
-                    <a:lumMod val="75000"/>
-                    <a:lumOff val="25000"/>
-                  </a:schemeClr>
-                </a:solidFill>
-              </a:rPr>
-              <a:t>finish</a:t>
-            </a:r>
-            <a:r>
-              <a:rPr lang="zh-CN" altLang="zh-CN" dirty="0">
-                <a:solidFill>
-                  <a:schemeClr val="tx1">
-                    <a:lumMod val="75000"/>
-                    <a:lumOff val="25000"/>
-                  </a:schemeClr>
-                </a:solidFill>
-              </a:rPr>
-              <a:t>消息，则</a:t>
-            </a:r>
-            <a:r>
-              <a:rPr lang="en-US" altLang="zh-CN" dirty="0" err="1">
-                <a:solidFill>
-                  <a:schemeClr val="tx1">
-                    <a:lumMod val="75000"/>
-                    <a:lumOff val="25000"/>
-                  </a:schemeClr>
-                </a:solidFill>
-              </a:rPr>
-              <a:t>InputDispatcher</a:t>
-            </a:r>
-            <a:r>
-              <a:rPr lang="zh-CN" altLang="zh-CN" dirty="0">
-                <a:solidFill>
-                  <a:schemeClr val="tx1">
-                    <a:lumMod val="75000"/>
-                    <a:lumOff val="25000"/>
-                  </a:schemeClr>
-                </a:solidFill>
-              </a:rPr>
-              <a:t>发送</a:t>
-            </a:r>
-            <a:r>
-              <a:rPr lang="en-US" altLang="zh-CN" dirty="0">
-                <a:solidFill>
-                  <a:schemeClr val="tx1">
-                    <a:lumMod val="75000"/>
-                    <a:lumOff val="25000"/>
-                  </a:schemeClr>
-                </a:solidFill>
-              </a:rPr>
-              <a:t>ANR</a:t>
-            </a:r>
-            <a:r>
-              <a:rPr lang="zh-CN" altLang="zh-CN" dirty="0">
-                <a:solidFill>
-                  <a:schemeClr val="tx1">
-                    <a:lumMod val="75000"/>
-                    <a:lumOff val="25000"/>
-                  </a:schemeClr>
-                </a:solidFill>
-              </a:rPr>
-              <a:t>通知</a:t>
-            </a:r>
-            <a:endParaRPr lang="zh-CN" altLang="en-US" dirty="0">
-              <a:solidFill>
-                <a:schemeClr val="tx1">
-                  <a:lumMod val="75000"/>
-                  <a:lumOff val="25000"/>
-                </a:schemeClr>
-              </a:solidFill>
-            </a:endParaRPr>
-          </a:p>
-        </p:txBody>
-      </p:sp>
-      <p:sp>
-        <p:nvSpPr>
-          <p:cNvPr id="4" name="矩形 3"/>
-          <p:cNvSpPr/>
-          <p:nvPr/>
-        </p:nvSpPr>
-        <p:spPr>
-          <a:xfrm>
-            <a:off x="4954085" y="3244334"/>
-            <a:ext cx="184731" cy="369332"/>
-          </a:xfrm>
-          <a:prstGeom prst="rect">
-            <a:avLst/>
-          </a:prstGeom>
-        </p:spPr>
-        <p:txBody>
-          <a:bodyPr wrap="none">
-            <a:spAutoFit/>
-          </a:bodyPr>
-          <a:lstStyle/>
-          <a:p>
-            <a:endParaRPr lang="zh-CN" altLang="en-US" dirty="0"/>
-          </a:p>
-        </p:txBody>
-      </p:sp>
-      <p:sp>
-        <p:nvSpPr>
-          <p:cNvPr id="6" name="Content Placeholder 2"/>
-          <p:cNvSpPr txBox="1">
-            <a:spLocks/>
-          </p:cNvSpPr>
-          <p:nvPr/>
-        </p:nvSpPr>
-        <p:spPr>
-          <a:xfrm>
-            <a:off x="677334" y="1457287"/>
-            <a:ext cx="3752426" cy="782676"/>
-          </a:xfrm>
-          <a:prstGeom prst="rect">
-            <a:avLst/>
-          </a:prstGeom>
-        </p:spPr>
-        <p:txBody>
-          <a:bodyPr vert="horz" lIns="91440" tIns="45720" rIns="91440" bIns="45720" rtlCol="0">
-            <a:normAutofit/>
-          </a:bodyPr>
-          <a:lstStyle>
-            <a:lvl1pPr marL="342900" indent="-342900" algn="l" defTabSz="457200" rtl="0" eaLnBrk="1" latinLnBrk="0" hangingPunct="1">
-              <a:spcBef>
-                <a:spcPts val="1000"/>
-              </a:spcBef>
-              <a:spcAft>
-                <a:spcPts val="0"/>
-              </a:spcAft>
-              <a:buClr>
-                <a:schemeClr val="accent1"/>
-              </a:buClr>
-              <a:buSzPct val="80000"/>
-              <a:buFont typeface="Wingdings 3" charset="2"/>
-              <a:buChar char=""/>
-              <a:defRPr sz="1800" kern="1200">
-                <a:solidFill>
-                  <a:schemeClr val="tx1">
-                    <a:lumMod val="75000"/>
-                    <a:lumOff val="25000"/>
-                  </a:schemeClr>
-                </a:solidFill>
-                <a:latin typeface="+mn-lt"/>
-                <a:ea typeface="+mn-ea"/>
-                <a:cs typeface="+mn-cs"/>
-              </a:defRPr>
-            </a:lvl1pPr>
-            <a:lvl2pPr marL="742950" indent="-285750" algn="l" defTabSz="457200" rtl="0" eaLnBrk="1" latinLnBrk="0" hangingPunct="1">
-              <a:spcBef>
-                <a:spcPts val="1000"/>
-              </a:spcBef>
-              <a:spcAft>
-                <a:spcPts val="0"/>
-              </a:spcAft>
-              <a:buClr>
-                <a:schemeClr val="accent1"/>
-              </a:buClr>
-              <a:buSzPct val="80000"/>
-              <a:buFont typeface="Wingdings 3" charset="2"/>
-              <a:buChar char=""/>
-              <a:defRPr sz="1600" kern="1200">
-                <a:solidFill>
-                  <a:schemeClr val="tx1">
-                    <a:lumMod val="75000"/>
-                    <a:lumOff val="25000"/>
-                  </a:schemeClr>
-                </a:solidFill>
-                <a:latin typeface="+mn-lt"/>
-                <a:ea typeface="+mn-ea"/>
-                <a:cs typeface="+mn-cs"/>
-              </a:defRPr>
-            </a:lvl2pPr>
-            <a:lvl3pPr marL="1143000" indent="-228600" algn="l" defTabSz="457200" rtl="0" eaLnBrk="1" latinLnBrk="0" hangingPunct="1">
-              <a:spcBef>
-                <a:spcPts val="1000"/>
-              </a:spcBef>
-              <a:spcAft>
-                <a:spcPts val="0"/>
-              </a:spcAft>
-              <a:buClr>
-                <a:schemeClr val="accent1"/>
-              </a:buClr>
-              <a:buSzPct val="80000"/>
-              <a:buFont typeface="Wingdings 3" charset="2"/>
-              <a:buChar char=""/>
-              <a:defRPr sz="1400" kern="1200">
-                <a:solidFill>
-                  <a:schemeClr val="tx1">
-                    <a:lumMod val="75000"/>
-                    <a:lumOff val="25000"/>
-                  </a:schemeClr>
-                </a:solidFill>
-                <a:latin typeface="+mn-lt"/>
-                <a:ea typeface="+mn-ea"/>
-                <a:cs typeface="+mn-cs"/>
-              </a:defRPr>
-            </a:lvl3pPr>
-            <a:lvl4pPr marL="1600200" indent="-228600" algn="l" defTabSz="457200" rtl="0" eaLnBrk="1" latinLnBrk="0" hangingPunct="1">
-              <a:spcBef>
-                <a:spcPts val="1000"/>
-              </a:spcBef>
-              <a:spcAft>
-                <a:spcPts val="0"/>
-              </a:spcAft>
-              <a:buClr>
-                <a:schemeClr val="accent1"/>
-              </a:buClr>
-              <a:buSzPct val="80000"/>
-              <a:buFont typeface="Wingdings 3" charset="2"/>
-              <a:buChar char=""/>
-              <a:defRPr sz="1200" kern="1200">
-                <a:solidFill>
-                  <a:schemeClr val="tx1">
-                    <a:lumMod val="75000"/>
-                    <a:lumOff val="25000"/>
-                  </a:schemeClr>
-                </a:solidFill>
-                <a:latin typeface="+mn-lt"/>
-                <a:ea typeface="+mn-ea"/>
-                <a:cs typeface="+mn-cs"/>
-              </a:defRPr>
-            </a:lvl4pPr>
-            <a:lvl5pPr marL="2057400" indent="-228600" algn="l" defTabSz="457200" rtl="0" eaLnBrk="1" latinLnBrk="0" hangingPunct="1">
-              <a:spcBef>
-                <a:spcPts val="1000"/>
-              </a:spcBef>
-              <a:spcAft>
-                <a:spcPts val="0"/>
-              </a:spcAft>
-              <a:buClr>
-                <a:schemeClr val="accent1"/>
-              </a:buClr>
-              <a:buSzPct val="80000"/>
-              <a:buFont typeface="Wingdings 3" charset="2"/>
-              <a:buChar char=""/>
-              <a:defRPr sz="1200" kern="1200">
-                <a:solidFill>
-                  <a:schemeClr val="tx1">
-                    <a:lumMod val="75000"/>
-                    <a:lumOff val="25000"/>
-                  </a:schemeClr>
-                </a:solidFill>
-                <a:latin typeface="+mn-lt"/>
-                <a:ea typeface="+mn-ea"/>
-                <a:cs typeface="+mn-cs"/>
-              </a:defRPr>
-            </a:lvl5pPr>
-            <a:lvl6pPr marL="2514600" indent="-228600" algn="l" defTabSz="457200" rtl="0" eaLnBrk="1" latinLnBrk="0" hangingPunct="1">
-              <a:spcBef>
-                <a:spcPts val="1000"/>
-              </a:spcBef>
-              <a:spcAft>
-                <a:spcPts val="0"/>
-              </a:spcAft>
-              <a:buClr>
-                <a:schemeClr val="accent1"/>
-              </a:buClr>
-              <a:buSzPct val="80000"/>
-              <a:buFont typeface="Wingdings 3" charset="2"/>
-              <a:buChar char=""/>
-              <a:defRPr sz="1200" kern="1200">
-                <a:solidFill>
-                  <a:schemeClr val="tx1">
-                    <a:lumMod val="75000"/>
-                    <a:lumOff val="25000"/>
-                  </a:schemeClr>
-                </a:solidFill>
-                <a:latin typeface="+mn-lt"/>
-                <a:ea typeface="+mn-ea"/>
-                <a:cs typeface="+mn-cs"/>
-              </a:defRPr>
-            </a:lvl6pPr>
-            <a:lvl7pPr marL="2971800" indent="-228600" algn="l" defTabSz="457200" rtl="0" eaLnBrk="1" latinLnBrk="0" hangingPunct="1">
-              <a:spcBef>
-                <a:spcPts val="1000"/>
-              </a:spcBef>
-              <a:spcAft>
-                <a:spcPts val="0"/>
-              </a:spcAft>
-              <a:buClr>
-                <a:schemeClr val="accent1"/>
-              </a:buClr>
-              <a:buSzPct val="80000"/>
-              <a:buFont typeface="Wingdings 3" charset="2"/>
-              <a:buChar char=""/>
-              <a:defRPr sz="1200" kern="1200">
-                <a:solidFill>
-                  <a:schemeClr val="tx1">
-                    <a:lumMod val="75000"/>
-                    <a:lumOff val="25000"/>
-                  </a:schemeClr>
-                </a:solidFill>
-                <a:latin typeface="+mn-lt"/>
-                <a:ea typeface="+mn-ea"/>
-                <a:cs typeface="+mn-cs"/>
-              </a:defRPr>
-            </a:lvl7pPr>
-            <a:lvl8pPr marL="3429000" indent="-228600" algn="l" defTabSz="457200" rtl="0" eaLnBrk="1" latinLnBrk="0" hangingPunct="1">
-              <a:spcBef>
-                <a:spcPts val="1000"/>
-              </a:spcBef>
-              <a:spcAft>
-                <a:spcPts val="0"/>
-              </a:spcAft>
-              <a:buClr>
-                <a:schemeClr val="accent1"/>
-              </a:buClr>
-              <a:buSzPct val="80000"/>
-              <a:buFont typeface="Wingdings 3" charset="2"/>
-              <a:buChar char=""/>
-              <a:defRPr sz="1200" kern="1200">
-                <a:solidFill>
-                  <a:schemeClr val="tx1">
-                    <a:lumMod val="75000"/>
-                    <a:lumOff val="25000"/>
-                  </a:schemeClr>
-                </a:solidFill>
-                <a:latin typeface="+mn-lt"/>
-                <a:ea typeface="+mn-ea"/>
-                <a:cs typeface="+mn-cs"/>
-              </a:defRPr>
-            </a:lvl8pPr>
-            <a:lvl9pPr marL="3886200" indent="-228600" algn="l" defTabSz="457200" rtl="0" eaLnBrk="1" latinLnBrk="0" hangingPunct="1">
-              <a:spcBef>
-                <a:spcPts val="1000"/>
-              </a:spcBef>
-              <a:spcAft>
-                <a:spcPts val="0"/>
-              </a:spcAft>
-              <a:buClr>
-                <a:schemeClr val="accent1"/>
-              </a:buClr>
-              <a:buSzPct val="80000"/>
-              <a:buFont typeface="Wingdings 3" charset="2"/>
-              <a:buChar char=""/>
-              <a:defRPr sz="1200" kern="1200">
-                <a:solidFill>
-                  <a:schemeClr val="tx1">
-                    <a:lumMod val="75000"/>
-                    <a:lumOff val="25000"/>
-                  </a:schemeClr>
-                </a:solidFill>
-                <a:latin typeface="+mn-lt"/>
-                <a:ea typeface="+mn-ea"/>
-                <a:cs typeface="+mn-cs"/>
-              </a:defRPr>
-            </a:lvl9pPr>
-          </a:lstStyle>
-          <a:p>
-            <a:r>
-              <a:rPr lang="en-US" altLang="zh-CN" dirty="0" err="1" smtClean="0"/>
-              <a:t>KeyDispatchTimeout</a:t>
-            </a:r>
-            <a:endParaRPr lang="zh-CN" altLang="en-US" dirty="0"/>
-          </a:p>
-        </p:txBody>
-      </p:sp>
-      <p:pic>
-        <p:nvPicPr>
-          <p:cNvPr id="7" name="图片 6"/>
-          <p:cNvPicPr>
-            <a:picLocks noChangeAspect="1"/>
-          </p:cNvPicPr>
-          <p:nvPr/>
-        </p:nvPicPr>
-        <p:blipFill>
-          <a:blip r:embed="rId2"/>
-          <a:stretch>
-            <a:fillRect/>
-          </a:stretch>
-        </p:blipFill>
-        <p:spPr>
-          <a:xfrm>
-            <a:off x="1037272" y="1848625"/>
-            <a:ext cx="7496175" cy="3000375"/>
-          </a:xfrm>
-          <a:prstGeom prst="rect">
-            <a:avLst/>
-          </a:prstGeom>
-        </p:spPr>
-      </p:pic>
-    </p:spTree>
-    <p:extLst>
-      <p:ext uri="{BB962C8B-B14F-4D97-AF65-F5344CB8AC3E}">
-        <p14:creationId xmlns:p14="http://schemas.microsoft.com/office/powerpoint/2010/main" val="935440008"/>
-      </p:ext>
-    </p:extLst>
-  </p:cSld>
-  <p:clrMapOvr>
-    <a:masterClrMapping/>
-  </p:clrMapOvr>
-  <p:timing>
-    <p:tnLst>
-      <p:par>
-        <p:cTn id="1" dur="indefinite" restart="never" nodeType="tmRoot"/>
-      </p:par>
-    </p:tnLst>
-  </p:timing>
-</p:sld>
-</file>
-
 <file path=ppt/theme/theme1.xml><?xml version="1.0" encoding="utf-8"?>
 <a:theme xmlns:a="http://schemas.openxmlformats.org/drawingml/2006/main" name="平面">
   <a:themeElements>
@@ -11278,7 +11345,7 @@
     </a:clrScheme>
     <a:fontScheme name="平面">
       <a:majorFont>
-        <a:latin typeface="Trebuchet MS" panose="020B0603020202020204"/>
+        <a:latin typeface="Trebuchet MS"/>
         <a:ea typeface=""/>
         <a:cs typeface=""/>
         <a:font script="Jpan" typeface="メイリオ"/>
@@ -11313,7 +11380,7 @@
         <a:font script="Geor" typeface="Sylfaen"/>
       </a:majorFont>
       <a:minorFont>
-        <a:latin typeface="Trebuchet MS" panose="020B0603020202020204"/>
+        <a:latin typeface="Trebuchet MS"/>
         <a:ea typeface=""/>
         <a:cs typeface=""/>
         <a:font script="Jpan" typeface="メイリオ"/>
@@ -11482,11 +11549,268 @@
       </a:bgFillStyleLst>
     </a:fmtScheme>
   </a:themeElements>
-  <a:objectDefaults/>
-  <a:extraClrSchemeLst/>
   <a:extLst>
     <a:ext uri="{05A4C25C-085E-4340-85A3-A5531E510DB2}">
-      <thm15:themeFamily xmlns:thm15="http://schemas.microsoft.com/office/thememl/2012/main" name="Facet" id="{C0C680CD-088A-49FC-A102-D699147F32B2}" vid="{0B5AB586-D108-4FC1-8368-649FE654B894}"/>
+      <thm15:themeFamily xmlns:thm15="http://schemas.microsoft.com/office/thememl/2012/main" name="Office Theme" id="{62F939B6-93AF-4DB8-9C6B-D6C7DFDC589F}" vid="{4A3C46E8-61CC-4603-A589-7422A47A8E4A}"/>
+    </a:ext>
+  </a:extLst>
+</a:theme>
+</file>
+
+<file path=ppt/theme/theme2.xml><?xml version="1.0" encoding="utf-8"?>
+<a:theme xmlns:a="http://schemas.openxmlformats.org/drawingml/2006/main" name="Office 主题">
+  <a:themeElements>
+    <a:clrScheme name="Office">
+      <a:dk1>
+        <a:sysClr val="windowText" lastClr="000000"/>
+      </a:dk1>
+      <a:lt1>
+        <a:sysClr val="window" lastClr="FFFFFF"/>
+      </a:lt1>
+      <a:dk2>
+        <a:srgbClr val="44546A"/>
+      </a:dk2>
+      <a:lt2>
+        <a:srgbClr val="E7E6E6"/>
+      </a:lt2>
+      <a:accent1>
+        <a:srgbClr val="5B9BD5"/>
+      </a:accent1>
+      <a:accent2>
+        <a:srgbClr val="ED7D31"/>
+      </a:accent2>
+      <a:accent3>
+        <a:srgbClr val="A5A5A5"/>
+      </a:accent3>
+      <a:accent4>
+        <a:srgbClr val="FFC000"/>
+      </a:accent4>
+      <a:accent5>
+        <a:srgbClr val="4472C4"/>
+      </a:accent5>
+      <a:accent6>
+        <a:srgbClr val="70AD47"/>
+      </a:accent6>
+      <a:hlink>
+        <a:srgbClr val="0563C1"/>
+      </a:hlink>
+      <a:folHlink>
+        <a:srgbClr val="954F72"/>
+      </a:folHlink>
+    </a:clrScheme>
+    <a:fontScheme name="Office">
+      <a:majorFont>
+        <a:latin typeface="Calibri Light"/>
+        <a:ea typeface=""/>
+        <a:cs typeface=""/>
+        <a:font script="Jpan" typeface="ＭＳ Ｐゴシック"/>
+        <a:font script="Hang" typeface="맑은 고딕"/>
+        <a:font script="Hans" typeface="宋体"/>
+        <a:font script="Hant" typeface="新細明體"/>
+        <a:font script="Arab" typeface="Times New Roman"/>
+        <a:font script="Hebr" typeface="Times New Roman"/>
+        <a:font script="Thai" typeface="Angsana New"/>
+        <a:font script="Ethi" typeface="Nyala"/>
+        <a:font script="Beng" typeface="Vrinda"/>
+        <a:font script="Gujr" typeface="Shruti"/>
+        <a:font script="Khmr" typeface="MoolBoran"/>
+        <a:font script="Knda" typeface="Tunga"/>
+        <a:font script="Guru" typeface="Raavi"/>
+        <a:font script="Cans" typeface="Euphemia"/>
+        <a:font script="Cher" typeface="Plantagenet Cherokee"/>
+        <a:font script="Yiii" typeface="Microsoft Yi Baiti"/>
+        <a:font script="Tibt" typeface="Microsoft Himalaya"/>
+        <a:font script="Thaa" typeface="MV Boli"/>
+        <a:font script="Deva" typeface="Mangal"/>
+        <a:font script="Telu" typeface="Gautami"/>
+        <a:font script="Taml" typeface="Latha"/>
+        <a:font script="Syrc" typeface="Estrangelo Edessa"/>
+        <a:font script="Orya" typeface="Kalinga"/>
+        <a:font script="Mlym" typeface="Kartika"/>
+        <a:font script="Laoo" typeface="DokChampa"/>
+        <a:font script="Sinh" typeface="Iskoola Pota"/>
+        <a:font script="Mong" typeface="Mongolian Baiti"/>
+        <a:font script="Viet" typeface="Times New Roman"/>
+        <a:font script="Uigh" typeface="Microsoft Uighur"/>
+        <a:font script="Geor" typeface="Sylfaen"/>
+      </a:majorFont>
+      <a:minorFont>
+        <a:latin typeface="Calibri"/>
+        <a:ea typeface=""/>
+        <a:cs typeface=""/>
+        <a:font script="Jpan" typeface="ＭＳ Ｐゴシック"/>
+        <a:font script="Hang" typeface="맑은 고딕"/>
+        <a:font script="Hans" typeface="宋体"/>
+        <a:font script="Hant" typeface="新細明體"/>
+        <a:font script="Arab" typeface="Arial"/>
+        <a:font script="Hebr" typeface="Arial"/>
+        <a:font script="Thai" typeface="Cordia New"/>
+        <a:font script="Ethi" typeface="Nyala"/>
+        <a:font script="Beng" typeface="Vrinda"/>
+        <a:font script="Gujr" typeface="Shruti"/>
+        <a:font script="Khmr" typeface="DaunPenh"/>
+        <a:font script="Knda" typeface="Tunga"/>
+        <a:font script="Guru" typeface="Raavi"/>
+        <a:font script="Cans" typeface="Euphemia"/>
+        <a:font script="Cher" typeface="Plantagenet Cherokee"/>
+        <a:font script="Yiii" typeface="Microsoft Yi Baiti"/>
+        <a:font script="Tibt" typeface="Microsoft Himalaya"/>
+        <a:font script="Thaa" typeface="MV Boli"/>
+        <a:font script="Deva" typeface="Mangal"/>
+        <a:font script="Telu" typeface="Gautami"/>
+        <a:font script="Taml" typeface="Latha"/>
+        <a:font script="Syrc" typeface="Estrangelo Edessa"/>
+        <a:font script="Orya" typeface="Kalinga"/>
+        <a:font script="Mlym" typeface="Kartika"/>
+        <a:font script="Laoo" typeface="DokChampa"/>
+        <a:font script="Sinh" typeface="Iskoola Pota"/>
+        <a:font script="Mong" typeface="Mongolian Baiti"/>
+        <a:font script="Viet" typeface="Arial"/>
+        <a:font script="Uigh" typeface="Microsoft Uighur"/>
+        <a:font script="Geor" typeface="Sylfaen"/>
+      </a:minorFont>
+    </a:fontScheme>
+    <a:fmtScheme name="Office">
+      <a:fillStyleLst>
+        <a:solidFill>
+          <a:schemeClr val="phClr"/>
+        </a:solidFill>
+        <a:gradFill rotWithShape="1">
+          <a:gsLst>
+            <a:gs pos="0">
+              <a:schemeClr val="phClr">
+                <a:lumMod val="110000"/>
+                <a:satMod val="105000"/>
+                <a:tint val="67000"/>
+              </a:schemeClr>
+            </a:gs>
+            <a:gs pos="50000">
+              <a:schemeClr val="phClr">
+                <a:lumMod val="105000"/>
+                <a:satMod val="103000"/>
+                <a:tint val="73000"/>
+              </a:schemeClr>
+            </a:gs>
+            <a:gs pos="100000">
+              <a:schemeClr val="phClr">
+                <a:lumMod val="105000"/>
+                <a:satMod val="109000"/>
+                <a:tint val="81000"/>
+              </a:schemeClr>
+            </a:gs>
+          </a:gsLst>
+          <a:lin ang="5400000" scaled="0"/>
+        </a:gradFill>
+        <a:gradFill rotWithShape="1">
+          <a:gsLst>
+            <a:gs pos="0">
+              <a:schemeClr val="phClr">
+                <a:satMod val="103000"/>
+                <a:lumMod val="102000"/>
+                <a:tint val="94000"/>
+              </a:schemeClr>
+            </a:gs>
+            <a:gs pos="50000">
+              <a:schemeClr val="phClr">
+                <a:satMod val="110000"/>
+                <a:lumMod val="100000"/>
+                <a:shade val="100000"/>
+              </a:schemeClr>
+            </a:gs>
+            <a:gs pos="100000">
+              <a:schemeClr val="phClr">
+                <a:lumMod val="99000"/>
+                <a:satMod val="120000"/>
+                <a:shade val="78000"/>
+              </a:schemeClr>
+            </a:gs>
+          </a:gsLst>
+          <a:lin ang="5400000" scaled="0"/>
+        </a:gradFill>
+      </a:fillStyleLst>
+      <a:lnStyleLst>
+        <a:ln w="6350" cap="flat" cmpd="sng" algn="ctr">
+          <a:solidFill>
+            <a:schemeClr val="phClr"/>
+          </a:solidFill>
+          <a:prstDash val="solid"/>
+          <a:miter lim="800000"/>
+        </a:ln>
+        <a:ln w="12700" cap="flat" cmpd="sng" algn="ctr">
+          <a:solidFill>
+            <a:schemeClr val="phClr"/>
+          </a:solidFill>
+          <a:prstDash val="solid"/>
+          <a:miter lim="800000"/>
+        </a:ln>
+        <a:ln w="19050" cap="flat" cmpd="sng" algn="ctr">
+          <a:solidFill>
+            <a:schemeClr val="phClr"/>
+          </a:solidFill>
+          <a:prstDash val="solid"/>
+          <a:miter lim="800000"/>
+        </a:ln>
+      </a:lnStyleLst>
+      <a:effectStyleLst>
+        <a:effectStyle>
+          <a:effectLst/>
+        </a:effectStyle>
+        <a:effectStyle>
+          <a:effectLst/>
+        </a:effectStyle>
+        <a:effectStyle>
+          <a:effectLst>
+            <a:outerShdw blurRad="57150" dist="19050" dir="5400000" algn="ctr" rotWithShape="0">
+              <a:srgbClr val="000000">
+                <a:alpha val="63000"/>
+              </a:srgbClr>
+            </a:outerShdw>
+          </a:effectLst>
+        </a:effectStyle>
+      </a:effectStyleLst>
+      <a:bgFillStyleLst>
+        <a:solidFill>
+          <a:schemeClr val="phClr"/>
+        </a:solidFill>
+        <a:solidFill>
+          <a:schemeClr val="phClr">
+            <a:tint val="95000"/>
+            <a:satMod val="170000"/>
+          </a:schemeClr>
+        </a:solidFill>
+        <a:gradFill rotWithShape="1">
+          <a:gsLst>
+            <a:gs pos="0">
+              <a:schemeClr val="phClr">
+                <a:tint val="93000"/>
+                <a:satMod val="150000"/>
+                <a:shade val="98000"/>
+                <a:lumMod val="102000"/>
+              </a:schemeClr>
+            </a:gs>
+            <a:gs pos="50000">
+              <a:schemeClr val="phClr">
+                <a:tint val="98000"/>
+                <a:satMod val="130000"/>
+                <a:shade val="90000"/>
+                <a:lumMod val="103000"/>
+              </a:schemeClr>
+            </a:gs>
+            <a:gs pos="100000">
+              <a:schemeClr val="phClr">
+                <a:shade val="63000"/>
+                <a:satMod val="120000"/>
+              </a:schemeClr>
+            </a:gs>
+          </a:gsLst>
+          <a:lin ang="5400000" scaled="0"/>
+        </a:gradFill>
+      </a:bgFillStyleLst>
+    </a:fmtScheme>
+  </a:themeElements>
+  <a:extLst>
+    <a:ext uri="{05A4C25C-085E-4340-85A3-A5531E510DB2}">
+      <thm15:themeFamily xmlns:thm15="http://schemas.microsoft.com/office/thememl/2012/main" name="Office Theme" id="{62F939B6-93AF-4DB8-9C6B-D6C7DFDC589F}" vid="{4A3C46E8-61CC-4603-A589-7422A47A8E4A}"/>
     </a:ext>
   </a:extLst>
 </a:theme>

--- a/debug/ANR原理简介.pptx
+++ b/debug/ANR原理简介.pptx
@@ -5,28 +5,29 @@
     <p:sldMasterId id="2147483648" r:id="rId1"/>
   </p:sldMasterIdLst>
   <p:notesMasterIdLst>
-    <p:notesMasterId r:id="rId5"/>
+    <p:notesMasterId r:id="rId22"/>
   </p:notesMasterIdLst>
   <p:sldIdLst>
-    <p:sldId id="256" r:id="rId3"/>
-    <p:sldId id="257" r:id="rId4"/>
-    <p:sldId id="270" r:id="rId6"/>
-    <p:sldId id="289" r:id="rId7"/>
-    <p:sldId id="290" r:id="rId8"/>
-    <p:sldId id="278" r:id="rId9"/>
-    <p:sldId id="262" r:id="rId10"/>
-    <p:sldId id="258" r:id="rId11"/>
-    <p:sldId id="277" r:id="rId12"/>
-    <p:sldId id="259" r:id="rId13"/>
-    <p:sldId id="260" r:id="rId14"/>
-    <p:sldId id="261" r:id="rId15"/>
-    <p:sldId id="291" r:id="rId16"/>
-    <p:sldId id="292" r:id="rId17"/>
-    <p:sldId id="271" r:id="rId18"/>
-    <p:sldId id="265" r:id="rId19"/>
-    <p:sldId id="268" r:id="rId20"/>
-    <p:sldId id="263" r:id="rId21"/>
-    <p:sldId id="275" r:id="rId22"/>
+    <p:sldId id="256" r:id="rId2"/>
+    <p:sldId id="257" r:id="rId3"/>
+    <p:sldId id="270" r:id="rId4"/>
+    <p:sldId id="289" r:id="rId5"/>
+    <p:sldId id="290" r:id="rId6"/>
+    <p:sldId id="278" r:id="rId7"/>
+    <p:sldId id="262" r:id="rId8"/>
+    <p:sldId id="258" r:id="rId9"/>
+    <p:sldId id="277" r:id="rId10"/>
+    <p:sldId id="259" r:id="rId11"/>
+    <p:sldId id="260" r:id="rId12"/>
+    <p:sldId id="261" r:id="rId13"/>
+    <p:sldId id="291" r:id="rId14"/>
+    <p:sldId id="292" r:id="rId15"/>
+    <p:sldId id="271" r:id="rId16"/>
+    <p:sldId id="265" r:id="rId17"/>
+    <p:sldId id="268" r:id="rId18"/>
+    <p:sldId id="263" r:id="rId19"/>
+    <p:sldId id="294" r:id="rId20"/>
+    <p:sldId id="275" r:id="rId21"/>
   </p:sldIdLst>
   <p:sldSz cx="12192000" cy="6858000"/>
   <p:notesSz cx="6858000" cy="9144000"/>
@@ -125,6 +126,11 @@
       </a:defRPr>
     </a:lvl9pPr>
   </p:defaultTextStyle>
+  <p:extLst>
+    <p:ext uri="{EFAFB233-063F-42B5-8137-9DF3F51BA10A}">
+      <p15:sldGuideLst xmlns:p15="http://schemas.microsoft.com/office/powerpoint/2012/main"/>
+    </p:ext>
+  </p:extLst>
 </p:presentation>
 </file>
 
@@ -210,6 +216,7 @@
           <a:p>
             <a:fld id="{D2A48B96-639E-45A3-A0BA-2464DFDB1FAA}" type="datetimeFigureOut">
               <a:rPr lang="zh-CN" altLang="en-US" smtClean="0"/>
+              <a:t>2018/9/28</a:t>
             </a:fld>
             <a:endParaRPr lang="zh-CN" altLang="en-US"/>
           </a:p>
@@ -276,7 +283,6 @@
               <a:rPr lang="zh-CN" altLang="en-US" smtClean="0"/>
               <a:t>单击此处编辑母版文本样式</a:t>
             </a:r>
-            <a:endParaRPr lang="zh-CN" altLang="en-US" smtClean="0"/>
           </a:p>
           <a:p>
             <a:pPr lvl="1"/>
@@ -284,7 +290,6 @@
               <a:rPr lang="zh-CN" altLang="en-US" smtClean="0"/>
               <a:t>第二级</a:t>
             </a:r>
-            <a:endParaRPr lang="zh-CN" altLang="en-US" smtClean="0"/>
           </a:p>
           <a:p>
             <a:pPr lvl="2"/>
@@ -292,7 +297,6 @@
               <a:rPr lang="zh-CN" altLang="en-US" smtClean="0"/>
               <a:t>第三级</a:t>
             </a:r>
-            <a:endParaRPr lang="zh-CN" altLang="en-US" smtClean="0"/>
           </a:p>
           <a:p>
             <a:pPr lvl="3"/>
@@ -300,7 +304,6 @@
               <a:rPr lang="zh-CN" altLang="en-US" smtClean="0"/>
               <a:t>第四级</a:t>
             </a:r>
-            <a:endParaRPr lang="zh-CN" altLang="en-US" smtClean="0"/>
           </a:p>
           <a:p>
             <a:pPr lvl="4"/>
@@ -372,12 +375,18 @@
           <a:p>
             <a:fld id="{A6837353-30EB-4A48-80EB-173D804AEFBD}" type="slidenum">
               <a:rPr lang="zh-CN" altLang="en-US" smtClean="0"/>
+              <a:t>‹#›</a:t>
             </a:fld>
             <a:endParaRPr lang="zh-CN" altLang="en-US"/>
           </a:p>
         </p:txBody>
       </p:sp>
     </p:spTree>
+    <p:extLst>
+      <p:ext uri="{BB962C8B-B14F-4D97-AF65-F5344CB8AC3E}">
+        <p14:creationId xmlns:p14="http://schemas.microsoft.com/office/powerpoint/2010/main" val="1066879943"/>
+      </p:ext>
+    </p:extLst>
   </p:cSld>
   <p:clrMap bg1="lt1" tx1="dk1" bg2="lt2" tx2="dk2" accent1="accent1" accent2="accent2" accent3="accent3" accent4="accent4" accent5="accent5" accent6="accent6" hlink="hlink" folHlink="folHlink"/>
   <p:notesStyle>
@@ -484,11 +493,20 @@
         <p:cNvGrpSpPr/>
         <p:nvPr/>
       </p:nvGrpSpPr>
-      <p:grpSpPr/>
+      <p:grpSpPr>
+        <a:xfrm>
+          <a:off x="0" y="0"/>
+          <a:ext cx="0" cy="0"/>
+          <a:chOff x="0" y="0"/>
+          <a:chExt cx="0" cy="0"/>
+        </a:xfrm>
+      </p:grpSpPr>
       <p:sp>
         <p:nvSpPr>
           <p:cNvPr id="2" name="幻灯片图像占位符 1"/>
-          <p:cNvSpPr/>
+          <p:cNvSpPr>
+            <a:spLocks noGrp="1" noRot="1" noChangeAspect="1"/>
+          </p:cNvSpPr>
           <p:nvPr>
             <p:ph type="sldImg" idx="2"/>
           </p:nvPr>
@@ -498,7 +516,9 @@
       <p:sp>
         <p:nvSpPr>
           <p:cNvPr id="3" name="文本占位符 2"/>
-          <p:cNvSpPr/>
+          <p:cNvSpPr>
+            <a:spLocks noGrp="1"/>
+          </p:cNvSpPr>
           <p:nvPr>
             <p:ph type="body" idx="3"/>
           </p:nvPr>
@@ -506,12 +526,18 @@
         <p:spPr/>
         <p:txBody>
           <a:bodyPr/>
+          <a:lstStyle/>
           <a:p>
             <a:endParaRPr lang="zh-CN" altLang="en-US"/>
           </a:p>
         </p:txBody>
       </p:sp>
     </p:spTree>
+    <p:extLst>
+      <p:ext uri="{BB962C8B-B14F-4D97-AF65-F5344CB8AC3E}">
+        <p14:creationId xmlns:p14="http://schemas.microsoft.com/office/powerpoint/2010/main" val="3552249984"/>
+      </p:ext>
+    </p:extLst>
   </p:cSld>
   <p:clrMapOvr>
     <a:masterClrMapping/>
@@ -520,7 +546,7 @@
 </file>
 
 <file path=ppt/slideLayouts/slideLayout1.xml><?xml version="1.0" encoding="utf-8"?>
-<p:sldLayout xmlns:a="http://schemas.openxmlformats.org/drawingml/2006/main" xmlns:r="http://schemas.openxmlformats.org/officeDocument/2006/relationships" xmlns:p="http://schemas.openxmlformats.org/presentationml/2006/main" type="title" preserve="1" showMasterSp="0">
+<p:sldLayout xmlns:a="http://schemas.openxmlformats.org/drawingml/2006/main" xmlns:r="http://schemas.openxmlformats.org/officeDocument/2006/relationships" xmlns:p="http://schemas.openxmlformats.org/presentationml/2006/main" showMasterSp="0" type="title" preserve="1">
   <p:cSld name="标题幻灯片">
     <p:spTree>
       <p:nvGrpSpPr>
@@ -1264,6 +1290,7 @@
           <a:p>
             <a:fld id="{B61BEF0D-F0BB-DE4B-95CE-6DB70DBA9567}" type="datetimeFigureOut">
               <a:rPr lang="en-US" smtClean="0"/>
+              <a:t>9/28/2018</a:t>
             </a:fld>
             <a:endParaRPr lang="en-US" dirty="0"/>
           </a:p>
@@ -1305,6 +1332,7 @@
           <a:p>
             <a:fld id="{D57F1E4F-1CFF-5643-939E-217C01CDF565}" type="slidenum">
               <a:rPr lang="en-US" smtClean="0"/>
+              <a:t>‹#›</a:t>
             </a:fld>
             <a:endParaRPr lang="en-US" dirty="0"/>
           </a:p>
@@ -1488,7 +1516,6 @@
               <a:rPr lang="zh-CN" altLang="en-US" smtClean="0"/>
               <a:t>单击此处编辑母版文本样式</a:t>
             </a:r>
-            <a:endParaRPr lang="zh-CN" altLang="en-US" smtClean="0"/>
           </a:p>
         </p:txBody>
       </p:sp>
@@ -1509,6 +1536,7 @@
           <a:p>
             <a:fld id="{B61BEF0D-F0BB-DE4B-95CE-6DB70DBA9567}" type="datetimeFigureOut">
               <a:rPr lang="en-US" smtClean="0"/>
+              <a:t>9/28/2018</a:t>
             </a:fld>
             <a:endParaRPr lang="en-US" dirty="0"/>
           </a:p>
@@ -1550,6 +1578,7 @@
           <a:p>
             <a:fld id="{D57F1E4F-1CFF-5643-939E-217C01CDF565}" type="slidenum">
               <a:rPr lang="en-US" smtClean="0"/>
+              <a:t>‹#›</a:t>
             </a:fld>
             <a:endParaRPr lang="en-US" dirty="0"/>
           </a:p>
@@ -1674,7 +1703,6 @@
               <a:rPr lang="zh-CN" altLang="en-US" smtClean="0"/>
               <a:t>单击此处编辑母版文本样式</a:t>
             </a:r>
-            <a:endParaRPr lang="zh-CN" altLang="en-US" smtClean="0"/>
           </a:p>
         </p:txBody>
       </p:sp>
@@ -1797,7 +1825,6 @@
               <a:rPr lang="zh-CN" altLang="en-US" smtClean="0"/>
               <a:t>单击此处编辑母版文本样式</a:t>
             </a:r>
-            <a:endParaRPr lang="zh-CN" altLang="en-US" smtClean="0"/>
           </a:p>
         </p:txBody>
       </p:sp>
@@ -1818,6 +1845,7 @@
           <a:p>
             <a:fld id="{B61BEF0D-F0BB-DE4B-95CE-6DB70DBA9567}" type="datetimeFigureOut">
               <a:rPr lang="en-US" smtClean="0"/>
+              <a:t>9/28/2018</a:t>
             </a:fld>
             <a:endParaRPr lang="en-US" dirty="0"/>
           </a:p>
@@ -1859,6 +1887,7 @@
           <a:p>
             <a:fld id="{D57F1E4F-1CFF-5643-939E-217C01CDF565}" type="slidenum">
               <a:rPr lang="en-US" smtClean="0"/>
+              <a:t>‹#›</a:t>
             </a:fld>
             <a:endParaRPr lang="en-US" dirty="0"/>
           </a:p>
@@ -1902,19 +1931,6 @@
               </a:rPr>
               <a:t>“</a:t>
             </a:r>
-            <a:endParaRPr lang="en-US" sz="8000" baseline="0" dirty="0">
-              <a:ln w="3175" cmpd="sng">
-                <a:noFill/>
-              </a:ln>
-              <a:solidFill>
-                <a:schemeClr val="accent1">
-                  <a:lumMod val="60000"/>
-                  <a:lumOff val="40000"/>
-                </a:schemeClr>
-              </a:solidFill>
-              <a:effectLst/>
-              <a:latin typeface="Arial" panose="020B0604020202020204"/>
-            </a:endParaRPr>
           </a:p>
         </p:txBody>
       </p:sp>
@@ -1956,19 +1972,6 @@
               </a:rPr>
               <a:t>”</a:t>
             </a:r>
-            <a:endParaRPr lang="en-US" sz="8000" baseline="0" dirty="0">
-              <a:ln w="3175" cmpd="sng">
-                <a:noFill/>
-              </a:ln>
-              <a:solidFill>
-                <a:schemeClr val="accent1">
-                  <a:lumMod val="60000"/>
-                  <a:lumOff val="40000"/>
-                </a:schemeClr>
-              </a:solidFill>
-              <a:effectLst/>
-              <a:latin typeface="Arial" panose="020B0604020202020204"/>
-            </a:endParaRPr>
           </a:p>
         </p:txBody>
       </p:sp>
@@ -2150,7 +2153,6 @@
               <a:rPr lang="zh-CN" altLang="en-US" smtClean="0"/>
               <a:t>单击此处编辑母版文本样式</a:t>
             </a:r>
-            <a:endParaRPr lang="zh-CN" altLang="en-US" smtClean="0"/>
           </a:p>
         </p:txBody>
       </p:sp>
@@ -2171,6 +2173,7 @@
           <a:p>
             <a:fld id="{B61BEF0D-F0BB-DE4B-95CE-6DB70DBA9567}" type="datetimeFigureOut">
               <a:rPr lang="en-US" smtClean="0"/>
+              <a:t>9/28/2018</a:t>
             </a:fld>
             <a:endParaRPr lang="en-US" dirty="0"/>
           </a:p>
@@ -2212,6 +2215,7 @@
           <a:p>
             <a:fld id="{D57F1E4F-1CFF-5643-939E-217C01CDF565}" type="slidenum">
               <a:rPr lang="en-US" smtClean="0"/>
+              <a:t>‹#›</a:t>
             </a:fld>
             <a:endParaRPr lang="en-US" dirty="0"/>
           </a:p>
@@ -2336,7 +2340,6 @@
               <a:rPr lang="zh-CN" altLang="en-US" smtClean="0"/>
               <a:t>单击此处编辑母版文本样式</a:t>
             </a:r>
-            <a:endParaRPr lang="zh-CN" altLang="en-US" smtClean="0"/>
           </a:p>
         </p:txBody>
       </p:sp>
@@ -2459,7 +2462,6 @@
               <a:rPr lang="zh-CN" altLang="en-US" smtClean="0"/>
               <a:t>单击此处编辑母版文本样式</a:t>
             </a:r>
-            <a:endParaRPr lang="zh-CN" altLang="en-US" smtClean="0"/>
           </a:p>
         </p:txBody>
       </p:sp>
@@ -2480,6 +2482,7 @@
           <a:p>
             <a:fld id="{B61BEF0D-F0BB-DE4B-95CE-6DB70DBA9567}" type="datetimeFigureOut">
               <a:rPr lang="en-US" smtClean="0"/>
+              <a:t>9/28/2018</a:t>
             </a:fld>
             <a:endParaRPr lang="en-US" dirty="0"/>
           </a:p>
@@ -2521,6 +2524,7 @@
           <a:p>
             <a:fld id="{D57F1E4F-1CFF-5643-939E-217C01CDF565}" type="slidenum">
               <a:rPr lang="en-US" smtClean="0"/>
+              <a:t>‹#›</a:t>
             </a:fld>
             <a:endParaRPr lang="en-US" dirty="0"/>
           </a:p>
@@ -2564,19 +2568,6 @@
               </a:rPr>
               <a:t>“</a:t>
             </a:r>
-            <a:endParaRPr lang="en-US" sz="8000" baseline="0" dirty="0">
-              <a:ln w="3175" cmpd="sng">
-                <a:noFill/>
-              </a:ln>
-              <a:solidFill>
-                <a:schemeClr val="accent1">
-                  <a:lumMod val="60000"/>
-                  <a:lumOff val="40000"/>
-                </a:schemeClr>
-              </a:solidFill>
-              <a:effectLst/>
-              <a:latin typeface="Arial" panose="020B0604020202020204"/>
-            </a:endParaRPr>
           </a:p>
         </p:txBody>
       </p:sp>
@@ -2618,19 +2609,6 @@
               </a:rPr>
               <a:t>”</a:t>
             </a:r>
-            <a:endParaRPr lang="en-US" sz="8000" baseline="0" dirty="0">
-              <a:ln w="3175" cmpd="sng">
-                <a:noFill/>
-              </a:ln>
-              <a:solidFill>
-                <a:schemeClr val="accent1">
-                  <a:lumMod val="60000"/>
-                  <a:lumOff val="40000"/>
-                </a:schemeClr>
-              </a:solidFill>
-              <a:effectLst/>
-              <a:latin typeface="Arial" panose="020B0604020202020204"/>
-            </a:endParaRPr>
           </a:p>
         </p:txBody>
       </p:sp>
@@ -2750,7 +2728,6 @@
               <a:rPr lang="zh-CN" altLang="en-US" smtClean="0"/>
               <a:t>单击此处编辑母版文本样式</a:t>
             </a:r>
-            <a:endParaRPr lang="zh-CN" altLang="en-US" smtClean="0"/>
           </a:p>
         </p:txBody>
       </p:sp>
@@ -2873,7 +2850,6 @@
               <a:rPr lang="zh-CN" altLang="en-US" smtClean="0"/>
               <a:t>单击此处编辑母版文本样式</a:t>
             </a:r>
-            <a:endParaRPr lang="zh-CN" altLang="en-US" smtClean="0"/>
           </a:p>
         </p:txBody>
       </p:sp>
@@ -2894,6 +2870,7 @@
           <a:p>
             <a:fld id="{B61BEF0D-F0BB-DE4B-95CE-6DB70DBA9567}" type="datetimeFigureOut">
               <a:rPr lang="en-US" smtClean="0"/>
+              <a:t>9/28/2018</a:t>
             </a:fld>
             <a:endParaRPr lang="en-US" dirty="0"/>
           </a:p>
@@ -2935,6 +2912,7 @@
           <a:p>
             <a:fld id="{D57F1E4F-1CFF-5643-939E-217C01CDF565}" type="slidenum">
               <a:rPr lang="en-US" smtClean="0"/>
+              <a:t>‹#›</a:t>
             </a:fld>
             <a:endParaRPr lang="en-US" dirty="0"/>
           </a:p>
@@ -3008,7 +2986,6 @@
               <a:rPr lang="zh-CN" altLang="en-US" smtClean="0"/>
               <a:t>单击此处编辑母版文本样式</a:t>
             </a:r>
-            <a:endParaRPr lang="zh-CN" altLang="en-US" smtClean="0"/>
           </a:p>
           <a:p>
             <a:pPr lvl="1"/>
@@ -3016,7 +2993,6 @@
               <a:rPr lang="zh-CN" altLang="en-US" smtClean="0"/>
               <a:t>第二级</a:t>
             </a:r>
-            <a:endParaRPr lang="zh-CN" altLang="en-US" smtClean="0"/>
           </a:p>
           <a:p>
             <a:pPr lvl="2"/>
@@ -3024,7 +3000,6 @@
               <a:rPr lang="zh-CN" altLang="en-US" smtClean="0"/>
               <a:t>第三级</a:t>
             </a:r>
-            <a:endParaRPr lang="zh-CN" altLang="en-US" smtClean="0"/>
           </a:p>
           <a:p>
             <a:pPr lvl="3"/>
@@ -3032,7 +3007,6 @@
               <a:rPr lang="zh-CN" altLang="en-US" smtClean="0"/>
               <a:t>第四级</a:t>
             </a:r>
-            <a:endParaRPr lang="zh-CN" altLang="en-US" smtClean="0"/>
           </a:p>
           <a:p>
             <a:pPr lvl="4"/>
@@ -3061,6 +3035,7 @@
           <a:p>
             <a:fld id="{B61BEF0D-F0BB-DE4B-95CE-6DB70DBA9567}" type="datetimeFigureOut">
               <a:rPr lang="en-US" smtClean="0"/>
+              <a:t>9/28/2018</a:t>
             </a:fld>
             <a:endParaRPr lang="en-US" dirty="0"/>
           </a:p>
@@ -3102,6 +3077,7 @@
           <a:p>
             <a:fld id="{D57F1E4F-1CFF-5643-939E-217C01CDF565}" type="slidenum">
               <a:rPr lang="en-US" smtClean="0"/>
+              <a:t>‹#›</a:t>
             </a:fld>
             <a:endParaRPr lang="en-US" dirty="0"/>
           </a:p>
@@ -3185,7 +3161,6 @@
               <a:rPr lang="zh-CN" altLang="en-US" smtClean="0"/>
               <a:t>单击此处编辑母版文本样式</a:t>
             </a:r>
-            <a:endParaRPr lang="zh-CN" altLang="en-US" smtClean="0"/>
           </a:p>
           <a:p>
             <a:pPr lvl="1"/>
@@ -3193,7 +3168,6 @@
               <a:rPr lang="zh-CN" altLang="en-US" smtClean="0"/>
               <a:t>第二级</a:t>
             </a:r>
-            <a:endParaRPr lang="zh-CN" altLang="en-US" smtClean="0"/>
           </a:p>
           <a:p>
             <a:pPr lvl="2"/>
@@ -3201,7 +3175,6 @@
               <a:rPr lang="zh-CN" altLang="en-US" smtClean="0"/>
               <a:t>第三级</a:t>
             </a:r>
-            <a:endParaRPr lang="zh-CN" altLang="en-US" smtClean="0"/>
           </a:p>
           <a:p>
             <a:pPr lvl="3"/>
@@ -3209,7 +3182,6 @@
               <a:rPr lang="zh-CN" altLang="en-US" smtClean="0"/>
               <a:t>第四级</a:t>
             </a:r>
-            <a:endParaRPr lang="zh-CN" altLang="en-US" smtClean="0"/>
           </a:p>
           <a:p>
             <a:pPr lvl="4"/>
@@ -3238,6 +3210,7 @@
           <a:p>
             <a:fld id="{B61BEF0D-F0BB-DE4B-95CE-6DB70DBA9567}" type="datetimeFigureOut">
               <a:rPr lang="en-US" smtClean="0"/>
+              <a:t>9/28/2018</a:t>
             </a:fld>
             <a:endParaRPr lang="en-US" dirty="0"/>
           </a:p>
@@ -3279,6 +3252,7 @@
           <a:p>
             <a:fld id="{D57F1E4F-1CFF-5643-939E-217C01CDF565}" type="slidenum">
               <a:rPr lang="en-US" smtClean="0"/>
+              <a:t>‹#›</a:t>
             </a:fld>
             <a:endParaRPr lang="en-US" dirty="0"/>
           </a:p>
@@ -3352,7 +3326,6 @@
               <a:rPr lang="zh-CN" altLang="en-US" smtClean="0"/>
               <a:t>单击此处编辑母版文本样式</a:t>
             </a:r>
-            <a:endParaRPr lang="zh-CN" altLang="en-US" smtClean="0"/>
           </a:p>
           <a:p>
             <a:pPr lvl="1"/>
@@ -3360,7 +3333,6 @@
               <a:rPr lang="zh-CN" altLang="en-US" smtClean="0"/>
               <a:t>第二级</a:t>
             </a:r>
-            <a:endParaRPr lang="zh-CN" altLang="en-US" smtClean="0"/>
           </a:p>
           <a:p>
             <a:pPr lvl="2"/>
@@ -3368,7 +3340,6 @@
               <a:rPr lang="zh-CN" altLang="en-US" smtClean="0"/>
               <a:t>第三级</a:t>
             </a:r>
-            <a:endParaRPr lang="zh-CN" altLang="en-US" smtClean="0"/>
           </a:p>
           <a:p>
             <a:pPr lvl="3"/>
@@ -3376,7 +3347,6 @@
               <a:rPr lang="zh-CN" altLang="en-US" smtClean="0"/>
               <a:t>第四级</a:t>
             </a:r>
-            <a:endParaRPr lang="zh-CN" altLang="en-US" smtClean="0"/>
           </a:p>
           <a:p>
             <a:pPr lvl="4"/>
@@ -3405,6 +3375,7 @@
           <a:p>
             <a:fld id="{B61BEF0D-F0BB-DE4B-95CE-6DB70DBA9567}" type="datetimeFigureOut">
               <a:rPr lang="en-US" smtClean="0"/>
+              <a:t>9/28/2018</a:t>
             </a:fld>
             <a:endParaRPr lang="en-US" dirty="0"/>
           </a:p>
@@ -3446,6 +3417,7 @@
           <a:p>
             <a:fld id="{D57F1E4F-1CFF-5643-939E-217C01CDF565}" type="slidenum">
               <a:rPr lang="en-US" smtClean="0"/>
+              <a:t>‹#›</a:t>
             </a:fld>
             <a:endParaRPr lang="en-US" dirty="0"/>
           </a:p>
@@ -3625,7 +3597,6 @@
               <a:rPr lang="zh-CN" altLang="en-US" smtClean="0"/>
               <a:t>单击此处编辑母版文本样式</a:t>
             </a:r>
-            <a:endParaRPr lang="zh-CN" altLang="en-US" smtClean="0"/>
           </a:p>
         </p:txBody>
       </p:sp>
@@ -3646,6 +3617,7 @@
           <a:p>
             <a:fld id="{B61BEF0D-F0BB-DE4B-95CE-6DB70DBA9567}" type="datetimeFigureOut">
               <a:rPr lang="en-US" smtClean="0"/>
+              <a:t>9/28/2018</a:t>
             </a:fld>
             <a:endParaRPr lang="en-US" dirty="0"/>
           </a:p>
@@ -3687,6 +3659,7 @@
           <a:p>
             <a:fld id="{D57F1E4F-1CFF-5643-939E-217C01CDF565}" type="slidenum">
               <a:rPr lang="en-US" smtClean="0"/>
+              <a:t>‹#›</a:t>
             </a:fld>
             <a:endParaRPr lang="en-US" dirty="0"/>
           </a:p>
@@ -3765,7 +3738,6 @@
               <a:rPr lang="zh-CN" altLang="en-US" smtClean="0"/>
               <a:t>单击此处编辑母版文本样式</a:t>
             </a:r>
-            <a:endParaRPr lang="zh-CN" altLang="en-US" smtClean="0"/>
           </a:p>
           <a:p>
             <a:pPr lvl="1"/>
@@ -3773,7 +3745,6 @@
               <a:rPr lang="zh-CN" altLang="en-US" smtClean="0"/>
               <a:t>第二级</a:t>
             </a:r>
-            <a:endParaRPr lang="zh-CN" altLang="en-US" smtClean="0"/>
           </a:p>
           <a:p>
             <a:pPr lvl="2"/>
@@ -3781,7 +3752,6 @@
               <a:rPr lang="zh-CN" altLang="en-US" smtClean="0"/>
               <a:t>第三级</a:t>
             </a:r>
-            <a:endParaRPr lang="zh-CN" altLang="en-US" smtClean="0"/>
           </a:p>
           <a:p>
             <a:pPr lvl="3"/>
@@ -3789,7 +3759,6 @@
               <a:rPr lang="zh-CN" altLang="en-US" smtClean="0"/>
               <a:t>第四级</a:t>
             </a:r>
-            <a:endParaRPr lang="zh-CN" altLang="en-US" smtClean="0"/>
           </a:p>
           <a:p>
             <a:pPr lvl="4"/>
@@ -3826,7 +3795,6 @@
               <a:rPr lang="zh-CN" altLang="en-US" smtClean="0"/>
               <a:t>单击此处编辑母版文本样式</a:t>
             </a:r>
-            <a:endParaRPr lang="zh-CN" altLang="en-US" smtClean="0"/>
           </a:p>
           <a:p>
             <a:pPr lvl="1"/>
@@ -3834,7 +3802,6 @@
               <a:rPr lang="zh-CN" altLang="en-US" smtClean="0"/>
               <a:t>第二级</a:t>
             </a:r>
-            <a:endParaRPr lang="zh-CN" altLang="en-US" smtClean="0"/>
           </a:p>
           <a:p>
             <a:pPr lvl="2"/>
@@ -3842,7 +3809,6 @@
               <a:rPr lang="zh-CN" altLang="en-US" smtClean="0"/>
               <a:t>第三级</a:t>
             </a:r>
-            <a:endParaRPr lang="zh-CN" altLang="en-US" smtClean="0"/>
           </a:p>
           <a:p>
             <a:pPr lvl="3"/>
@@ -3850,7 +3816,6 @@
               <a:rPr lang="zh-CN" altLang="en-US" smtClean="0"/>
               <a:t>第四级</a:t>
             </a:r>
-            <a:endParaRPr lang="zh-CN" altLang="en-US" smtClean="0"/>
           </a:p>
           <a:p>
             <a:pPr lvl="4"/>
@@ -3879,6 +3844,7 @@
           <a:p>
             <a:fld id="{B61BEF0D-F0BB-DE4B-95CE-6DB70DBA9567}" type="datetimeFigureOut">
               <a:rPr lang="en-US" smtClean="0"/>
+              <a:t>9/28/2018</a:t>
             </a:fld>
             <a:endParaRPr lang="en-US" dirty="0"/>
           </a:p>
@@ -3920,6 +3886,7 @@
           <a:p>
             <a:fld id="{D57F1E4F-1CFF-5643-939E-217C01CDF565}" type="slidenum">
               <a:rPr lang="en-US" smtClean="0"/>
+              <a:t>‹#›</a:t>
             </a:fld>
             <a:endParaRPr lang="en-US" dirty="0"/>
           </a:p>
@@ -4041,7 +4008,6 @@
               <a:rPr lang="zh-CN" altLang="en-US" smtClean="0"/>
               <a:t>单击此处编辑母版文本样式</a:t>
             </a:r>
-            <a:endParaRPr lang="zh-CN" altLang="en-US" smtClean="0"/>
           </a:p>
         </p:txBody>
       </p:sp>
@@ -4072,7 +4038,6 @@
               <a:rPr lang="zh-CN" altLang="en-US" smtClean="0"/>
               <a:t>单击此处编辑母版文本样式</a:t>
             </a:r>
-            <a:endParaRPr lang="zh-CN" altLang="en-US" smtClean="0"/>
           </a:p>
           <a:p>
             <a:pPr lvl="1"/>
@@ -4080,7 +4045,6 @@
               <a:rPr lang="zh-CN" altLang="en-US" smtClean="0"/>
               <a:t>第二级</a:t>
             </a:r>
-            <a:endParaRPr lang="zh-CN" altLang="en-US" smtClean="0"/>
           </a:p>
           <a:p>
             <a:pPr lvl="2"/>
@@ -4088,7 +4052,6 @@
               <a:rPr lang="zh-CN" altLang="en-US" smtClean="0"/>
               <a:t>第三级</a:t>
             </a:r>
-            <a:endParaRPr lang="zh-CN" altLang="en-US" smtClean="0"/>
           </a:p>
           <a:p>
             <a:pPr lvl="3"/>
@@ -4096,7 +4059,6 @@
               <a:rPr lang="zh-CN" altLang="en-US" smtClean="0"/>
               <a:t>第四级</a:t>
             </a:r>
-            <a:endParaRPr lang="zh-CN" altLang="en-US" smtClean="0"/>
           </a:p>
           <a:p>
             <a:pPr lvl="4"/>
@@ -4172,7 +4134,6 @@
               <a:rPr lang="zh-CN" altLang="en-US" smtClean="0"/>
               <a:t>单击此处编辑母版文本样式</a:t>
             </a:r>
-            <a:endParaRPr lang="zh-CN" altLang="en-US" smtClean="0"/>
           </a:p>
         </p:txBody>
       </p:sp>
@@ -4203,7 +4164,6 @@
               <a:rPr lang="zh-CN" altLang="en-US" smtClean="0"/>
               <a:t>单击此处编辑母版文本样式</a:t>
             </a:r>
-            <a:endParaRPr lang="zh-CN" altLang="en-US" smtClean="0"/>
           </a:p>
           <a:p>
             <a:pPr lvl="1"/>
@@ -4211,7 +4171,6 @@
               <a:rPr lang="zh-CN" altLang="en-US" smtClean="0"/>
               <a:t>第二级</a:t>
             </a:r>
-            <a:endParaRPr lang="zh-CN" altLang="en-US" smtClean="0"/>
           </a:p>
           <a:p>
             <a:pPr lvl="2"/>
@@ -4219,7 +4178,6 @@
               <a:rPr lang="zh-CN" altLang="en-US" smtClean="0"/>
               <a:t>第三级</a:t>
             </a:r>
-            <a:endParaRPr lang="zh-CN" altLang="en-US" smtClean="0"/>
           </a:p>
           <a:p>
             <a:pPr lvl="3"/>
@@ -4227,7 +4185,6 @@
               <a:rPr lang="zh-CN" altLang="en-US" smtClean="0"/>
               <a:t>第四级</a:t>
             </a:r>
-            <a:endParaRPr lang="zh-CN" altLang="en-US" smtClean="0"/>
           </a:p>
           <a:p>
             <a:pPr lvl="4"/>
@@ -4256,6 +4213,7 @@
           <a:p>
             <a:fld id="{B61BEF0D-F0BB-DE4B-95CE-6DB70DBA9567}" type="datetimeFigureOut">
               <a:rPr lang="en-US" smtClean="0"/>
+              <a:t>9/28/2018</a:t>
             </a:fld>
             <a:endParaRPr lang="en-US" dirty="0"/>
           </a:p>
@@ -4297,6 +4255,7 @@
           <a:p>
             <a:fld id="{D57F1E4F-1CFF-5643-939E-217C01CDF565}" type="slidenum">
               <a:rPr lang="en-US" smtClean="0"/>
+              <a:t>‹#›</a:t>
             </a:fld>
             <a:endParaRPr lang="en-US" dirty="0"/>
           </a:p>
@@ -4372,6 +4331,7 @@
           <a:p>
             <a:fld id="{B61BEF0D-F0BB-DE4B-95CE-6DB70DBA9567}" type="datetimeFigureOut">
               <a:rPr lang="en-US" smtClean="0"/>
+              <a:t>9/28/2018</a:t>
             </a:fld>
             <a:endParaRPr lang="en-US" dirty="0"/>
           </a:p>
@@ -4413,6 +4373,7 @@
           <a:p>
             <a:fld id="{D57F1E4F-1CFF-5643-939E-217C01CDF565}" type="slidenum">
               <a:rPr lang="en-US" smtClean="0"/>
+              <a:t>‹#›</a:t>
             </a:fld>
             <a:endParaRPr lang="en-US" dirty="0"/>
           </a:p>
@@ -4460,6 +4421,7 @@
           <a:p>
             <a:fld id="{B61BEF0D-F0BB-DE4B-95CE-6DB70DBA9567}" type="datetimeFigureOut">
               <a:rPr lang="en-US" smtClean="0"/>
+              <a:t>9/28/2018</a:t>
             </a:fld>
             <a:endParaRPr lang="en-US" dirty="0"/>
           </a:p>
@@ -4501,6 +4463,7 @@
           <a:p>
             <a:fld id="{D57F1E4F-1CFF-5643-939E-217C01CDF565}" type="slidenum">
               <a:rPr lang="en-US" smtClean="0"/>
+              <a:t>‹#›</a:t>
             </a:fld>
             <a:endParaRPr lang="en-US" dirty="0"/>
           </a:p>
@@ -4592,7 +4555,6 @@
               <a:rPr lang="zh-CN" altLang="en-US" smtClean="0"/>
               <a:t>单击此处编辑母版文本样式</a:t>
             </a:r>
-            <a:endParaRPr lang="zh-CN" altLang="en-US" smtClean="0"/>
           </a:p>
           <a:p>
             <a:pPr lvl="1"/>
@@ -4600,7 +4562,6 @@
               <a:rPr lang="zh-CN" altLang="en-US" smtClean="0"/>
               <a:t>第二级</a:t>
             </a:r>
-            <a:endParaRPr lang="zh-CN" altLang="en-US" smtClean="0"/>
           </a:p>
           <a:p>
             <a:pPr lvl="2"/>
@@ -4608,7 +4569,6 @@
               <a:rPr lang="zh-CN" altLang="en-US" smtClean="0"/>
               <a:t>第三级</a:t>
             </a:r>
-            <a:endParaRPr lang="zh-CN" altLang="en-US" smtClean="0"/>
           </a:p>
           <a:p>
             <a:pPr lvl="3"/>
@@ -4616,7 +4576,6 @@
               <a:rPr lang="zh-CN" altLang="en-US" smtClean="0"/>
               <a:t>第四级</a:t>
             </a:r>
-            <a:endParaRPr lang="zh-CN" altLang="en-US" smtClean="0"/>
           </a:p>
           <a:p>
             <a:pPr lvl="4"/>
@@ -4692,7 +4651,6 @@
               <a:rPr lang="zh-CN" altLang="en-US" smtClean="0"/>
               <a:t>单击此处编辑母版文本样式</a:t>
             </a:r>
-            <a:endParaRPr lang="zh-CN" altLang="en-US" smtClean="0"/>
           </a:p>
         </p:txBody>
       </p:sp>
@@ -4713,6 +4671,7 @@
           <a:p>
             <a:fld id="{B61BEF0D-F0BB-DE4B-95CE-6DB70DBA9567}" type="datetimeFigureOut">
               <a:rPr lang="en-US" smtClean="0"/>
+              <a:t>9/28/2018</a:t>
             </a:fld>
             <a:endParaRPr lang="en-US" dirty="0"/>
           </a:p>
@@ -4754,6 +4713,7 @@
           <a:p>
             <a:fld id="{D57F1E4F-1CFF-5643-939E-217C01CDF565}" type="slidenum">
               <a:rPr lang="en-US" smtClean="0"/>
+              <a:t>‹#›</a:t>
             </a:fld>
             <a:endParaRPr lang="en-US" dirty="0"/>
           </a:p>
@@ -4949,7 +4909,6 @@
               <a:rPr lang="zh-CN" altLang="en-US" smtClean="0"/>
               <a:t>单击此处编辑母版文本样式</a:t>
             </a:r>
-            <a:endParaRPr lang="zh-CN" altLang="en-US" smtClean="0"/>
           </a:p>
         </p:txBody>
       </p:sp>
@@ -4989,6 +4948,7 @@
           <a:p>
             <a:fld id="{D57F1E4F-1CFF-5643-939E-217C01CDF565}" type="slidenum">
               <a:rPr lang="en-US" smtClean="0"/>
+              <a:t>‹#›</a:t>
             </a:fld>
             <a:endParaRPr lang="en-US" dirty="0"/>
           </a:p>
@@ -5011,6 +4971,7 @@
           <a:p>
             <a:fld id="{B61BEF0D-F0BB-DE4B-95CE-6DB70DBA9567}" type="datetimeFigureOut">
               <a:rPr lang="en-US" smtClean="0"/>
+              <a:t>9/28/2018</a:t>
             </a:fld>
             <a:endParaRPr lang="en-US" dirty="0"/>
           </a:p>
@@ -5640,7 +5601,6 @@
               <a:rPr lang="zh-CN" altLang="en-US" smtClean="0"/>
               <a:t>单击此处编辑母版文本样式</a:t>
             </a:r>
-            <a:endParaRPr lang="zh-CN" altLang="en-US" smtClean="0"/>
           </a:p>
           <a:p>
             <a:pPr lvl="1"/>
@@ -5648,7 +5608,6 @@
               <a:rPr lang="zh-CN" altLang="en-US" smtClean="0"/>
               <a:t>第二级</a:t>
             </a:r>
-            <a:endParaRPr lang="zh-CN" altLang="en-US" smtClean="0"/>
           </a:p>
           <a:p>
             <a:pPr lvl="2"/>
@@ -5656,7 +5615,6 @@
               <a:rPr lang="zh-CN" altLang="en-US" smtClean="0"/>
               <a:t>第三级</a:t>
             </a:r>
-            <a:endParaRPr lang="zh-CN" altLang="en-US" smtClean="0"/>
           </a:p>
           <a:p>
             <a:pPr lvl="3"/>
@@ -5664,7 +5622,6 @@
               <a:rPr lang="zh-CN" altLang="en-US" smtClean="0"/>
               <a:t>第四级</a:t>
             </a:r>
-            <a:endParaRPr lang="zh-CN" altLang="en-US" smtClean="0"/>
           </a:p>
           <a:p>
             <a:pPr lvl="4"/>
@@ -5711,6 +5668,7 @@
           <a:p>
             <a:fld id="{B61BEF0D-F0BB-DE4B-95CE-6DB70DBA9567}" type="datetimeFigureOut">
               <a:rPr lang="en-US" smtClean="0"/>
+              <a:t>9/28/2018</a:t>
             </a:fld>
             <a:endParaRPr lang="en-US" dirty="0"/>
           </a:p>
@@ -5786,6 +5744,7 @@
           <a:p>
             <a:fld id="{D57F1E4F-1CFF-5643-939E-217C01CDF565}" type="slidenum">
               <a:rPr lang="en-US" smtClean="0"/>
+              <a:t>‹#›</a:t>
             </a:fld>
             <a:endParaRPr lang="en-US" dirty="0"/>
           </a:p>
@@ -6375,7 +6334,7 @@
           <p:nvPr/>
         </p:nvPicPr>
         <p:blipFill>
-          <a:blip r:embed="rId1">
+          <a:blip r:embed="rId2">
             <a:extLst>
               <a:ext uri="{28A0092B-C50C-407E-A947-70E740481C1C}">
                 <a14:useLocalDpi xmlns:a14="http://schemas.microsoft.com/office/drawing/2010/main" val="0"/>
@@ -6543,7 +6502,7 @@
           <p:nvPr/>
         </p:nvPicPr>
         <p:blipFill>
-          <a:blip r:embed="rId1"/>
+          <a:blip r:embed="rId2"/>
           <a:stretch>
             <a:fillRect/>
           </a:stretch>
@@ -6565,7 +6524,7 @@
           <p:nvPr/>
         </p:nvPicPr>
         <p:blipFill>
-          <a:blip r:embed="rId2"/>
+          <a:blip r:embed="rId3"/>
           <a:stretch>
             <a:fillRect/>
           </a:stretch>
@@ -6688,7 +6647,7 @@
           <p:nvPr/>
         </p:nvPicPr>
         <p:blipFill>
-          <a:blip r:embed="rId1"/>
+          <a:blip r:embed="rId2"/>
           <a:stretch>
             <a:fillRect/>
           </a:stretch>
@@ -6712,7 +6671,7 @@
           <p:nvPr/>
         </p:nvPicPr>
         <p:blipFill>
-          <a:blip r:embed="rId2"/>
+          <a:blip r:embed="rId3"/>
           <a:stretch>
             <a:fillRect/>
           </a:stretch>
@@ -6732,11 +6691,11 @@
   <p:clrMapOvr>
     <a:masterClrMapping/>
   </p:clrMapOvr>
-  <mc:AlternateContent xmlns:mc="http://schemas.openxmlformats.org/markup-compatibility/2006">
-    <mc:Choice xmlns:p14="http://schemas.microsoft.com/office/powerpoint/2010/main" Requires="p14">
+  <mc:AlternateContent xmlns:mc="http://schemas.openxmlformats.org/markup-compatibility/2006" xmlns:p14="http://schemas.microsoft.com/office/powerpoint/2010/main">
+    <mc:Choice Requires="p14">
       <p:transition spd="slow" p14:dur="2000" advTm="8373"/>
     </mc:Choice>
-    <mc:Fallback>
+    <mc:Fallback xmlns="">
       <p:transition spd="slow" advTm="8373"/>
     </mc:Fallback>
   </mc:AlternateContent>
@@ -6923,7 +6882,6 @@
               <a:rPr lang="en-US" altLang="zh-CN" dirty="0" smtClean="0"/>
               <a:t>3</a:t>
             </a:r>
-            <a:endParaRPr lang="en-US" altLang="zh-CN" dirty="0" smtClean="0"/>
           </a:p>
         </p:txBody>
       </p:sp>
@@ -6968,7 +6926,7 @@
           <p:nvPr/>
         </p:nvPicPr>
         <p:blipFill>
-          <a:blip r:embed="rId1"/>
+          <a:blip r:embed="rId2"/>
           <a:stretch>
             <a:fillRect/>
           </a:stretch>
@@ -7042,7 +7000,6 @@
               <a:rPr lang="en-US" altLang="zh-CN" dirty="0" smtClean="0"/>
               <a:t>4</a:t>
             </a:r>
-            <a:endParaRPr lang="en-US" altLang="zh-CN" dirty="0" smtClean="0"/>
           </a:p>
         </p:txBody>
       </p:sp>
@@ -7104,6 +7061,7 @@
           <a:bodyPr wrap="none" rtlCol="0">
             <a:spAutoFit/>
           </a:bodyPr>
+          <a:lstStyle/>
           <a:p>
             <a:r>
               <a:rPr lang="zh-CN" altLang="en-US"/>
@@ -7137,9 +7095,6 @@
               </a:rPr>
               <a:t>anr</a:t>
             </a:r>
-            <a:endParaRPr lang="en-US" altLang="zh-CN">
-              <a:ea typeface="宋体" panose="02010600030101010101" pitchFamily="2" charset="-122"/>
-            </a:endParaRPr>
           </a:p>
         </p:txBody>
       </p:sp>
@@ -7152,7 +7107,7 @@
           <p:nvPr/>
         </p:nvPicPr>
         <p:blipFill>
-          <a:blip r:embed="rId1"/>
+          <a:blip r:embed="rId2"/>
           <a:stretch>
             <a:fillRect/>
           </a:stretch>
@@ -7333,9 +7288,6 @@
                         </a:rPr>
                         <a:t>当前的事件没有机会得到处理</a:t>
                       </a:r>
-                      <a:endParaRPr lang="zh-CN" sz="1050" kern="100" dirty="0">
-                        <a:effectLst/>
-                      </a:endParaRPr>
                     </a:p>
                     <a:p>
                       <a:pPr algn="l">
@@ -7630,7 +7582,6 @@
               <a:rPr lang="zh-CN" altLang="zh-CN" sz="1200" dirty="0"/>
               <a:t>将耗时操作放在子线程中执行！！！</a:t>
             </a:r>
-            <a:endParaRPr lang="zh-CN" altLang="zh-CN" sz="1200" dirty="0"/>
           </a:p>
         </p:txBody>
       </p:sp>
@@ -8084,7 +8035,6 @@
               <a:rPr lang="zh-CN" altLang="en-US" dirty="0"/>
               <a:t>。</a:t>
             </a:r>
-            <a:endParaRPr lang="zh-CN" altLang="en-US" dirty="0"/>
           </a:p>
           <a:p>
             <a:endParaRPr lang="zh-CN" altLang="en-US" dirty="0"/>
@@ -8158,6 +8108,10 @@
               <a:rPr lang="zh-CN" altLang="en-US" dirty="0"/>
               <a:t>线程</a:t>
             </a:r>
+            <a:r>
+              <a:rPr lang="en-US" altLang="zh-CN" dirty="0"/>
+              <a:t/>
+            </a:r>
             <a:br>
               <a:rPr lang="en-US" altLang="zh-CN" dirty="0"/>
             </a:br>
@@ -8282,7 +8236,6 @@
               <a:rPr lang="en-US" altLang="zh-CN" dirty="0" smtClean="0"/>
               <a:t>)</a:t>
             </a:r>
-            <a:endParaRPr lang="en-US" altLang="zh-CN" dirty="0" smtClean="0"/>
           </a:p>
           <a:p>
             <a:r>
@@ -8705,9 +8658,6 @@
               </a:rPr>
               <a:t>小结</a:t>
             </a:r>
-            <a:endParaRPr lang="zh-CN" dirty="0">
-              <a:ea typeface="宋体" panose="02010600030101010101" pitchFamily="2" charset="-122"/>
-            </a:endParaRPr>
           </a:p>
         </p:txBody>
       </p:sp>
@@ -8734,58 +8684,100 @@
           <a:lstStyle/>
           <a:p>
             <a:r>
-              <a:rPr lang="en-US"/>
+              <a:rPr lang="en-US" dirty="0"/>
               <a:t>ANR</a:t>
             </a:r>
             <a:r>
-              <a:t>: 主线程在特定的时间内没有完成特定的事情。</a:t>
-            </a:r>
-          </a:p>
-          <a:p>
-            <a:r>
-              <a:rPr lang="zh-CN">
-                <a:ea typeface="宋体" panose="02010600030101010101" pitchFamily="2" charset="-122"/>
+              <a:rPr dirty="0"/>
+              <a:t>: </a:t>
+            </a:r>
+            <a:r>
+              <a:rPr dirty="0" err="1"/>
+              <a:t>主线程在特定的时间内没有完成特定的事情</a:t>
+            </a:r>
+            <a:r>
+              <a:rPr dirty="0" smtClean="0"/>
+              <a:t>。</a:t>
+            </a:r>
+            <a:endParaRPr lang="en-US" dirty="0" smtClean="0"/>
+          </a:p>
+          <a:p>
+            <a:r>
+              <a:rPr lang="zh-CN" dirty="0" smtClean="0"/>
+              <a:t>原理</a:t>
+            </a:r>
+            <a:r>
+              <a:rPr lang="zh-CN" dirty="0"/>
+              <a:t>：超时弹</a:t>
+            </a:r>
+            <a:r>
+              <a:rPr lang="zh-CN" dirty="0"/>
+              <a:t>窗</a:t>
+            </a:r>
+            <a:r>
+              <a:rPr lang="en-US" altLang="zh-CN" dirty="0"/>
+              <a:t>,</a:t>
+            </a:r>
+            <a:r>
+              <a:rPr lang="zh-CN" altLang="zh-CN" dirty="0"/>
+              <a:t> traces.</a:t>
+            </a:r>
+            <a:r>
+              <a:rPr lang="zh-CN" altLang="zh-CN" dirty="0" smtClean="0"/>
+              <a:t>txt</a:t>
+            </a:r>
+            <a:r>
+              <a:rPr lang="zh-CN" altLang="en-US" dirty="0"/>
+              <a:t>分析</a:t>
+            </a:r>
+            <a:r>
+              <a:rPr lang="zh-CN" altLang="zh-CN" dirty="0" smtClean="0">
+                <a:sym typeface="+mn-ea"/>
               </a:rPr>
-              <a:t>原理：超时弹窗</a:t>
-            </a:r>
+              <a:t>局限性</a:t>
+            </a:r>
+            <a:endParaRPr lang="zh-CN" dirty="0"/>
           </a:p>
           <a:p>
             <a:r>
               <a:rPr lang="zh-CN" altLang="zh-CN" dirty="0">
                 <a:sym typeface="+mn-ea"/>
               </a:rPr>
-              <a:t>预防为主，养成好的编码习惯，将耗时操作放在子线程中执行</a:t>
-            </a:r>
-            <a:endParaRPr lang="zh-CN" altLang="zh-CN" dirty="0">
-              <a:sym typeface="+mn-ea"/>
-            </a:endParaRPr>
-          </a:p>
-          <a:p>
-            <a:r>
-              <a:rPr lang="zh-CN" altLang="zh-CN" b="1" dirty="0" smtClean="0">
-                <a:latin typeface="Calibri" panose="020F0502020204030204" pitchFamily="34" charset="0"/>
-                <a:ea typeface="宋体" panose="02010600030101010101" pitchFamily="2" charset="-122"/>
-                <a:cs typeface="Times New Roman" panose="02020603050405020304" pitchFamily="18" charset="0"/>
+              <a:t>预防为主</a:t>
+            </a:r>
+            <a:r>
+              <a:rPr lang="zh-CN" altLang="zh-CN" dirty="0" smtClean="0">
+                <a:sym typeface="+mn-ea"/>
               </a:rPr>
-              <a:t>traces.txt</a:t>
+              <a:t>，</a:t>
+            </a:r>
+            <a:r>
+              <a:rPr lang="zh-CN" altLang="en-US" dirty="0" smtClean="0">
+                <a:sym typeface="+mn-ea"/>
+              </a:rPr>
+              <a:t>分清哪些是主线程</a:t>
+            </a:r>
+            <a:r>
+              <a:rPr lang="zh-CN" altLang="zh-CN" dirty="0" smtClean="0">
+                <a:sym typeface="+mn-ea"/>
+              </a:rPr>
+              <a:t>，</a:t>
             </a:r>
             <a:r>
               <a:rPr lang="zh-CN" altLang="zh-CN" dirty="0">
                 <a:sym typeface="+mn-ea"/>
               </a:rPr>
-              <a:t>局限性</a:t>
-            </a:r>
-            <a:endParaRPr lang="zh-CN" altLang="zh-CN" b="1" dirty="0" smtClean="0">
-              <a:latin typeface="Calibri" panose="020F0502020204030204" pitchFamily="34" charset="0"/>
-              <a:ea typeface="宋体" panose="02010600030101010101" pitchFamily="2" charset="-122"/>
-              <a:cs typeface="Times New Roman" panose="02020603050405020304" pitchFamily="18" charset="0"/>
+              <a:t>将耗时操作放在子线程中</a:t>
+            </a:r>
+            <a:r>
+              <a:rPr lang="zh-CN" altLang="zh-CN" dirty="0" smtClean="0">
+                <a:sym typeface="+mn-ea"/>
+              </a:rPr>
+              <a:t>执行</a:t>
+            </a:r>
+            <a:endParaRPr lang="en-US" altLang="zh-CN" dirty="0" smtClean="0">
+              <a:sym typeface="+mn-ea"/>
             </a:endParaRPr>
-          </a:p>
-          <a:p>
-            <a:pPr marL="0" indent="0">
-              <a:buNone/>
-            </a:pPr>
-            <a:endParaRPr lang="en-US" altLang="zh-CN" dirty="0" smtClean="0"/>
           </a:p>
         </p:txBody>
       </p:sp>
@@ -8831,36 +8823,185 @@
             <p:ph type="title"/>
           </p:nvPr>
         </p:nvSpPr>
+        <p:spPr/>
+        <p:txBody>
+          <a:bodyPr/>
+          <a:lstStyle/>
+          <a:p>
+            <a:r>
+              <a:rPr lang="en-US" altLang="zh-CN" dirty="0"/>
+              <a:t>ANR</a:t>
+            </a:r>
+            <a:r>
+              <a:rPr lang="zh-CN" dirty="0">
+                <a:ea typeface="宋体" panose="02010600030101010101" pitchFamily="2" charset="-122"/>
+              </a:rPr>
+              <a:t>小结</a:t>
+            </a:r>
+          </a:p>
+        </p:txBody>
+      </p:sp>
+      <p:sp>
+        <p:nvSpPr>
+          <p:cNvPr id="9" name="Content Placeholder 2"/>
+          <p:cNvSpPr>
+            <a:spLocks noGrp="1"/>
+          </p:cNvSpPr>
+          <p:nvPr>
+            <p:ph idx="1"/>
+          </p:nvPr>
+        </p:nvSpPr>
         <p:spPr>
           <a:xfrm>
-            <a:off x="677334" y="2592636"/>
-            <a:ext cx="8596668" cy="1320800"/>
+            <a:off x="677545" y="1633855"/>
+            <a:ext cx="8596630" cy="2674620"/>
           </a:xfrm>
         </p:spPr>
         <p:txBody>
           <a:bodyPr>
-            <a:noAutofit/>
+            <a:normAutofit/>
           </a:bodyPr>
           <a:lstStyle/>
           <a:p>
-            <a:pPr algn="ctr"/>
-            <a:r>
-              <a:rPr lang="en-US" altLang="zh-CN" sz="9600" dirty="0" smtClean="0">
-                <a:latin typeface="Apple Color Emoji" charset="0"/>
-                <a:ea typeface="Apple Color Emoji" charset="0"/>
-                <a:cs typeface="Apple Color Emoji" charset="0"/>
+            <a:r>
+              <a:rPr lang="en-US" dirty="0"/>
+              <a:t>ANR</a:t>
+            </a:r>
+            <a:r>
+              <a:rPr dirty="0"/>
+              <a:t>: </a:t>
+            </a:r>
+            <a:r>
+              <a:rPr dirty="0" err="1"/>
+              <a:t>主线程在特定的时间内没有完成特定的事情</a:t>
+            </a:r>
+            <a:r>
+              <a:rPr dirty="0" smtClean="0"/>
+              <a:t>。</a:t>
+            </a:r>
+            <a:endParaRPr lang="en-US" dirty="0" smtClean="0"/>
+          </a:p>
+          <a:p>
+            <a:r>
+              <a:rPr lang="zh-CN" dirty="0" smtClean="0"/>
+              <a:t>原理</a:t>
+            </a:r>
+            <a:r>
+              <a:rPr lang="zh-CN" dirty="0"/>
+              <a:t>：超时弹</a:t>
+            </a:r>
+            <a:r>
+              <a:rPr lang="zh-CN" dirty="0"/>
+              <a:t>窗</a:t>
+            </a:r>
+            <a:r>
+              <a:rPr lang="en-US" altLang="zh-CN" dirty="0"/>
+              <a:t>,</a:t>
+            </a:r>
+            <a:r>
+              <a:rPr lang="zh-CN" altLang="zh-CN" dirty="0"/>
+              <a:t> traces.</a:t>
+            </a:r>
+            <a:r>
+              <a:rPr lang="zh-CN" altLang="zh-CN" dirty="0" smtClean="0"/>
+              <a:t>txt</a:t>
+            </a:r>
+            <a:r>
+              <a:rPr lang="zh-CN" altLang="en-US" dirty="0"/>
+              <a:t>分析</a:t>
+            </a:r>
+            <a:r>
+              <a:rPr lang="zh-CN" altLang="zh-CN" dirty="0" smtClean="0">
+                <a:sym typeface="+mn-ea"/>
               </a:rPr>
-              <a:t>Q&amp;A</a:t>
-            </a:r>
-            <a:endParaRPr lang="en-US" sz="9600" dirty="0">
-              <a:latin typeface="Apple Color Emoji" charset="0"/>
-              <a:ea typeface="Apple Color Emoji" charset="0"/>
-              <a:cs typeface="Apple Color Emoji" charset="0"/>
+              <a:t>局限性</a:t>
+            </a:r>
+            <a:endParaRPr lang="zh-CN" dirty="0"/>
+          </a:p>
+          <a:p>
+            <a:r>
+              <a:rPr lang="zh-CN" altLang="zh-CN" dirty="0">
+                <a:sym typeface="+mn-ea"/>
+              </a:rPr>
+              <a:t>预防为主</a:t>
+            </a:r>
+            <a:r>
+              <a:rPr lang="zh-CN" altLang="zh-CN" dirty="0" smtClean="0">
+                <a:sym typeface="+mn-ea"/>
+              </a:rPr>
+              <a:t>，</a:t>
+            </a:r>
+            <a:r>
+              <a:rPr lang="zh-CN" altLang="en-US" dirty="0" smtClean="0">
+                <a:sym typeface="+mn-ea"/>
+              </a:rPr>
+              <a:t>分清哪些是主线程</a:t>
+            </a:r>
+            <a:r>
+              <a:rPr lang="zh-CN" altLang="zh-CN" dirty="0" smtClean="0">
+                <a:sym typeface="+mn-ea"/>
+              </a:rPr>
+              <a:t>，</a:t>
+            </a:r>
+            <a:r>
+              <a:rPr lang="zh-CN" altLang="zh-CN" dirty="0">
+                <a:sym typeface="+mn-ea"/>
+              </a:rPr>
+              <a:t>将耗时操作放在子线程中</a:t>
+            </a:r>
+            <a:r>
+              <a:rPr lang="zh-CN" altLang="zh-CN" dirty="0" smtClean="0">
+                <a:sym typeface="+mn-ea"/>
+              </a:rPr>
+              <a:t>执行</a:t>
+            </a:r>
+            <a:endParaRPr lang="en-US" altLang="zh-CN" dirty="0" smtClean="0">
+              <a:sym typeface="+mn-ea"/>
             </a:endParaRPr>
           </a:p>
+          <a:p>
+            <a:r>
+              <a:rPr lang="zh-CN" altLang="en-US" dirty="0" smtClean="0">
+                <a:sym typeface="+mn-ea"/>
+              </a:rPr>
+              <a:t>资料</a:t>
+            </a:r>
+            <a:r>
+              <a:rPr lang="en-US" altLang="zh-CN" dirty="0">
+                <a:sym typeface="+mn-ea"/>
+              </a:rPr>
+              <a:t>:</a:t>
+            </a:r>
+            <a:r>
+              <a:rPr lang="en-US" altLang="zh-CN" dirty="0" smtClean="0">
+                <a:sym typeface="+mn-ea"/>
+              </a:rPr>
+              <a:t>android-7.1.1_r1.7z-https</a:t>
+            </a:r>
+            <a:r>
+              <a:rPr lang="en-US" altLang="zh-CN" dirty="0">
+                <a:sym typeface="+mn-ea"/>
+              </a:rPr>
+              <a:t>://fs.djicorp.com/f/ebca324ece/</a:t>
+            </a:r>
+            <a:endParaRPr lang="zh-CN" altLang="zh-CN" dirty="0">
+              <a:sym typeface="+mn-ea"/>
+            </a:endParaRPr>
+          </a:p>
+          <a:p>
+            <a:pPr marL="0" indent="0">
+              <a:buNone/>
+            </a:pPr>
+            <a:endParaRPr lang="en-US" altLang="zh-CN" dirty="0" smtClean="0"/>
+          </a:p>
         </p:txBody>
       </p:sp>
     </p:spTree>
+    <p:extLst>
+      <p:ext uri="{BB962C8B-B14F-4D97-AF65-F5344CB8AC3E}">
+        <p14:creationId xmlns:p14="http://schemas.microsoft.com/office/powerpoint/2010/main" val="1745070855"/>
+      </p:ext>
+    </p:extLst>
   </p:cSld>
   <p:clrMapOvr>
     <a:masterClrMapping/>
@@ -8966,7 +9107,6 @@
               <a:rPr lang="en-US" altLang="zh-CN" dirty="0" smtClean="0"/>
               <a:t>ServiceTimeout:20s,200s</a:t>
             </a:r>
-            <a:endParaRPr lang="en-US" altLang="zh-CN" dirty="0" smtClean="0"/>
           </a:p>
           <a:p>
             <a:r>
@@ -8981,7 +9121,6 @@
               <a:rPr lang="en-US" altLang="zh-CN" dirty="0" smtClean="0"/>
               <a:t>10s,60s</a:t>
             </a:r>
-            <a:endParaRPr lang="en-US" altLang="zh-CN" dirty="0" smtClean="0"/>
           </a:p>
           <a:p>
             <a:r>
@@ -9007,7 +9146,7 @@
           <p:nvPr/>
         </p:nvPicPr>
         <p:blipFill>
-          <a:blip r:embed="rId1">
+          <a:blip r:embed="rId3">
             <a:extLst>
               <a:ext uri="{28A0092B-C50C-407E-A947-70E740481C1C}">
                 <a14:useLocalDpi xmlns:a14="http://schemas.microsoft.com/office/drawing/2010/main" val="0"/>
@@ -9053,6 +9192,7 @@
           <a:bodyPr wrap="square" rtlCol="0">
             <a:spAutoFit/>
           </a:bodyPr>
+          <a:lstStyle/>
           <a:p>
             <a:pPr algn="l"/>
             <a:r>
@@ -9067,7 +9207,77 @@
               <a:rPr lang="zh-CN" altLang="en-US"/>
               <a:t>时间内没有完成特定的事情</a:t>
             </a:r>
-            <a:endParaRPr lang="zh-CN" altLang="en-US"/>
+          </a:p>
+        </p:txBody>
+      </p:sp>
+    </p:spTree>
+  </p:cSld>
+  <p:clrMapOvr>
+    <a:masterClrMapping/>
+  </p:clrMapOvr>
+  <p:timing>
+    <p:tnLst>
+      <p:par>
+        <p:cTn id="1" dur="indefinite" restart="never" nodeType="tmRoot"/>
+      </p:par>
+    </p:tnLst>
+  </p:timing>
+</p:sld>
+</file>
+
+<file path=ppt/slides/slide20.xml><?xml version="1.0" encoding="utf-8"?>
+<p:sld xmlns:a="http://schemas.openxmlformats.org/drawingml/2006/main" xmlns:r="http://schemas.openxmlformats.org/officeDocument/2006/relationships" xmlns:p="http://schemas.openxmlformats.org/presentationml/2006/main">
+  <p:cSld>
+    <p:spTree>
+      <p:nvGrpSpPr>
+        <p:cNvPr id="1" name=""/>
+        <p:cNvGrpSpPr/>
+        <p:nvPr/>
+      </p:nvGrpSpPr>
+      <p:grpSpPr>
+        <a:xfrm>
+          <a:off x="0" y="0"/>
+          <a:ext cx="0" cy="0"/>
+          <a:chOff x="0" y="0"/>
+          <a:chExt cx="0" cy="0"/>
+        </a:xfrm>
+      </p:grpSpPr>
+      <p:sp>
+        <p:nvSpPr>
+          <p:cNvPr id="2" name="Title 1"/>
+          <p:cNvSpPr>
+            <a:spLocks noGrp="1"/>
+          </p:cNvSpPr>
+          <p:nvPr>
+            <p:ph type="title"/>
+          </p:nvPr>
+        </p:nvSpPr>
+        <p:spPr>
+          <a:xfrm>
+            <a:off x="677334" y="2592636"/>
+            <a:ext cx="8596668" cy="1320800"/>
+          </a:xfrm>
+        </p:spPr>
+        <p:txBody>
+          <a:bodyPr>
+            <a:noAutofit/>
+          </a:bodyPr>
+          <a:lstStyle/>
+          <a:p>
+            <a:pPr algn="ctr"/>
+            <a:r>
+              <a:rPr lang="en-US" altLang="zh-CN" sz="9600" dirty="0" smtClean="0">
+                <a:latin typeface="Apple Color Emoji" charset="0"/>
+                <a:ea typeface="Apple Color Emoji" charset="0"/>
+                <a:cs typeface="Apple Color Emoji" charset="0"/>
+              </a:rPr>
+              <a:t>Q&amp;A</a:t>
+            </a:r>
+            <a:endParaRPr lang="en-US" sz="9600" dirty="0">
+              <a:latin typeface="Apple Color Emoji" charset="0"/>
+              <a:ea typeface="Apple Color Emoji" charset="0"/>
+              <a:cs typeface="Apple Color Emoji" charset="0"/>
+            </a:endParaRPr>
           </a:p>
         </p:txBody>
       </p:sp>
@@ -9201,14 +9411,6 @@
               </a:rPr>
               <a:t>从EventHub取出事件并处理，再交给InputDispatcher；</a:t>
             </a:r>
-            <a:endParaRPr altLang="zh-CN" dirty="0">
-              <a:solidFill>
-                <a:schemeClr val="tx1">
-                  <a:lumMod val="75000"/>
-                  <a:lumOff val="25000"/>
-                </a:schemeClr>
-              </a:solidFill>
-            </a:endParaRPr>
           </a:p>
           <a:p>
             <a:pPr algn="l"/>
@@ -9246,14 +9448,6 @@
               </a:rPr>
               <a:t>接收来自InputReader的输入事件，派发事件；</a:t>
             </a:r>
-            <a:endParaRPr altLang="zh-CN" dirty="0">
-              <a:solidFill>
-                <a:schemeClr val="tx1">
-                  <a:lumMod val="75000"/>
-                  <a:lumOff val="25000"/>
-                </a:schemeClr>
-              </a:solidFill>
-            </a:endParaRPr>
           </a:p>
           <a:p>
             <a:pPr algn="l"/>
@@ -9291,14 +9485,6 @@
               </a:rPr>
               <a:t>跟WMS交互，派发事件到ViewRootImpl；</a:t>
             </a:r>
-            <a:endParaRPr altLang="zh-CN" dirty="0">
-              <a:solidFill>
-                <a:schemeClr val="tx1">
-                  <a:lumMod val="75000"/>
-                  <a:lumOff val="25000"/>
-                </a:schemeClr>
-              </a:solidFill>
-            </a:endParaRPr>
           </a:p>
         </p:txBody>
       </p:sp>
@@ -9585,7 +9771,7 @@
           <p:nvPr/>
         </p:nvPicPr>
         <p:blipFill>
-          <a:blip r:embed="rId1"/>
+          <a:blip r:embed="rId2"/>
           <a:stretch>
             <a:fillRect/>
           </a:stretch>
@@ -9958,7 +10144,7 @@
           <p:nvPr/>
         </p:nvPicPr>
         <p:blipFill>
-          <a:blip r:embed="rId1"/>
+          <a:blip r:embed="rId2"/>
           <a:stretch>
             <a:fillRect/>
           </a:stretch>
@@ -9982,7 +10168,7 @@
           <p:nvPr/>
         </p:nvPicPr>
         <p:blipFill>
-          <a:blip r:embed="rId2"/>
+          <a:blip r:embed="rId3"/>
           <a:stretch>
             <a:fillRect/>
           </a:stretch>
@@ -10355,7 +10541,7 @@
           <p:nvPr/>
         </p:nvPicPr>
         <p:blipFill>
-          <a:blip r:embed="rId1"/>
+          <a:blip r:embed="rId2"/>
           <a:stretch>
             <a:fillRect/>
           </a:stretch>
@@ -10506,7 +10692,6 @@
               <a:rPr lang="en-US" altLang="zh-CN" smtClean="0"/>
               <a:t>-Service Timeout</a:t>
             </a:r>
-            <a:endParaRPr lang="en-US" altLang="zh-CN" smtClean="0"/>
           </a:p>
         </p:txBody>
       </p:sp>
@@ -10517,7 +10702,7 @@
           <p:nvPr/>
         </p:nvPicPr>
         <p:blipFill>
-          <a:blip r:embed="rId1"/>
+          <a:blip r:embed="rId2"/>
           <a:stretch>
             <a:fillRect/>
           </a:stretch>
@@ -10539,7 +10724,7 @@
           <p:nvPr/>
         </p:nvPicPr>
         <p:blipFill>
-          <a:blip r:embed="rId2"/>
+          <a:blip r:embed="rId3"/>
           <a:stretch>
             <a:fillRect/>
           </a:stretch>
@@ -10619,9 +10804,6 @@
               </a:rPr>
               <a:t>上报</a:t>
             </a:r>
-            <a:endParaRPr lang="zh-CN" altLang="en-US" dirty="0" smtClean="0">
-              <a:ea typeface="宋体" panose="02010600030101010101" pitchFamily="2" charset="-122"/>
-            </a:endParaRPr>
           </a:p>
         </p:txBody>
       </p:sp>
@@ -10634,7 +10816,7 @@
           <p:nvPr/>
         </p:nvPicPr>
         <p:blipFill>
-          <a:blip r:embed="rId1"/>
+          <a:blip r:embed="rId2"/>
           <a:stretch>
             <a:fillRect/>
           </a:stretch>
@@ -10654,11 +10836,11 @@
   <p:clrMapOvr>
     <a:masterClrMapping/>
   </p:clrMapOvr>
-  <mc:AlternateContent xmlns:mc="http://schemas.openxmlformats.org/markup-compatibility/2006">
-    <mc:Choice xmlns:p14="http://schemas.microsoft.com/office/powerpoint/2010/main" Requires="p14">
+  <mc:AlternateContent xmlns:mc="http://schemas.openxmlformats.org/markup-compatibility/2006" xmlns:p14="http://schemas.microsoft.com/office/powerpoint/2010/main">
+    <mc:Choice Requires="p14">
       <p:transition spd="slow" p14:dur="2000" advTm="2678"/>
     </mc:Choice>
-    <mc:Fallback>
+    <mc:Fallback xmlns="">
       <p:transition spd="slow" advTm="2678"/>
     </mc:Fallback>
   </mc:AlternateContent>
@@ -10803,9 +10985,6 @@
               </a:rPr>
               <a:t>，时效性</a:t>
             </a:r>
-            <a:endParaRPr lang="zh-CN" altLang="en-US" dirty="0" smtClean="0">
-              <a:ea typeface="宋体" panose="02010600030101010101" pitchFamily="2" charset="-122"/>
-            </a:endParaRPr>
           </a:p>
         </p:txBody>
       </p:sp>
@@ -10818,7 +10997,7 @@
           <p:nvPr/>
         </p:nvPicPr>
         <p:blipFill>
-          <a:blip r:embed="rId1"/>
+          <a:blip r:embed="rId2"/>
           <a:stretch>
             <a:fillRect/>
           </a:stretch>
@@ -10842,7 +11021,7 @@
           <p:nvPr/>
         </p:nvPicPr>
         <p:blipFill>
-          <a:blip r:embed="rId2"/>
+          <a:blip r:embed="rId3"/>
           <a:stretch>
             <a:fillRect/>
           </a:stretch>
@@ -11056,9 +11235,6 @@
               </a:rPr>
               <a:t>分析工具</a:t>
             </a:r>
-            <a:endParaRPr lang="zh-CN" altLang="en-US" dirty="0">
-              <a:ea typeface="宋体" panose="02010600030101010101" pitchFamily="2" charset="-122"/>
-            </a:endParaRPr>
           </a:p>
         </p:txBody>
       </p:sp>
@@ -11119,7 +11295,7 @@
           <p:nvPr/>
         </p:nvPicPr>
         <p:blipFill>
-          <a:blip r:embed="rId1"/>
+          <a:blip r:embed="rId2"/>
           <a:stretch>
             <a:fillRect/>
           </a:stretch>
@@ -11143,7 +11319,7 @@
           <p:nvPr/>
         </p:nvPicPr>
         <p:blipFill>
-          <a:blip r:embed="rId2"/>
+          <a:blip r:embed="rId3"/>
           <a:stretch>
             <a:fillRect/>
           </a:stretch>
@@ -11549,6 +11725,8 @@
       </a:bgFillStyleLst>
     </a:fmtScheme>
   </a:themeElements>
+  <a:objectDefaults/>
+  <a:extraClrSchemeLst/>
   <a:extLst>
     <a:ext uri="{05A4C25C-085E-4340-85A3-A5531E510DB2}">
       <thm15:themeFamily xmlns:thm15="http://schemas.microsoft.com/office/thememl/2012/main" name="Office Theme" id="{62F939B6-93AF-4DB8-9C6B-D6C7DFDC589F}" vid="{4A3C46E8-61CC-4603-A589-7422A47A8E4A}"/>
@@ -11808,6 +11986,8 @@
       </a:bgFillStyleLst>
     </a:fmtScheme>
   </a:themeElements>
+  <a:objectDefaults/>
+  <a:extraClrSchemeLst/>
   <a:extLst>
     <a:ext uri="{05A4C25C-085E-4340-85A3-A5531E510DB2}">
       <thm15:themeFamily xmlns:thm15="http://schemas.microsoft.com/office/thememl/2012/main" name="Office Theme" id="{62F939B6-93AF-4DB8-9C6B-D6C7DFDC589F}" vid="{4A3C46E8-61CC-4603-A589-7422A47A8E4A}"/>
